--- a/Presentation.pptx
+++ b/Presentation.pptx
@@ -2,8 +2,24 @@
 <file path=ppt/presentation.xml><?xml version="1.0" encoding="utf-8"?>
 <p:presentation xmlns:a="http://schemas.openxmlformats.org/drawingml/2006/main" xmlns:r="http://schemas.openxmlformats.org/officeDocument/2006/relationships" xmlns:p="http://schemas.openxmlformats.org/presentationml/2006/main" saveSubsetFonts="1">
   <p:sldMasterIdLst>
-    <p:sldMasterId id="2147483648" r:id="rId1"/>
+    <p:sldMasterId id="2147483684" r:id="rId1"/>
   </p:sldMasterIdLst>
+  <p:sldIdLst>
+    <p:sldId id="256" r:id="rId2"/>
+    <p:sldId id="257" r:id="rId3"/>
+    <p:sldId id="258" r:id="rId4"/>
+    <p:sldId id="260" r:id="rId5"/>
+    <p:sldId id="259" r:id="rId6"/>
+    <p:sldId id="261" r:id="rId7"/>
+    <p:sldId id="262" r:id="rId8"/>
+    <p:sldId id="264" r:id="rId9"/>
+    <p:sldId id="263" r:id="rId10"/>
+    <p:sldId id="265" r:id="rId11"/>
+    <p:sldId id="266" r:id="rId12"/>
+    <p:sldId id="267" r:id="rId13"/>
+    <p:sldId id="268" r:id="rId14"/>
+    <p:sldId id="269" r:id="rId15"/>
+  </p:sldIdLst>
   <p:sldSz cx="9144000" cy="6858000" type="screen4x3"/>
   <p:notesSz cx="6858000" cy="9144000"/>
   <p:defaultTextStyle>
@@ -121,48 +137,100 @@
           <a:chExt cx="0" cy="0"/>
         </a:xfrm>
       </p:grpSpPr>
-      <p:sp>
-        <p:nvSpPr>
-          <p:cNvPr id="2" name="Заголовок 1"/>
-          <p:cNvSpPr>
-            <a:spLocks noGrp="1"/>
-          </p:cNvSpPr>
-          <p:nvPr>
-            <p:ph type="ctrTitle"/>
-          </p:nvPr>
-        </p:nvSpPr>
+      <p:pic>
+        <p:nvPicPr>
+          <p:cNvPr id="8" name="Рисунок 7">
+            <a:extLst>
+              <a:ext uri="{FF2B5EF4-FFF2-40B4-BE49-F238E27FC236}">
+                <a16:creationId xmlns:a16="http://schemas.microsoft.com/office/drawing/2014/main" xmlns="" id="{5B8FB482-B26B-4309-AC3B-1984E48BAB67}"/>
+              </a:ext>
+            </a:extLst>
+          </p:cNvPr>
+          <p:cNvPicPr>
+            <a:picLocks noChangeAspect="1"/>
+          </p:cNvPicPr>
+          <p:nvPr/>
+        </p:nvPicPr>
+        <p:blipFill>
+          <a:blip r:embed="rId2" cstate="print">
+            <a:extLst>
+              <a:ext uri="{28A0092B-C50C-407E-A947-70E740481C1C}">
+                <a14:useLocalDpi xmlns:a14="http://schemas.microsoft.com/office/drawing/2010/main" xmlns="" val="0"/>
+              </a:ext>
+            </a:extLst>
+          </a:blip>
+          <a:stretch>
+            <a:fillRect/>
+          </a:stretch>
+        </p:blipFill>
         <p:spPr>
           <a:xfrm>
-            <a:off x="685800" y="2130425"/>
-            <a:ext cx="7772400" cy="1470025"/>
-          </a:xfrm>
-        </p:spPr>
-        <p:txBody>
-          <a:bodyPr/>
-          <a:lstStyle/>
-          <a:p>
-            <a:r>
-              <a:rPr lang="ru-RU" smtClean="0"/>
-              <a:t>Образец заголовка</a:t>
-            </a:r>
-            <a:endParaRPr lang="ru-RU"/>
-          </a:p>
-        </p:txBody>
-      </p:sp>
-      <p:sp>
-        <p:nvSpPr>
-          <p:cNvPr id="3" name="Подзаголовок 2"/>
-          <p:cNvSpPr>
-            <a:spLocks noGrp="1"/>
-          </p:cNvSpPr>
-          <p:nvPr>
-            <p:ph type="subTitle" idx="1"/>
+            <a:off x="0" y="0"/>
+            <a:ext cx="9144000" cy="6858000"/>
+          </a:xfrm>
+          <a:prstGeom prst="rect">
+            <a:avLst/>
+          </a:prstGeom>
+        </p:spPr>
+      </p:pic>
+      <p:sp>
+        <p:nvSpPr>
+          <p:cNvPr id="2" name="Заголовок 1">
+            <a:extLst>
+              <a:ext uri="{FF2B5EF4-FFF2-40B4-BE49-F238E27FC236}">
+                <a16:creationId xmlns:a16="http://schemas.microsoft.com/office/drawing/2014/main" xmlns="" id="{00A30AE5-2D5E-47C9-9543-66EACF4D7F87}"/>
+              </a:ext>
+            </a:extLst>
+          </p:cNvPr>
+          <p:cNvSpPr>
+            <a:spLocks noGrp="1"/>
+          </p:cNvSpPr>
+          <p:nvPr>
+            <p:ph type="ctrTitle"/>
           </p:nvPr>
         </p:nvSpPr>
         <p:spPr>
           <a:xfrm>
-            <a:off x="1371600" y="3886200"/>
-            <a:ext cx="6400800" cy="1752600"/>
+            <a:off x="1143000" y="1122363"/>
+            <a:ext cx="6858000" cy="2387600"/>
+          </a:xfrm>
+        </p:spPr>
+        <p:txBody>
+          <a:bodyPr anchor="b"/>
+          <a:lstStyle>
+            <a:lvl1pPr algn="ctr">
+              <a:defRPr sz="6000"/>
+            </a:lvl1pPr>
+          </a:lstStyle>
+          <a:p>
+            <a:r>
+              <a:rPr lang="ru-RU" smtClean="0"/>
+              <a:t>Образец заголовка</a:t>
+            </a:r>
+            <a:endParaRPr lang="ru-RU"/>
+          </a:p>
+        </p:txBody>
+      </p:sp>
+      <p:sp>
+        <p:nvSpPr>
+          <p:cNvPr id="3" name="Подзаголовок 2">
+            <a:extLst>
+              <a:ext uri="{FF2B5EF4-FFF2-40B4-BE49-F238E27FC236}">
+                <a16:creationId xmlns:a16="http://schemas.microsoft.com/office/drawing/2014/main" xmlns="" id="{7B905932-3DF6-4728-9978-C1390E799B85}"/>
+              </a:ext>
+            </a:extLst>
+          </p:cNvPr>
+          <p:cNvSpPr>
+            <a:spLocks noGrp="1"/>
+          </p:cNvSpPr>
+          <p:nvPr>
+            <p:ph type="subTitle" idx="1"/>
+          </p:nvPr>
+        </p:nvSpPr>
+        <p:spPr>
+          <a:xfrm>
+            <a:off x="1143000" y="3602038"/>
+            <a:ext cx="6858000" cy="1655762"/>
           </a:xfrm>
         </p:spPr>
         <p:txBody>
@@ -170,93 +238,39 @@
           <a:lstStyle>
             <a:lvl1pPr marL="0" indent="0" algn="ctr">
               <a:buNone/>
-              <a:defRPr>
-                <a:solidFill>
-                  <a:schemeClr val="tx1">
-                    <a:tint val="75000"/>
-                  </a:schemeClr>
-                </a:solidFill>
-              </a:defRPr>
+              <a:defRPr sz="2400"/>
             </a:lvl1pPr>
             <a:lvl2pPr marL="457200" indent="0" algn="ctr">
               <a:buNone/>
-              <a:defRPr>
-                <a:solidFill>
-                  <a:schemeClr val="tx1">
-                    <a:tint val="75000"/>
-                  </a:schemeClr>
-                </a:solidFill>
-              </a:defRPr>
+              <a:defRPr sz="2000"/>
             </a:lvl2pPr>
             <a:lvl3pPr marL="914400" indent="0" algn="ctr">
               <a:buNone/>
-              <a:defRPr>
-                <a:solidFill>
-                  <a:schemeClr val="tx1">
-                    <a:tint val="75000"/>
-                  </a:schemeClr>
-                </a:solidFill>
-              </a:defRPr>
+              <a:defRPr sz="1800"/>
             </a:lvl3pPr>
             <a:lvl4pPr marL="1371600" indent="0" algn="ctr">
               <a:buNone/>
-              <a:defRPr>
-                <a:solidFill>
-                  <a:schemeClr val="tx1">
-                    <a:tint val="75000"/>
-                  </a:schemeClr>
-                </a:solidFill>
-              </a:defRPr>
+              <a:defRPr sz="1600"/>
             </a:lvl4pPr>
             <a:lvl5pPr marL="1828800" indent="0" algn="ctr">
               <a:buNone/>
-              <a:defRPr>
-                <a:solidFill>
-                  <a:schemeClr val="tx1">
-                    <a:tint val="75000"/>
-                  </a:schemeClr>
-                </a:solidFill>
-              </a:defRPr>
+              <a:defRPr sz="1600"/>
             </a:lvl5pPr>
             <a:lvl6pPr marL="2286000" indent="0" algn="ctr">
               <a:buNone/>
-              <a:defRPr>
-                <a:solidFill>
-                  <a:schemeClr val="tx1">
-                    <a:tint val="75000"/>
-                  </a:schemeClr>
-                </a:solidFill>
-              </a:defRPr>
+              <a:defRPr sz="1600"/>
             </a:lvl6pPr>
             <a:lvl7pPr marL="2743200" indent="0" algn="ctr">
               <a:buNone/>
-              <a:defRPr>
-                <a:solidFill>
-                  <a:schemeClr val="tx1">
-                    <a:tint val="75000"/>
-                  </a:schemeClr>
-                </a:solidFill>
-              </a:defRPr>
+              <a:defRPr sz="1600"/>
             </a:lvl7pPr>
             <a:lvl8pPr marL="3200400" indent="0" algn="ctr">
               <a:buNone/>
-              <a:defRPr>
-                <a:solidFill>
-                  <a:schemeClr val="tx1">
-                    <a:tint val="75000"/>
-                  </a:schemeClr>
-                </a:solidFill>
-              </a:defRPr>
+              <a:defRPr sz="1600"/>
             </a:lvl8pPr>
             <a:lvl9pPr marL="3657600" indent="0" algn="ctr">
               <a:buNone/>
-              <a:defRPr>
-                <a:solidFill>
-                  <a:schemeClr val="tx1">
-                    <a:tint val="75000"/>
-                  </a:schemeClr>
-                </a:solidFill>
-              </a:defRPr>
+              <a:defRPr sz="1600"/>
             </a:lvl9pPr>
           </a:lstStyle>
           <a:p>
@@ -270,7 +284,13 @@
       </p:sp>
       <p:sp>
         <p:nvSpPr>
-          <p:cNvPr id="4" name="Дата 3"/>
+          <p:cNvPr id="4" name="Дата 3">
+            <a:extLst>
+              <a:ext uri="{FF2B5EF4-FFF2-40B4-BE49-F238E27FC236}">
+                <a16:creationId xmlns:a16="http://schemas.microsoft.com/office/drawing/2014/main" xmlns="" id="{2AE6A824-E8D9-4EB1-B3EB-293B1F6FCE1A}"/>
+              </a:ext>
+            </a:extLst>
+          </p:cNvPr>
           <p:cNvSpPr>
             <a:spLocks noGrp="1"/>
           </p:cNvSpPr>
@@ -285,7 +305,8 @@
           <a:p>
             <a:fld id="{5B106E36-FD25-4E2D-B0AA-010F637433A0}" type="datetimeFigureOut">
               <a:rPr lang="ru-RU" smtClean="0"/>
-              <a:t>03.11.2006</a:t>
+              <a:pPr/>
+              <a:t>16.02.2023</a:t>
             </a:fld>
             <a:endParaRPr lang="ru-RU"/>
           </a:p>
@@ -293,7 +314,13 @@
       </p:sp>
       <p:sp>
         <p:nvSpPr>
-          <p:cNvPr id="5" name="Нижний колонтитул 4"/>
+          <p:cNvPr id="5" name="Нижний колонтитул 4">
+            <a:extLst>
+              <a:ext uri="{FF2B5EF4-FFF2-40B4-BE49-F238E27FC236}">
+                <a16:creationId xmlns:a16="http://schemas.microsoft.com/office/drawing/2014/main" xmlns="" id="{D979B570-BA3A-4545-8847-DA6CBCBED13A}"/>
+              </a:ext>
+            </a:extLst>
+          </p:cNvPr>
           <p:cNvSpPr>
             <a:spLocks noGrp="1"/>
           </p:cNvSpPr>
@@ -312,7 +339,13 @@
       </p:sp>
       <p:sp>
         <p:nvSpPr>
-          <p:cNvPr id="6" name="Номер слайда 5"/>
+          <p:cNvPr id="6" name="Номер слайда 5">
+            <a:extLst>
+              <a:ext uri="{FF2B5EF4-FFF2-40B4-BE49-F238E27FC236}">
+                <a16:creationId xmlns:a16="http://schemas.microsoft.com/office/drawing/2014/main" xmlns="" id="{4DF8FB2F-8628-46AA-AA3A-4F0236BA315A}"/>
+              </a:ext>
+            </a:extLst>
+          </p:cNvPr>
           <p:cNvSpPr>
             <a:spLocks noGrp="1"/>
           </p:cNvSpPr>
@@ -327,6 +360,7 @@
           <a:p>
             <a:fld id="{725C68B6-61C2-468F-89AB-4B9F7531AA68}" type="slidenum">
               <a:rPr lang="ru-RU" smtClean="0"/>
+              <a:pPr/>
               <a:t>‹#›</a:t>
             </a:fld>
             <a:endParaRPr lang="ru-RU"/>
@@ -334,6 +368,11 @@
         </p:txBody>
       </p:sp>
     </p:spTree>
+    <p:extLst>
+      <p:ext uri="{BB962C8B-B14F-4D97-AF65-F5344CB8AC3E}">
+        <p14:creationId xmlns:p14="http://schemas.microsoft.com/office/powerpoint/2010/main" xmlns="" val="1625610741"/>
+      </p:ext>
+    </p:extLst>
   </p:cSld>
   <p:clrMapOvr>
     <a:masterClrMapping/>
@@ -360,7 +399,13 @@
       </p:grpSpPr>
       <p:sp>
         <p:nvSpPr>
-          <p:cNvPr id="2" name="Заголовок 1"/>
+          <p:cNvPr id="2" name="Заголовок 1">
+            <a:extLst>
+              <a:ext uri="{FF2B5EF4-FFF2-40B4-BE49-F238E27FC236}">
+                <a16:creationId xmlns:a16="http://schemas.microsoft.com/office/drawing/2014/main" xmlns="" id="{0505CEC5-263F-430B-A7A3-4D60AE530BA8}"/>
+              </a:ext>
+            </a:extLst>
+          </p:cNvPr>
           <p:cNvSpPr>
             <a:spLocks noGrp="1"/>
           </p:cNvSpPr>
@@ -383,7 +428,13 @@
       </p:sp>
       <p:sp>
         <p:nvSpPr>
-          <p:cNvPr id="3" name="Вертикальный текст 2"/>
+          <p:cNvPr id="3" name="Вертикальный текст 2">
+            <a:extLst>
+              <a:ext uri="{FF2B5EF4-FFF2-40B4-BE49-F238E27FC236}">
+                <a16:creationId xmlns:a16="http://schemas.microsoft.com/office/drawing/2014/main" xmlns="" id="{8C0A29C9-2F9A-44EA-A794-2566A280DB9B}"/>
+              </a:ext>
+            </a:extLst>
+          </p:cNvPr>
           <p:cNvSpPr>
             <a:spLocks noGrp="1"/>
           </p:cNvSpPr>
@@ -435,7 +486,13 @@
       </p:sp>
       <p:sp>
         <p:nvSpPr>
-          <p:cNvPr id="4" name="Дата 3"/>
+          <p:cNvPr id="4" name="Дата 3">
+            <a:extLst>
+              <a:ext uri="{FF2B5EF4-FFF2-40B4-BE49-F238E27FC236}">
+                <a16:creationId xmlns:a16="http://schemas.microsoft.com/office/drawing/2014/main" xmlns="" id="{7791D7FB-CAEF-49E1-A84F-4425BE9F318F}"/>
+              </a:ext>
+            </a:extLst>
+          </p:cNvPr>
           <p:cNvSpPr>
             <a:spLocks noGrp="1"/>
           </p:cNvSpPr>
@@ -450,7 +507,8 @@
           <a:p>
             <a:fld id="{5B106E36-FD25-4E2D-B0AA-010F637433A0}" type="datetimeFigureOut">
               <a:rPr lang="ru-RU" smtClean="0"/>
-              <a:t>03.11.2006</a:t>
+              <a:pPr/>
+              <a:t>16.02.2023</a:t>
             </a:fld>
             <a:endParaRPr lang="ru-RU"/>
           </a:p>
@@ -458,7 +516,13 @@
       </p:sp>
       <p:sp>
         <p:nvSpPr>
-          <p:cNvPr id="5" name="Нижний колонтитул 4"/>
+          <p:cNvPr id="5" name="Нижний колонтитул 4">
+            <a:extLst>
+              <a:ext uri="{FF2B5EF4-FFF2-40B4-BE49-F238E27FC236}">
+                <a16:creationId xmlns:a16="http://schemas.microsoft.com/office/drawing/2014/main" xmlns="" id="{26361ADB-CCF5-42A0-AEDF-92107892F87E}"/>
+              </a:ext>
+            </a:extLst>
+          </p:cNvPr>
           <p:cNvSpPr>
             <a:spLocks noGrp="1"/>
           </p:cNvSpPr>
@@ -477,7 +541,13 @@
       </p:sp>
       <p:sp>
         <p:nvSpPr>
-          <p:cNvPr id="6" name="Номер слайда 5"/>
+          <p:cNvPr id="6" name="Номер слайда 5">
+            <a:extLst>
+              <a:ext uri="{FF2B5EF4-FFF2-40B4-BE49-F238E27FC236}">
+                <a16:creationId xmlns:a16="http://schemas.microsoft.com/office/drawing/2014/main" xmlns="" id="{2980CB7E-B30A-4254-8274-D9915E778EDC}"/>
+              </a:ext>
+            </a:extLst>
+          </p:cNvPr>
           <p:cNvSpPr>
             <a:spLocks noGrp="1"/>
           </p:cNvSpPr>
@@ -492,6 +562,7 @@
           <a:p>
             <a:fld id="{725C68B6-61C2-468F-89AB-4B9F7531AA68}" type="slidenum">
               <a:rPr lang="ru-RU" smtClean="0"/>
+              <a:pPr/>
               <a:t>‹#›</a:t>
             </a:fld>
             <a:endParaRPr lang="ru-RU"/>
@@ -499,6 +570,11 @@
         </p:txBody>
       </p:sp>
     </p:spTree>
+    <p:extLst>
+      <p:ext uri="{BB962C8B-B14F-4D97-AF65-F5344CB8AC3E}">
+        <p14:creationId xmlns:p14="http://schemas.microsoft.com/office/powerpoint/2010/main" xmlns="" val="2605420870"/>
+      </p:ext>
+    </p:extLst>
   </p:cSld>
   <p:clrMapOvr>
     <a:masterClrMapping/>
@@ -525,7 +601,13 @@
       </p:grpSpPr>
       <p:sp>
         <p:nvSpPr>
-          <p:cNvPr id="2" name="Вертикальный заголовок 1"/>
+          <p:cNvPr id="2" name="Вертикальный заголовок 1">
+            <a:extLst>
+              <a:ext uri="{FF2B5EF4-FFF2-40B4-BE49-F238E27FC236}">
+                <a16:creationId xmlns:a16="http://schemas.microsoft.com/office/drawing/2014/main" xmlns="" id="{216FE38D-78BC-4B22-BDA8-DC4CCAB581AC}"/>
+              </a:ext>
+            </a:extLst>
+          </p:cNvPr>
           <p:cNvSpPr>
             <a:spLocks noGrp="1"/>
           </p:cNvSpPr>
@@ -535,8 +617,8 @@
         </p:nvSpPr>
         <p:spPr>
           <a:xfrm>
-            <a:off x="6629400" y="274638"/>
-            <a:ext cx="2057400" cy="5851525"/>
+            <a:off x="6543675" y="365125"/>
+            <a:ext cx="1971675" cy="5811838"/>
           </a:xfrm>
         </p:spPr>
         <p:txBody>
@@ -553,7 +635,13 @@
       </p:sp>
       <p:sp>
         <p:nvSpPr>
-          <p:cNvPr id="3" name="Вертикальный текст 2"/>
+          <p:cNvPr id="3" name="Вертикальный текст 2">
+            <a:extLst>
+              <a:ext uri="{FF2B5EF4-FFF2-40B4-BE49-F238E27FC236}">
+                <a16:creationId xmlns:a16="http://schemas.microsoft.com/office/drawing/2014/main" xmlns="" id="{C03B2EED-EC6A-478A-8B5C-A6A0DF6B8801}"/>
+              </a:ext>
+            </a:extLst>
+          </p:cNvPr>
           <p:cNvSpPr>
             <a:spLocks noGrp="1"/>
           </p:cNvSpPr>
@@ -563,8 +651,8 @@
         </p:nvSpPr>
         <p:spPr>
           <a:xfrm>
-            <a:off x="457200" y="274638"/>
-            <a:ext cx="6019800" cy="5851525"/>
+            <a:off x="628650" y="365125"/>
+            <a:ext cx="5800725" cy="5811838"/>
           </a:xfrm>
         </p:spPr>
         <p:txBody>
@@ -610,7 +698,13 @@
       </p:sp>
       <p:sp>
         <p:nvSpPr>
-          <p:cNvPr id="4" name="Дата 3"/>
+          <p:cNvPr id="4" name="Дата 3">
+            <a:extLst>
+              <a:ext uri="{FF2B5EF4-FFF2-40B4-BE49-F238E27FC236}">
+                <a16:creationId xmlns:a16="http://schemas.microsoft.com/office/drawing/2014/main" xmlns="" id="{9947432E-411C-411A-AFF9-3EE1603BE656}"/>
+              </a:ext>
+            </a:extLst>
+          </p:cNvPr>
           <p:cNvSpPr>
             <a:spLocks noGrp="1"/>
           </p:cNvSpPr>
@@ -625,7 +719,8 @@
           <a:p>
             <a:fld id="{5B106E36-FD25-4E2D-B0AA-010F637433A0}" type="datetimeFigureOut">
               <a:rPr lang="ru-RU" smtClean="0"/>
-              <a:t>03.11.2006</a:t>
+              <a:pPr/>
+              <a:t>16.02.2023</a:t>
             </a:fld>
             <a:endParaRPr lang="ru-RU"/>
           </a:p>
@@ -633,7 +728,13 @@
       </p:sp>
       <p:sp>
         <p:nvSpPr>
-          <p:cNvPr id="5" name="Нижний колонтитул 4"/>
+          <p:cNvPr id="5" name="Нижний колонтитул 4">
+            <a:extLst>
+              <a:ext uri="{FF2B5EF4-FFF2-40B4-BE49-F238E27FC236}">
+                <a16:creationId xmlns:a16="http://schemas.microsoft.com/office/drawing/2014/main" xmlns="" id="{3B27C35B-2EA8-46DF-9009-6CED653BC09B}"/>
+              </a:ext>
+            </a:extLst>
+          </p:cNvPr>
           <p:cNvSpPr>
             <a:spLocks noGrp="1"/>
           </p:cNvSpPr>
@@ -652,7 +753,13 @@
       </p:sp>
       <p:sp>
         <p:nvSpPr>
-          <p:cNvPr id="6" name="Номер слайда 5"/>
+          <p:cNvPr id="6" name="Номер слайда 5">
+            <a:extLst>
+              <a:ext uri="{FF2B5EF4-FFF2-40B4-BE49-F238E27FC236}">
+                <a16:creationId xmlns:a16="http://schemas.microsoft.com/office/drawing/2014/main" xmlns="" id="{479800F6-56B1-4D27-8662-D74DBD0234E5}"/>
+              </a:ext>
+            </a:extLst>
+          </p:cNvPr>
           <p:cNvSpPr>
             <a:spLocks noGrp="1"/>
           </p:cNvSpPr>
@@ -667,6 +774,7 @@
           <a:p>
             <a:fld id="{725C68B6-61C2-468F-89AB-4B9F7531AA68}" type="slidenum">
               <a:rPr lang="ru-RU" smtClean="0"/>
+              <a:pPr/>
               <a:t>‹#›</a:t>
             </a:fld>
             <a:endParaRPr lang="ru-RU"/>
@@ -674,6 +782,11 @@
         </p:txBody>
       </p:sp>
     </p:spTree>
+    <p:extLst>
+      <p:ext uri="{BB962C8B-B14F-4D97-AF65-F5344CB8AC3E}">
+        <p14:creationId xmlns:p14="http://schemas.microsoft.com/office/powerpoint/2010/main" xmlns="" val="36407120"/>
+      </p:ext>
+    </p:extLst>
   </p:cSld>
   <p:clrMapOvr>
     <a:masterClrMapping/>
@@ -700,7 +813,13 @@
       </p:grpSpPr>
       <p:sp>
         <p:nvSpPr>
-          <p:cNvPr id="2" name="Заголовок 1"/>
+          <p:cNvPr id="2" name="Заголовок 1">
+            <a:extLst>
+              <a:ext uri="{FF2B5EF4-FFF2-40B4-BE49-F238E27FC236}">
+                <a16:creationId xmlns:a16="http://schemas.microsoft.com/office/drawing/2014/main" xmlns="" id="{5E0D2205-637D-4B70-8FCB-481AF9F0FFFC}"/>
+              </a:ext>
+            </a:extLst>
+          </p:cNvPr>
           <p:cNvSpPr>
             <a:spLocks noGrp="1"/>
           </p:cNvSpPr>
@@ -723,7 +842,13 @@
       </p:sp>
       <p:sp>
         <p:nvSpPr>
-          <p:cNvPr id="3" name="Содержимое 2"/>
+          <p:cNvPr id="3" name="Объект 2">
+            <a:extLst>
+              <a:ext uri="{FF2B5EF4-FFF2-40B4-BE49-F238E27FC236}">
+                <a16:creationId xmlns:a16="http://schemas.microsoft.com/office/drawing/2014/main" xmlns="" id="{7890EE51-0750-49D4-BCBC-129FFD296A85}"/>
+              </a:ext>
+            </a:extLst>
+          </p:cNvPr>
           <p:cNvSpPr>
             <a:spLocks noGrp="1"/>
           </p:cNvSpPr>
@@ -775,7 +900,13 @@
       </p:sp>
       <p:sp>
         <p:nvSpPr>
-          <p:cNvPr id="4" name="Дата 3"/>
+          <p:cNvPr id="4" name="Дата 3">
+            <a:extLst>
+              <a:ext uri="{FF2B5EF4-FFF2-40B4-BE49-F238E27FC236}">
+                <a16:creationId xmlns:a16="http://schemas.microsoft.com/office/drawing/2014/main" xmlns="" id="{F5CE7FC5-13B7-4D3E-AE4C-A798B42DBBDE}"/>
+              </a:ext>
+            </a:extLst>
+          </p:cNvPr>
           <p:cNvSpPr>
             <a:spLocks noGrp="1"/>
           </p:cNvSpPr>
@@ -790,7 +921,8 @@
           <a:p>
             <a:fld id="{5B106E36-FD25-4E2D-B0AA-010F637433A0}" type="datetimeFigureOut">
               <a:rPr lang="ru-RU" smtClean="0"/>
-              <a:t>03.11.2006</a:t>
+              <a:pPr/>
+              <a:t>16.02.2023</a:t>
             </a:fld>
             <a:endParaRPr lang="ru-RU"/>
           </a:p>
@@ -798,7 +930,13 @@
       </p:sp>
       <p:sp>
         <p:nvSpPr>
-          <p:cNvPr id="5" name="Нижний колонтитул 4"/>
+          <p:cNvPr id="5" name="Нижний колонтитул 4">
+            <a:extLst>
+              <a:ext uri="{FF2B5EF4-FFF2-40B4-BE49-F238E27FC236}">
+                <a16:creationId xmlns:a16="http://schemas.microsoft.com/office/drawing/2014/main" xmlns="" id="{B868BF7F-E425-43C8-B8E5-C85F1616F853}"/>
+              </a:ext>
+            </a:extLst>
+          </p:cNvPr>
           <p:cNvSpPr>
             <a:spLocks noGrp="1"/>
           </p:cNvSpPr>
@@ -817,7 +955,13 @@
       </p:sp>
       <p:sp>
         <p:nvSpPr>
-          <p:cNvPr id="6" name="Номер слайда 5"/>
+          <p:cNvPr id="6" name="Номер слайда 5">
+            <a:extLst>
+              <a:ext uri="{FF2B5EF4-FFF2-40B4-BE49-F238E27FC236}">
+                <a16:creationId xmlns:a16="http://schemas.microsoft.com/office/drawing/2014/main" xmlns="" id="{1456233E-07FC-4471-8E60-433BDF3D4DC3}"/>
+              </a:ext>
+            </a:extLst>
+          </p:cNvPr>
           <p:cNvSpPr>
             <a:spLocks noGrp="1"/>
           </p:cNvSpPr>
@@ -832,6 +976,7 @@
           <a:p>
             <a:fld id="{725C68B6-61C2-468F-89AB-4B9F7531AA68}" type="slidenum">
               <a:rPr lang="ru-RU" smtClean="0"/>
+              <a:pPr/>
               <a:t>‹#›</a:t>
             </a:fld>
             <a:endParaRPr lang="ru-RU"/>
@@ -839,6 +984,11 @@
         </p:txBody>
       </p:sp>
     </p:spTree>
+    <p:extLst>
+      <p:ext uri="{BB962C8B-B14F-4D97-AF65-F5344CB8AC3E}">
+        <p14:creationId xmlns:p14="http://schemas.microsoft.com/office/powerpoint/2010/main" xmlns="" val="3545391041"/>
+      </p:ext>
+    </p:extLst>
   </p:cSld>
   <p:clrMapOvr>
     <a:masterClrMapping/>
@@ -865,7 +1015,13 @@
       </p:grpSpPr>
       <p:sp>
         <p:nvSpPr>
-          <p:cNvPr id="2" name="Заголовок 1"/>
+          <p:cNvPr id="2" name="Заголовок 1">
+            <a:extLst>
+              <a:ext uri="{FF2B5EF4-FFF2-40B4-BE49-F238E27FC236}">
+                <a16:creationId xmlns:a16="http://schemas.microsoft.com/office/drawing/2014/main" xmlns="" id="{A75F468B-0B83-43CF-A8C8-23D9F95E3E78}"/>
+              </a:ext>
+            </a:extLst>
+          </p:cNvPr>
           <p:cNvSpPr>
             <a:spLocks noGrp="1"/>
           </p:cNvSpPr>
@@ -875,15 +1031,15 @@
         </p:nvSpPr>
         <p:spPr>
           <a:xfrm>
-            <a:off x="722313" y="4406900"/>
-            <a:ext cx="7772400" cy="1362075"/>
-          </a:xfrm>
-        </p:spPr>
-        <p:txBody>
-          <a:bodyPr anchor="t"/>
+            <a:off x="623888" y="1709739"/>
+            <a:ext cx="7886700" cy="2852737"/>
+          </a:xfrm>
+        </p:spPr>
+        <p:txBody>
+          <a:bodyPr anchor="b"/>
           <a:lstStyle>
-            <a:lvl1pPr algn="l">
-              <a:defRPr sz="4000" b="1" cap="all"/>
+            <a:lvl1pPr>
+              <a:defRPr sz="6000"/>
             </a:lvl1pPr>
           </a:lstStyle>
           <a:p>
@@ -897,7 +1053,13 @@
       </p:sp>
       <p:sp>
         <p:nvSpPr>
-          <p:cNvPr id="3" name="Текст 2"/>
+          <p:cNvPr id="3" name="Текст 2">
+            <a:extLst>
+              <a:ext uri="{FF2B5EF4-FFF2-40B4-BE49-F238E27FC236}">
+                <a16:creationId xmlns:a16="http://schemas.microsoft.com/office/drawing/2014/main" xmlns="" id="{CD9F6F10-2728-4014-BEC6-E9E835A86908}"/>
+              </a:ext>
+            </a:extLst>
+          </p:cNvPr>
           <p:cNvSpPr>
             <a:spLocks noGrp="1"/>
           </p:cNvSpPr>
@@ -907,16 +1069,16 @@
         </p:nvSpPr>
         <p:spPr>
           <a:xfrm>
-            <a:off x="722313" y="2906713"/>
-            <a:ext cx="7772400" cy="1500187"/>
-          </a:xfrm>
-        </p:spPr>
-        <p:txBody>
-          <a:bodyPr anchor="b"/>
+            <a:off x="623888" y="4589464"/>
+            <a:ext cx="7886700" cy="1500187"/>
+          </a:xfrm>
+        </p:spPr>
+        <p:txBody>
+          <a:bodyPr/>
           <a:lstStyle>
             <a:lvl1pPr marL="0" indent="0">
               <a:buNone/>
-              <a:defRPr sz="2000">
+              <a:defRPr sz="2400">
                 <a:solidFill>
                   <a:schemeClr val="tx1">
                     <a:tint val="75000"/>
@@ -926,7 +1088,7 @@
             </a:lvl1pPr>
             <a:lvl2pPr marL="457200" indent="0">
               <a:buNone/>
-              <a:defRPr sz="1800">
+              <a:defRPr sz="2000">
                 <a:solidFill>
                   <a:schemeClr val="tx1">
                     <a:tint val="75000"/>
@@ -936,7 +1098,7 @@
             </a:lvl2pPr>
             <a:lvl3pPr marL="914400" indent="0">
               <a:buNone/>
-              <a:defRPr sz="1600">
+              <a:defRPr sz="1800">
                 <a:solidFill>
                   <a:schemeClr val="tx1">
                     <a:tint val="75000"/>
@@ -946,7 +1108,7 @@
             </a:lvl3pPr>
             <a:lvl4pPr marL="1371600" indent="0">
               <a:buNone/>
-              <a:defRPr sz="1400">
+              <a:defRPr sz="1600">
                 <a:solidFill>
                   <a:schemeClr val="tx1">
                     <a:tint val="75000"/>
@@ -956,7 +1118,7 @@
             </a:lvl4pPr>
             <a:lvl5pPr marL="1828800" indent="0">
               <a:buNone/>
-              <a:defRPr sz="1400">
+              <a:defRPr sz="1600">
                 <a:solidFill>
                   <a:schemeClr val="tx1">
                     <a:tint val="75000"/>
@@ -966,7 +1128,7 @@
             </a:lvl5pPr>
             <a:lvl6pPr marL="2286000" indent="0">
               <a:buNone/>
-              <a:defRPr sz="1400">
+              <a:defRPr sz="1600">
                 <a:solidFill>
                   <a:schemeClr val="tx1">
                     <a:tint val="75000"/>
@@ -976,7 +1138,7 @@
             </a:lvl6pPr>
             <a:lvl7pPr marL="2743200" indent="0">
               <a:buNone/>
-              <a:defRPr sz="1400">
+              <a:defRPr sz="1600">
                 <a:solidFill>
                   <a:schemeClr val="tx1">
                     <a:tint val="75000"/>
@@ -986,7 +1148,7 @@
             </a:lvl7pPr>
             <a:lvl8pPr marL="3200400" indent="0">
               <a:buNone/>
-              <a:defRPr sz="1400">
+              <a:defRPr sz="1600">
                 <a:solidFill>
                   <a:schemeClr val="tx1">
                     <a:tint val="75000"/>
@@ -996,7 +1158,7 @@
             </a:lvl8pPr>
             <a:lvl9pPr marL="3657600" indent="0">
               <a:buNone/>
-              <a:defRPr sz="1400">
+              <a:defRPr sz="1600">
                 <a:solidFill>
                   <a:schemeClr val="tx1">
                     <a:tint val="75000"/>
@@ -1016,7 +1178,13 @@
       </p:sp>
       <p:sp>
         <p:nvSpPr>
-          <p:cNvPr id="4" name="Дата 3"/>
+          <p:cNvPr id="4" name="Дата 3">
+            <a:extLst>
+              <a:ext uri="{FF2B5EF4-FFF2-40B4-BE49-F238E27FC236}">
+                <a16:creationId xmlns:a16="http://schemas.microsoft.com/office/drawing/2014/main" xmlns="" id="{599888F6-6E94-4028-8217-41C1187E4050}"/>
+              </a:ext>
+            </a:extLst>
+          </p:cNvPr>
           <p:cNvSpPr>
             <a:spLocks noGrp="1"/>
           </p:cNvSpPr>
@@ -1031,7 +1199,8 @@
           <a:p>
             <a:fld id="{5B106E36-FD25-4E2D-B0AA-010F637433A0}" type="datetimeFigureOut">
               <a:rPr lang="ru-RU" smtClean="0"/>
-              <a:t>03.11.2006</a:t>
+              <a:pPr/>
+              <a:t>16.02.2023</a:t>
             </a:fld>
             <a:endParaRPr lang="ru-RU"/>
           </a:p>
@@ -1039,7 +1208,13 @@
       </p:sp>
       <p:sp>
         <p:nvSpPr>
-          <p:cNvPr id="5" name="Нижний колонтитул 4"/>
+          <p:cNvPr id="5" name="Нижний колонтитул 4">
+            <a:extLst>
+              <a:ext uri="{FF2B5EF4-FFF2-40B4-BE49-F238E27FC236}">
+                <a16:creationId xmlns:a16="http://schemas.microsoft.com/office/drawing/2014/main" xmlns="" id="{5401C364-A376-41DB-B301-24D1E1F49973}"/>
+              </a:ext>
+            </a:extLst>
+          </p:cNvPr>
           <p:cNvSpPr>
             <a:spLocks noGrp="1"/>
           </p:cNvSpPr>
@@ -1058,7 +1233,13 @@
       </p:sp>
       <p:sp>
         <p:nvSpPr>
-          <p:cNvPr id="6" name="Номер слайда 5"/>
+          <p:cNvPr id="6" name="Номер слайда 5">
+            <a:extLst>
+              <a:ext uri="{FF2B5EF4-FFF2-40B4-BE49-F238E27FC236}">
+                <a16:creationId xmlns:a16="http://schemas.microsoft.com/office/drawing/2014/main" xmlns="" id="{AE5885FB-6F31-4590-8FDF-FE1F8E67AF22}"/>
+              </a:ext>
+            </a:extLst>
+          </p:cNvPr>
           <p:cNvSpPr>
             <a:spLocks noGrp="1"/>
           </p:cNvSpPr>
@@ -1073,6 +1254,7 @@
           <a:p>
             <a:fld id="{725C68B6-61C2-468F-89AB-4B9F7531AA68}" type="slidenum">
               <a:rPr lang="ru-RU" smtClean="0"/>
+              <a:pPr/>
               <a:t>‹#›</a:t>
             </a:fld>
             <a:endParaRPr lang="ru-RU"/>
@@ -1080,6 +1262,11 @@
         </p:txBody>
       </p:sp>
     </p:spTree>
+    <p:extLst>
+      <p:ext uri="{BB962C8B-B14F-4D97-AF65-F5344CB8AC3E}">
+        <p14:creationId xmlns:p14="http://schemas.microsoft.com/office/powerpoint/2010/main" xmlns="" val="1094554699"/>
+      </p:ext>
+    </p:extLst>
   </p:cSld>
   <p:clrMapOvr>
     <a:masterClrMapping/>
@@ -1106,7 +1293,13 @@
       </p:grpSpPr>
       <p:sp>
         <p:nvSpPr>
-          <p:cNvPr id="2" name="Заголовок 1"/>
+          <p:cNvPr id="2" name="Заголовок 1">
+            <a:extLst>
+              <a:ext uri="{FF2B5EF4-FFF2-40B4-BE49-F238E27FC236}">
+                <a16:creationId xmlns:a16="http://schemas.microsoft.com/office/drawing/2014/main" xmlns="" id="{6BCBD40B-F342-4D90-BEC6-DA2FE05BBCAC}"/>
+              </a:ext>
+            </a:extLst>
+          </p:cNvPr>
           <p:cNvSpPr>
             <a:spLocks noGrp="1"/>
           </p:cNvSpPr>
@@ -1129,7 +1322,13 @@
       </p:sp>
       <p:sp>
         <p:nvSpPr>
-          <p:cNvPr id="3" name="Содержимое 2"/>
+          <p:cNvPr id="3" name="Объект 2">
+            <a:extLst>
+              <a:ext uri="{FF2B5EF4-FFF2-40B4-BE49-F238E27FC236}">
+                <a16:creationId xmlns:a16="http://schemas.microsoft.com/office/drawing/2014/main" xmlns="" id="{62DE47CE-0E5E-40DD-A50B-22D0988FB5FB}"/>
+              </a:ext>
+            </a:extLst>
+          </p:cNvPr>
           <p:cNvSpPr>
             <a:spLocks noGrp="1"/>
           </p:cNvSpPr>
@@ -1139,41 +1338,13 @@
         </p:nvSpPr>
         <p:spPr>
           <a:xfrm>
-            <a:off x="457200" y="1600200"/>
-            <a:ext cx="4038600" cy="4525963"/>
+            <a:off x="628650" y="1825625"/>
+            <a:ext cx="3886200" cy="4351338"/>
           </a:xfrm>
         </p:spPr>
         <p:txBody>
           <a:bodyPr/>
-          <a:lstStyle>
-            <a:lvl1pPr>
-              <a:defRPr sz="2800"/>
-            </a:lvl1pPr>
-            <a:lvl2pPr>
-              <a:defRPr sz="2400"/>
-            </a:lvl2pPr>
-            <a:lvl3pPr>
-              <a:defRPr sz="2000"/>
-            </a:lvl3pPr>
-            <a:lvl4pPr>
-              <a:defRPr sz="1800"/>
-            </a:lvl4pPr>
-            <a:lvl5pPr>
-              <a:defRPr sz="1800"/>
-            </a:lvl5pPr>
-            <a:lvl6pPr>
-              <a:defRPr sz="1800"/>
-            </a:lvl6pPr>
-            <a:lvl7pPr>
-              <a:defRPr sz="1800"/>
-            </a:lvl7pPr>
-            <a:lvl8pPr>
-              <a:defRPr sz="1800"/>
-            </a:lvl8pPr>
-            <a:lvl9pPr>
-              <a:defRPr sz="1800"/>
-            </a:lvl9pPr>
-          </a:lstStyle>
+          <a:lstStyle/>
           <a:p>
             <a:pPr lvl="0"/>
             <a:r>
@@ -1214,7 +1385,13 @@
       </p:sp>
       <p:sp>
         <p:nvSpPr>
-          <p:cNvPr id="4" name="Содержимое 3"/>
+          <p:cNvPr id="4" name="Объект 3">
+            <a:extLst>
+              <a:ext uri="{FF2B5EF4-FFF2-40B4-BE49-F238E27FC236}">
+                <a16:creationId xmlns:a16="http://schemas.microsoft.com/office/drawing/2014/main" xmlns="" id="{F9E4318F-FBDF-4786-895E-B0323754DD8C}"/>
+              </a:ext>
+            </a:extLst>
+          </p:cNvPr>
           <p:cNvSpPr>
             <a:spLocks noGrp="1"/>
           </p:cNvSpPr>
@@ -1224,41 +1401,13 @@
         </p:nvSpPr>
         <p:spPr>
           <a:xfrm>
-            <a:off x="4648200" y="1600200"/>
-            <a:ext cx="4038600" cy="4525963"/>
+            <a:off x="4629150" y="1825625"/>
+            <a:ext cx="3886200" cy="4351338"/>
           </a:xfrm>
         </p:spPr>
         <p:txBody>
           <a:bodyPr/>
-          <a:lstStyle>
-            <a:lvl1pPr>
-              <a:defRPr sz="2800"/>
-            </a:lvl1pPr>
-            <a:lvl2pPr>
-              <a:defRPr sz="2400"/>
-            </a:lvl2pPr>
-            <a:lvl3pPr>
-              <a:defRPr sz="2000"/>
-            </a:lvl3pPr>
-            <a:lvl4pPr>
-              <a:defRPr sz="1800"/>
-            </a:lvl4pPr>
-            <a:lvl5pPr>
-              <a:defRPr sz="1800"/>
-            </a:lvl5pPr>
-            <a:lvl6pPr>
-              <a:defRPr sz="1800"/>
-            </a:lvl6pPr>
-            <a:lvl7pPr>
-              <a:defRPr sz="1800"/>
-            </a:lvl7pPr>
-            <a:lvl8pPr>
-              <a:defRPr sz="1800"/>
-            </a:lvl8pPr>
-            <a:lvl9pPr>
-              <a:defRPr sz="1800"/>
-            </a:lvl9pPr>
-          </a:lstStyle>
+          <a:lstStyle/>
           <a:p>
             <a:pPr lvl="0"/>
             <a:r>
@@ -1299,7 +1448,13 @@
       </p:sp>
       <p:sp>
         <p:nvSpPr>
-          <p:cNvPr id="5" name="Дата 4"/>
+          <p:cNvPr id="5" name="Дата 4">
+            <a:extLst>
+              <a:ext uri="{FF2B5EF4-FFF2-40B4-BE49-F238E27FC236}">
+                <a16:creationId xmlns:a16="http://schemas.microsoft.com/office/drawing/2014/main" xmlns="" id="{5B75F8EA-9025-4EC8-B3A9-07041C1D4C26}"/>
+              </a:ext>
+            </a:extLst>
+          </p:cNvPr>
           <p:cNvSpPr>
             <a:spLocks noGrp="1"/>
           </p:cNvSpPr>
@@ -1314,7 +1469,8 @@
           <a:p>
             <a:fld id="{5B106E36-FD25-4E2D-B0AA-010F637433A0}" type="datetimeFigureOut">
               <a:rPr lang="ru-RU" smtClean="0"/>
-              <a:t>03.11.2006</a:t>
+              <a:pPr/>
+              <a:t>16.02.2023</a:t>
             </a:fld>
             <a:endParaRPr lang="ru-RU"/>
           </a:p>
@@ -1322,7 +1478,13 @@
       </p:sp>
       <p:sp>
         <p:nvSpPr>
-          <p:cNvPr id="6" name="Нижний колонтитул 5"/>
+          <p:cNvPr id="6" name="Нижний колонтитул 5">
+            <a:extLst>
+              <a:ext uri="{FF2B5EF4-FFF2-40B4-BE49-F238E27FC236}">
+                <a16:creationId xmlns:a16="http://schemas.microsoft.com/office/drawing/2014/main" xmlns="" id="{EDD80671-52E1-4601-B543-2BCD0B9F95A8}"/>
+              </a:ext>
+            </a:extLst>
+          </p:cNvPr>
           <p:cNvSpPr>
             <a:spLocks noGrp="1"/>
           </p:cNvSpPr>
@@ -1341,7 +1503,13 @@
       </p:sp>
       <p:sp>
         <p:nvSpPr>
-          <p:cNvPr id="7" name="Номер слайда 6"/>
+          <p:cNvPr id="7" name="Номер слайда 6">
+            <a:extLst>
+              <a:ext uri="{FF2B5EF4-FFF2-40B4-BE49-F238E27FC236}">
+                <a16:creationId xmlns:a16="http://schemas.microsoft.com/office/drawing/2014/main" xmlns="" id="{4ED6C303-B0EE-43B1-88AE-CB8C86F1765A}"/>
+              </a:ext>
+            </a:extLst>
+          </p:cNvPr>
           <p:cNvSpPr>
             <a:spLocks noGrp="1"/>
           </p:cNvSpPr>
@@ -1356,6 +1524,7 @@
           <a:p>
             <a:fld id="{725C68B6-61C2-468F-89AB-4B9F7531AA68}" type="slidenum">
               <a:rPr lang="ru-RU" smtClean="0"/>
+              <a:pPr/>
               <a:t>‹#›</a:t>
             </a:fld>
             <a:endParaRPr lang="ru-RU"/>
@@ -1363,6 +1532,11 @@
         </p:txBody>
       </p:sp>
     </p:spTree>
+    <p:extLst>
+      <p:ext uri="{BB962C8B-B14F-4D97-AF65-F5344CB8AC3E}">
+        <p14:creationId xmlns:p14="http://schemas.microsoft.com/office/powerpoint/2010/main" xmlns="" val="1009766076"/>
+      </p:ext>
+    </p:extLst>
   </p:cSld>
   <p:clrMapOvr>
     <a:masterClrMapping/>
@@ -1389,45 +1563,58 @@
       </p:grpSpPr>
       <p:sp>
         <p:nvSpPr>
-          <p:cNvPr id="2" name="Заголовок 1"/>
+          <p:cNvPr id="2" name="Заголовок 1">
+            <a:extLst>
+              <a:ext uri="{FF2B5EF4-FFF2-40B4-BE49-F238E27FC236}">
+                <a16:creationId xmlns:a16="http://schemas.microsoft.com/office/drawing/2014/main" xmlns="" id="{61D9DF41-99C3-480A-A620-ECB451C4C8DE}"/>
+              </a:ext>
+            </a:extLst>
+          </p:cNvPr>
           <p:cNvSpPr>
             <a:spLocks noGrp="1"/>
           </p:cNvSpPr>
           <p:nvPr>
             <p:ph type="title"/>
-          </p:nvPr>
-        </p:nvSpPr>
-        <p:spPr/>
-        <p:txBody>
-          <a:bodyPr/>
-          <a:lstStyle>
-            <a:lvl1pPr>
-              <a:defRPr/>
-            </a:lvl1pPr>
-          </a:lstStyle>
-          <a:p>
-            <a:r>
-              <a:rPr lang="ru-RU" smtClean="0"/>
-              <a:t>Образец заголовка</a:t>
-            </a:r>
-            <a:endParaRPr lang="ru-RU"/>
-          </a:p>
-        </p:txBody>
-      </p:sp>
-      <p:sp>
-        <p:nvSpPr>
-          <p:cNvPr id="3" name="Текст 2"/>
-          <p:cNvSpPr>
-            <a:spLocks noGrp="1"/>
-          </p:cNvSpPr>
-          <p:nvPr>
-            <p:ph type="body" idx="1"/>
           </p:nvPr>
         </p:nvSpPr>
         <p:spPr>
           <a:xfrm>
-            <a:off x="457200" y="1535113"/>
-            <a:ext cx="4040188" cy="639762"/>
+            <a:off x="629841" y="365126"/>
+            <a:ext cx="7886700" cy="1325563"/>
+          </a:xfrm>
+        </p:spPr>
+        <p:txBody>
+          <a:bodyPr/>
+          <a:lstStyle/>
+          <a:p>
+            <a:r>
+              <a:rPr lang="ru-RU" smtClean="0"/>
+              <a:t>Образец заголовка</a:t>
+            </a:r>
+            <a:endParaRPr lang="ru-RU"/>
+          </a:p>
+        </p:txBody>
+      </p:sp>
+      <p:sp>
+        <p:nvSpPr>
+          <p:cNvPr id="3" name="Текст 2">
+            <a:extLst>
+              <a:ext uri="{FF2B5EF4-FFF2-40B4-BE49-F238E27FC236}">
+                <a16:creationId xmlns:a16="http://schemas.microsoft.com/office/drawing/2014/main" xmlns="" id="{FDAA9CA2-DFE2-4596-A97E-9FFF6BB0FAC7}"/>
+              </a:ext>
+            </a:extLst>
+          </p:cNvPr>
+          <p:cNvSpPr>
+            <a:spLocks noGrp="1"/>
+          </p:cNvSpPr>
+          <p:nvPr>
+            <p:ph type="body" idx="1"/>
+          </p:nvPr>
+        </p:nvSpPr>
+        <p:spPr>
+          <a:xfrm>
+            <a:off x="629842" y="1681163"/>
+            <a:ext cx="3868340" cy="823912"/>
           </a:xfrm>
         </p:spPr>
         <p:txBody>
@@ -1481,7 +1668,13 @@
       </p:sp>
       <p:sp>
         <p:nvSpPr>
-          <p:cNvPr id="4" name="Содержимое 3"/>
+          <p:cNvPr id="4" name="Объект 3">
+            <a:extLst>
+              <a:ext uri="{FF2B5EF4-FFF2-40B4-BE49-F238E27FC236}">
+                <a16:creationId xmlns:a16="http://schemas.microsoft.com/office/drawing/2014/main" xmlns="" id="{5F1DDB2F-96ED-4700-B450-1A23E0C62AE5}"/>
+              </a:ext>
+            </a:extLst>
+          </p:cNvPr>
           <p:cNvSpPr>
             <a:spLocks noGrp="1"/>
           </p:cNvSpPr>
@@ -1491,41 +1684,13 @@
         </p:nvSpPr>
         <p:spPr>
           <a:xfrm>
-            <a:off x="457200" y="2174875"/>
-            <a:ext cx="4040188" cy="3951288"/>
+            <a:off x="629842" y="2505075"/>
+            <a:ext cx="3868340" cy="3684588"/>
           </a:xfrm>
         </p:spPr>
         <p:txBody>
           <a:bodyPr/>
-          <a:lstStyle>
-            <a:lvl1pPr>
-              <a:defRPr sz="2400"/>
-            </a:lvl1pPr>
-            <a:lvl2pPr>
-              <a:defRPr sz="2000"/>
-            </a:lvl2pPr>
-            <a:lvl3pPr>
-              <a:defRPr sz="1800"/>
-            </a:lvl3pPr>
-            <a:lvl4pPr>
-              <a:defRPr sz="1600"/>
-            </a:lvl4pPr>
-            <a:lvl5pPr>
-              <a:defRPr sz="1600"/>
-            </a:lvl5pPr>
-            <a:lvl6pPr>
-              <a:defRPr sz="1600"/>
-            </a:lvl6pPr>
-            <a:lvl7pPr>
-              <a:defRPr sz="1600"/>
-            </a:lvl7pPr>
-            <a:lvl8pPr>
-              <a:defRPr sz="1600"/>
-            </a:lvl8pPr>
-            <a:lvl9pPr>
-              <a:defRPr sz="1600"/>
-            </a:lvl9pPr>
-          </a:lstStyle>
+          <a:lstStyle/>
           <a:p>
             <a:pPr lvl="0"/>
             <a:r>
@@ -1566,7 +1731,13 @@
       </p:sp>
       <p:sp>
         <p:nvSpPr>
-          <p:cNvPr id="5" name="Текст 4"/>
+          <p:cNvPr id="5" name="Текст 4">
+            <a:extLst>
+              <a:ext uri="{FF2B5EF4-FFF2-40B4-BE49-F238E27FC236}">
+                <a16:creationId xmlns:a16="http://schemas.microsoft.com/office/drawing/2014/main" xmlns="" id="{48C08846-A790-4F61-91D7-B4318D6DA163}"/>
+              </a:ext>
+            </a:extLst>
+          </p:cNvPr>
           <p:cNvSpPr>
             <a:spLocks noGrp="1"/>
           </p:cNvSpPr>
@@ -1576,8 +1747,8 @@
         </p:nvSpPr>
         <p:spPr>
           <a:xfrm>
-            <a:off x="4645025" y="1535113"/>
-            <a:ext cx="4041775" cy="639762"/>
+            <a:off x="4629150" y="1681163"/>
+            <a:ext cx="3887391" cy="823912"/>
           </a:xfrm>
         </p:spPr>
         <p:txBody>
@@ -1631,7 +1802,13 @@
       </p:sp>
       <p:sp>
         <p:nvSpPr>
-          <p:cNvPr id="6" name="Содержимое 5"/>
+          <p:cNvPr id="6" name="Объект 5">
+            <a:extLst>
+              <a:ext uri="{FF2B5EF4-FFF2-40B4-BE49-F238E27FC236}">
+                <a16:creationId xmlns:a16="http://schemas.microsoft.com/office/drawing/2014/main" xmlns="" id="{37DF7DB8-8F3C-4B15-83E6-3DE91EA02E82}"/>
+              </a:ext>
+            </a:extLst>
+          </p:cNvPr>
           <p:cNvSpPr>
             <a:spLocks noGrp="1"/>
           </p:cNvSpPr>
@@ -1641,41 +1818,13 @@
         </p:nvSpPr>
         <p:spPr>
           <a:xfrm>
-            <a:off x="4645025" y="2174875"/>
-            <a:ext cx="4041775" cy="3951288"/>
+            <a:off x="4629150" y="2505075"/>
+            <a:ext cx="3887391" cy="3684588"/>
           </a:xfrm>
         </p:spPr>
         <p:txBody>
           <a:bodyPr/>
-          <a:lstStyle>
-            <a:lvl1pPr>
-              <a:defRPr sz="2400"/>
-            </a:lvl1pPr>
-            <a:lvl2pPr>
-              <a:defRPr sz="2000"/>
-            </a:lvl2pPr>
-            <a:lvl3pPr>
-              <a:defRPr sz="1800"/>
-            </a:lvl3pPr>
-            <a:lvl4pPr>
-              <a:defRPr sz="1600"/>
-            </a:lvl4pPr>
-            <a:lvl5pPr>
-              <a:defRPr sz="1600"/>
-            </a:lvl5pPr>
-            <a:lvl6pPr>
-              <a:defRPr sz="1600"/>
-            </a:lvl6pPr>
-            <a:lvl7pPr>
-              <a:defRPr sz="1600"/>
-            </a:lvl7pPr>
-            <a:lvl8pPr>
-              <a:defRPr sz="1600"/>
-            </a:lvl8pPr>
-            <a:lvl9pPr>
-              <a:defRPr sz="1600"/>
-            </a:lvl9pPr>
-          </a:lstStyle>
+          <a:lstStyle/>
           <a:p>
             <a:pPr lvl="0"/>
             <a:r>
@@ -1716,7 +1865,13 @@
       </p:sp>
       <p:sp>
         <p:nvSpPr>
-          <p:cNvPr id="7" name="Дата 6"/>
+          <p:cNvPr id="7" name="Дата 6">
+            <a:extLst>
+              <a:ext uri="{FF2B5EF4-FFF2-40B4-BE49-F238E27FC236}">
+                <a16:creationId xmlns:a16="http://schemas.microsoft.com/office/drawing/2014/main" xmlns="" id="{80C71322-FFB5-455E-A5F9-7A93DF4A3E66}"/>
+              </a:ext>
+            </a:extLst>
+          </p:cNvPr>
           <p:cNvSpPr>
             <a:spLocks noGrp="1"/>
           </p:cNvSpPr>
@@ -1731,7 +1886,8 @@
           <a:p>
             <a:fld id="{5B106E36-FD25-4E2D-B0AA-010F637433A0}" type="datetimeFigureOut">
               <a:rPr lang="ru-RU" smtClean="0"/>
-              <a:t>03.11.2006</a:t>
+              <a:pPr/>
+              <a:t>16.02.2023</a:t>
             </a:fld>
             <a:endParaRPr lang="ru-RU"/>
           </a:p>
@@ -1739,7 +1895,13 @@
       </p:sp>
       <p:sp>
         <p:nvSpPr>
-          <p:cNvPr id="8" name="Нижний колонтитул 7"/>
+          <p:cNvPr id="8" name="Нижний колонтитул 7">
+            <a:extLst>
+              <a:ext uri="{FF2B5EF4-FFF2-40B4-BE49-F238E27FC236}">
+                <a16:creationId xmlns:a16="http://schemas.microsoft.com/office/drawing/2014/main" xmlns="" id="{7347EFBA-34A2-474A-BE96-4ECEDB011BEA}"/>
+              </a:ext>
+            </a:extLst>
+          </p:cNvPr>
           <p:cNvSpPr>
             <a:spLocks noGrp="1"/>
           </p:cNvSpPr>
@@ -1758,7 +1920,13 @@
       </p:sp>
       <p:sp>
         <p:nvSpPr>
-          <p:cNvPr id="9" name="Номер слайда 8"/>
+          <p:cNvPr id="9" name="Номер слайда 8">
+            <a:extLst>
+              <a:ext uri="{FF2B5EF4-FFF2-40B4-BE49-F238E27FC236}">
+                <a16:creationId xmlns:a16="http://schemas.microsoft.com/office/drawing/2014/main" xmlns="" id="{C618FD37-D428-4EFE-A591-CCCF9B87C456}"/>
+              </a:ext>
+            </a:extLst>
+          </p:cNvPr>
           <p:cNvSpPr>
             <a:spLocks noGrp="1"/>
           </p:cNvSpPr>
@@ -1773,6 +1941,7 @@
           <a:p>
             <a:fld id="{725C68B6-61C2-468F-89AB-4B9F7531AA68}" type="slidenum">
               <a:rPr lang="ru-RU" smtClean="0"/>
+              <a:pPr/>
               <a:t>‹#›</a:t>
             </a:fld>
             <a:endParaRPr lang="ru-RU"/>
@@ -1780,6 +1949,11 @@
         </p:txBody>
       </p:sp>
     </p:spTree>
+    <p:extLst>
+      <p:ext uri="{BB962C8B-B14F-4D97-AF65-F5344CB8AC3E}">
+        <p14:creationId xmlns:p14="http://schemas.microsoft.com/office/powerpoint/2010/main" xmlns="" val="1383024286"/>
+      </p:ext>
+    </p:extLst>
   </p:cSld>
   <p:clrMapOvr>
     <a:masterClrMapping/>
@@ -1806,7 +1980,13 @@
       </p:grpSpPr>
       <p:sp>
         <p:nvSpPr>
-          <p:cNvPr id="2" name="Заголовок 1"/>
+          <p:cNvPr id="2" name="Заголовок 1">
+            <a:extLst>
+              <a:ext uri="{FF2B5EF4-FFF2-40B4-BE49-F238E27FC236}">
+                <a16:creationId xmlns:a16="http://schemas.microsoft.com/office/drawing/2014/main" xmlns="" id="{D3F1F6D5-A5CE-48F4-8A28-C6615B58F747}"/>
+              </a:ext>
+            </a:extLst>
+          </p:cNvPr>
           <p:cNvSpPr>
             <a:spLocks noGrp="1"/>
           </p:cNvSpPr>
@@ -1829,7 +2009,13 @@
       </p:sp>
       <p:sp>
         <p:nvSpPr>
-          <p:cNvPr id="3" name="Дата 2"/>
+          <p:cNvPr id="3" name="Дата 2">
+            <a:extLst>
+              <a:ext uri="{FF2B5EF4-FFF2-40B4-BE49-F238E27FC236}">
+                <a16:creationId xmlns:a16="http://schemas.microsoft.com/office/drawing/2014/main" xmlns="" id="{F2F16455-ADD8-44CE-A795-0885A2CEA82F}"/>
+              </a:ext>
+            </a:extLst>
+          </p:cNvPr>
           <p:cNvSpPr>
             <a:spLocks noGrp="1"/>
           </p:cNvSpPr>
@@ -1844,7 +2030,8 @@
           <a:p>
             <a:fld id="{5B106E36-FD25-4E2D-B0AA-010F637433A0}" type="datetimeFigureOut">
               <a:rPr lang="ru-RU" smtClean="0"/>
-              <a:t>03.11.2006</a:t>
+              <a:pPr/>
+              <a:t>16.02.2023</a:t>
             </a:fld>
             <a:endParaRPr lang="ru-RU"/>
           </a:p>
@@ -1852,7 +2039,13 @@
       </p:sp>
       <p:sp>
         <p:nvSpPr>
-          <p:cNvPr id="4" name="Нижний колонтитул 3"/>
+          <p:cNvPr id="4" name="Нижний колонтитул 3">
+            <a:extLst>
+              <a:ext uri="{FF2B5EF4-FFF2-40B4-BE49-F238E27FC236}">
+                <a16:creationId xmlns:a16="http://schemas.microsoft.com/office/drawing/2014/main" xmlns="" id="{AAE7699B-4AEA-4EFD-B828-35B7DDE746CE}"/>
+              </a:ext>
+            </a:extLst>
+          </p:cNvPr>
           <p:cNvSpPr>
             <a:spLocks noGrp="1"/>
           </p:cNvSpPr>
@@ -1871,7 +2064,13 @@
       </p:sp>
       <p:sp>
         <p:nvSpPr>
-          <p:cNvPr id="5" name="Номер слайда 4"/>
+          <p:cNvPr id="5" name="Номер слайда 4">
+            <a:extLst>
+              <a:ext uri="{FF2B5EF4-FFF2-40B4-BE49-F238E27FC236}">
+                <a16:creationId xmlns:a16="http://schemas.microsoft.com/office/drawing/2014/main" xmlns="" id="{7C1174FD-C601-4CFC-8055-F343F0B24E78}"/>
+              </a:ext>
+            </a:extLst>
+          </p:cNvPr>
           <p:cNvSpPr>
             <a:spLocks noGrp="1"/>
           </p:cNvSpPr>
@@ -1886,6 +2085,7 @@
           <a:p>
             <a:fld id="{725C68B6-61C2-468F-89AB-4B9F7531AA68}" type="slidenum">
               <a:rPr lang="ru-RU" smtClean="0"/>
+              <a:pPr/>
               <a:t>‹#›</a:t>
             </a:fld>
             <a:endParaRPr lang="ru-RU"/>
@@ -1893,6 +2093,11 @@
         </p:txBody>
       </p:sp>
     </p:spTree>
+    <p:extLst>
+      <p:ext uri="{BB962C8B-B14F-4D97-AF65-F5344CB8AC3E}">
+        <p14:creationId xmlns:p14="http://schemas.microsoft.com/office/powerpoint/2010/main" xmlns="" val="1086270086"/>
+      </p:ext>
+    </p:extLst>
   </p:cSld>
   <p:clrMapOvr>
     <a:masterClrMapping/>
@@ -1919,7 +2124,13 @@
       </p:grpSpPr>
       <p:sp>
         <p:nvSpPr>
-          <p:cNvPr id="2" name="Дата 1"/>
+          <p:cNvPr id="2" name="Дата 1">
+            <a:extLst>
+              <a:ext uri="{FF2B5EF4-FFF2-40B4-BE49-F238E27FC236}">
+                <a16:creationId xmlns:a16="http://schemas.microsoft.com/office/drawing/2014/main" xmlns="" id="{76462615-1F0F-4D0C-8F9F-711F86950917}"/>
+              </a:ext>
+            </a:extLst>
+          </p:cNvPr>
           <p:cNvSpPr>
             <a:spLocks noGrp="1"/>
           </p:cNvSpPr>
@@ -1934,7 +2145,8 @@
           <a:p>
             <a:fld id="{5B106E36-FD25-4E2D-B0AA-010F637433A0}" type="datetimeFigureOut">
               <a:rPr lang="ru-RU" smtClean="0"/>
-              <a:t>03.11.2006</a:t>
+              <a:pPr/>
+              <a:t>16.02.2023</a:t>
             </a:fld>
             <a:endParaRPr lang="ru-RU"/>
           </a:p>
@@ -1942,7 +2154,13 @@
       </p:sp>
       <p:sp>
         <p:nvSpPr>
-          <p:cNvPr id="3" name="Нижний колонтитул 2"/>
+          <p:cNvPr id="3" name="Нижний колонтитул 2">
+            <a:extLst>
+              <a:ext uri="{FF2B5EF4-FFF2-40B4-BE49-F238E27FC236}">
+                <a16:creationId xmlns:a16="http://schemas.microsoft.com/office/drawing/2014/main" xmlns="" id="{152F6A28-7EAC-41A8-92F0-DA0EBDDA94E7}"/>
+              </a:ext>
+            </a:extLst>
+          </p:cNvPr>
           <p:cNvSpPr>
             <a:spLocks noGrp="1"/>
           </p:cNvSpPr>
@@ -1961,7 +2179,13 @@
       </p:sp>
       <p:sp>
         <p:nvSpPr>
-          <p:cNvPr id="4" name="Номер слайда 3"/>
+          <p:cNvPr id="4" name="Номер слайда 3">
+            <a:extLst>
+              <a:ext uri="{FF2B5EF4-FFF2-40B4-BE49-F238E27FC236}">
+                <a16:creationId xmlns:a16="http://schemas.microsoft.com/office/drawing/2014/main" xmlns="" id="{AD996222-B1D1-4A56-AF1E-77AD00966853}"/>
+              </a:ext>
+            </a:extLst>
+          </p:cNvPr>
           <p:cNvSpPr>
             <a:spLocks noGrp="1"/>
           </p:cNvSpPr>
@@ -1976,6 +2200,7 @@
           <a:p>
             <a:fld id="{725C68B6-61C2-468F-89AB-4B9F7531AA68}" type="slidenum">
               <a:rPr lang="ru-RU" smtClean="0"/>
+              <a:pPr/>
               <a:t>‹#›</a:t>
             </a:fld>
             <a:endParaRPr lang="ru-RU"/>
@@ -1983,6 +2208,11 @@
         </p:txBody>
       </p:sp>
     </p:spTree>
+    <p:extLst>
+      <p:ext uri="{BB962C8B-B14F-4D97-AF65-F5344CB8AC3E}">
+        <p14:creationId xmlns:p14="http://schemas.microsoft.com/office/powerpoint/2010/main" xmlns="" val="3809337190"/>
+      </p:ext>
+    </p:extLst>
   </p:cSld>
   <p:clrMapOvr>
     <a:masterClrMapping/>
@@ -2009,7 +2239,13 @@
       </p:grpSpPr>
       <p:sp>
         <p:nvSpPr>
-          <p:cNvPr id="2" name="Заголовок 1"/>
+          <p:cNvPr id="2" name="Заголовок 1">
+            <a:extLst>
+              <a:ext uri="{FF2B5EF4-FFF2-40B4-BE49-F238E27FC236}">
+                <a16:creationId xmlns:a16="http://schemas.microsoft.com/office/drawing/2014/main" xmlns="" id="{743957DF-CA58-41C2-B7AE-CB6530A4DAEC}"/>
+              </a:ext>
+            </a:extLst>
+          </p:cNvPr>
           <p:cNvSpPr>
             <a:spLocks noGrp="1"/>
           </p:cNvSpPr>
@@ -2019,15 +2255,15 @@
         </p:nvSpPr>
         <p:spPr>
           <a:xfrm>
-            <a:off x="457200" y="273050"/>
-            <a:ext cx="3008313" cy="1162050"/>
+            <a:off x="629841" y="457200"/>
+            <a:ext cx="2949178" cy="1600200"/>
           </a:xfrm>
         </p:spPr>
         <p:txBody>
           <a:bodyPr anchor="b"/>
           <a:lstStyle>
-            <a:lvl1pPr algn="l">
-              <a:defRPr sz="2000" b="1"/>
+            <a:lvl1pPr>
+              <a:defRPr sz="3200"/>
             </a:lvl1pPr>
           </a:lstStyle>
           <a:p>
@@ -2041,7 +2277,13 @@
       </p:sp>
       <p:sp>
         <p:nvSpPr>
-          <p:cNvPr id="3" name="Содержимое 2"/>
+          <p:cNvPr id="3" name="Объект 2">
+            <a:extLst>
+              <a:ext uri="{FF2B5EF4-FFF2-40B4-BE49-F238E27FC236}">
+                <a16:creationId xmlns:a16="http://schemas.microsoft.com/office/drawing/2014/main" xmlns="" id="{B5D8B538-D475-4642-BF15-B4E98D7BCA64}"/>
+              </a:ext>
+            </a:extLst>
+          </p:cNvPr>
           <p:cNvSpPr>
             <a:spLocks noGrp="1"/>
           </p:cNvSpPr>
@@ -2051,8 +2293,8 @@
         </p:nvSpPr>
         <p:spPr>
           <a:xfrm>
-            <a:off x="3575050" y="273050"/>
-            <a:ext cx="5111750" cy="5853113"/>
+            <a:off x="3887391" y="987426"/>
+            <a:ext cx="4629150" cy="4873625"/>
           </a:xfrm>
         </p:spPr>
         <p:txBody>
@@ -2126,7 +2368,13 @@
       </p:sp>
       <p:sp>
         <p:nvSpPr>
-          <p:cNvPr id="4" name="Текст 3"/>
+          <p:cNvPr id="4" name="Текст 3">
+            <a:extLst>
+              <a:ext uri="{FF2B5EF4-FFF2-40B4-BE49-F238E27FC236}">
+                <a16:creationId xmlns:a16="http://schemas.microsoft.com/office/drawing/2014/main" xmlns="" id="{A55252DD-04BF-430A-9AE7-884C693CAB8F}"/>
+              </a:ext>
+            </a:extLst>
+          </p:cNvPr>
           <p:cNvSpPr>
             <a:spLocks noGrp="1"/>
           </p:cNvSpPr>
@@ -2136,8 +2384,8 @@
         </p:nvSpPr>
         <p:spPr>
           <a:xfrm>
-            <a:off x="457200" y="1435100"/>
-            <a:ext cx="3008313" cy="4691063"/>
+            <a:off x="629841" y="2057400"/>
+            <a:ext cx="2949178" cy="3811588"/>
           </a:xfrm>
         </p:spPr>
         <p:txBody>
@@ -2145,39 +2393,39 @@
           <a:lstStyle>
             <a:lvl1pPr marL="0" indent="0">
               <a:buNone/>
-              <a:defRPr sz="1400"/>
+              <a:defRPr sz="1600"/>
             </a:lvl1pPr>
             <a:lvl2pPr marL="457200" indent="0">
               <a:buNone/>
-              <a:defRPr sz="1200"/>
+              <a:defRPr sz="1400"/>
             </a:lvl2pPr>
             <a:lvl3pPr marL="914400" indent="0">
               <a:buNone/>
-              <a:defRPr sz="1000"/>
+              <a:defRPr sz="1200"/>
             </a:lvl3pPr>
             <a:lvl4pPr marL="1371600" indent="0">
               <a:buNone/>
-              <a:defRPr sz="900"/>
+              <a:defRPr sz="1000"/>
             </a:lvl4pPr>
             <a:lvl5pPr marL="1828800" indent="0">
               <a:buNone/>
-              <a:defRPr sz="900"/>
+              <a:defRPr sz="1000"/>
             </a:lvl5pPr>
             <a:lvl6pPr marL="2286000" indent="0">
               <a:buNone/>
-              <a:defRPr sz="900"/>
+              <a:defRPr sz="1000"/>
             </a:lvl6pPr>
             <a:lvl7pPr marL="2743200" indent="0">
               <a:buNone/>
-              <a:defRPr sz="900"/>
+              <a:defRPr sz="1000"/>
             </a:lvl7pPr>
             <a:lvl8pPr marL="3200400" indent="0">
               <a:buNone/>
-              <a:defRPr sz="900"/>
+              <a:defRPr sz="1000"/>
             </a:lvl8pPr>
             <a:lvl9pPr marL="3657600" indent="0">
               <a:buNone/>
-              <a:defRPr sz="900"/>
+              <a:defRPr sz="1000"/>
             </a:lvl9pPr>
           </a:lstStyle>
           <a:p>
@@ -2191,7 +2439,13 @@
       </p:sp>
       <p:sp>
         <p:nvSpPr>
-          <p:cNvPr id="5" name="Дата 4"/>
+          <p:cNvPr id="5" name="Дата 4">
+            <a:extLst>
+              <a:ext uri="{FF2B5EF4-FFF2-40B4-BE49-F238E27FC236}">
+                <a16:creationId xmlns:a16="http://schemas.microsoft.com/office/drawing/2014/main" xmlns="" id="{DFD14F05-FAA6-4A17-A9A0-FA5BD8E1432A}"/>
+              </a:ext>
+            </a:extLst>
+          </p:cNvPr>
           <p:cNvSpPr>
             <a:spLocks noGrp="1"/>
           </p:cNvSpPr>
@@ -2206,7 +2460,8 @@
           <a:p>
             <a:fld id="{5B106E36-FD25-4E2D-B0AA-010F637433A0}" type="datetimeFigureOut">
               <a:rPr lang="ru-RU" smtClean="0"/>
-              <a:t>03.11.2006</a:t>
+              <a:pPr/>
+              <a:t>16.02.2023</a:t>
             </a:fld>
             <a:endParaRPr lang="ru-RU"/>
           </a:p>
@@ -2214,7 +2469,13 @@
       </p:sp>
       <p:sp>
         <p:nvSpPr>
-          <p:cNvPr id="6" name="Нижний колонтитул 5"/>
+          <p:cNvPr id="6" name="Нижний колонтитул 5">
+            <a:extLst>
+              <a:ext uri="{FF2B5EF4-FFF2-40B4-BE49-F238E27FC236}">
+                <a16:creationId xmlns:a16="http://schemas.microsoft.com/office/drawing/2014/main" xmlns="" id="{A93A25EF-41D6-4346-9678-E5D54DD189BF}"/>
+              </a:ext>
+            </a:extLst>
+          </p:cNvPr>
           <p:cNvSpPr>
             <a:spLocks noGrp="1"/>
           </p:cNvSpPr>
@@ -2233,7 +2494,13 @@
       </p:sp>
       <p:sp>
         <p:nvSpPr>
-          <p:cNvPr id="7" name="Номер слайда 6"/>
+          <p:cNvPr id="7" name="Номер слайда 6">
+            <a:extLst>
+              <a:ext uri="{FF2B5EF4-FFF2-40B4-BE49-F238E27FC236}">
+                <a16:creationId xmlns:a16="http://schemas.microsoft.com/office/drawing/2014/main" xmlns="" id="{E8AC1F72-CAD2-4A0D-BC3C-3618F69DFC21}"/>
+              </a:ext>
+            </a:extLst>
+          </p:cNvPr>
           <p:cNvSpPr>
             <a:spLocks noGrp="1"/>
           </p:cNvSpPr>
@@ -2248,6 +2515,7 @@
           <a:p>
             <a:fld id="{725C68B6-61C2-468F-89AB-4B9F7531AA68}" type="slidenum">
               <a:rPr lang="ru-RU" smtClean="0"/>
+              <a:pPr/>
               <a:t>‹#›</a:t>
             </a:fld>
             <a:endParaRPr lang="ru-RU"/>
@@ -2255,6 +2523,11 @@
         </p:txBody>
       </p:sp>
     </p:spTree>
+    <p:extLst>
+      <p:ext uri="{BB962C8B-B14F-4D97-AF65-F5344CB8AC3E}">
+        <p14:creationId xmlns:p14="http://schemas.microsoft.com/office/powerpoint/2010/main" xmlns="" val="2800946285"/>
+      </p:ext>
+    </p:extLst>
   </p:cSld>
   <p:clrMapOvr>
     <a:masterClrMapping/>
@@ -2281,7 +2554,13 @@
       </p:grpSpPr>
       <p:sp>
         <p:nvSpPr>
-          <p:cNvPr id="2" name="Заголовок 1"/>
+          <p:cNvPr id="2" name="Заголовок 1">
+            <a:extLst>
+              <a:ext uri="{FF2B5EF4-FFF2-40B4-BE49-F238E27FC236}">
+                <a16:creationId xmlns:a16="http://schemas.microsoft.com/office/drawing/2014/main" xmlns="" id="{1F7125D5-27DF-4958-85BA-142AA51602C4}"/>
+              </a:ext>
+            </a:extLst>
+          </p:cNvPr>
           <p:cNvSpPr>
             <a:spLocks noGrp="1"/>
           </p:cNvSpPr>
@@ -2291,15 +2570,15 @@
         </p:nvSpPr>
         <p:spPr>
           <a:xfrm>
-            <a:off x="1792288" y="4800600"/>
-            <a:ext cx="5486400" cy="566738"/>
+            <a:off x="629841" y="457200"/>
+            <a:ext cx="2949178" cy="1600200"/>
           </a:xfrm>
         </p:spPr>
         <p:txBody>
           <a:bodyPr anchor="b"/>
           <a:lstStyle>
-            <a:lvl1pPr algn="l">
-              <a:defRPr sz="2000" b="1"/>
+            <a:lvl1pPr>
+              <a:defRPr sz="3200"/>
             </a:lvl1pPr>
           </a:lstStyle>
           <a:p>
@@ -2313,7 +2592,13 @@
       </p:sp>
       <p:sp>
         <p:nvSpPr>
-          <p:cNvPr id="3" name="Рисунок 2"/>
+          <p:cNvPr id="3" name="Рисунок 2">
+            <a:extLst>
+              <a:ext uri="{FF2B5EF4-FFF2-40B4-BE49-F238E27FC236}">
+                <a16:creationId xmlns:a16="http://schemas.microsoft.com/office/drawing/2014/main" xmlns="" id="{3A0545BF-FA67-4093-8B52-F4ABBDABE890}"/>
+              </a:ext>
+            </a:extLst>
+          </p:cNvPr>
           <p:cNvSpPr>
             <a:spLocks noGrp="1"/>
           </p:cNvSpPr>
@@ -2323,8 +2608,8 @@
         </p:nvSpPr>
         <p:spPr>
           <a:xfrm>
-            <a:off x="1792288" y="612775"/>
-            <a:ext cx="5486400" cy="4114800"/>
+            <a:off x="3887391" y="987426"/>
+            <a:ext cx="4629150" cy="4873625"/>
           </a:xfrm>
         </p:spPr>
         <p:txBody>
@@ -2368,13 +2653,23 @@
             </a:lvl9pPr>
           </a:lstStyle>
           <a:p>
+            <a:r>
+              <a:rPr lang="ru-RU" smtClean="0"/>
+              <a:t>Вставка рисунка</a:t>
+            </a:r>
             <a:endParaRPr lang="ru-RU"/>
           </a:p>
         </p:txBody>
       </p:sp>
       <p:sp>
         <p:nvSpPr>
-          <p:cNvPr id="4" name="Текст 3"/>
+          <p:cNvPr id="4" name="Текст 3">
+            <a:extLst>
+              <a:ext uri="{FF2B5EF4-FFF2-40B4-BE49-F238E27FC236}">
+                <a16:creationId xmlns:a16="http://schemas.microsoft.com/office/drawing/2014/main" xmlns="" id="{220B7E85-4B44-48C5-9440-BBB874297A15}"/>
+              </a:ext>
+            </a:extLst>
+          </p:cNvPr>
           <p:cNvSpPr>
             <a:spLocks noGrp="1"/>
           </p:cNvSpPr>
@@ -2384,8 +2679,8 @@
         </p:nvSpPr>
         <p:spPr>
           <a:xfrm>
-            <a:off x="1792288" y="5367338"/>
-            <a:ext cx="5486400" cy="804862"/>
+            <a:off x="629841" y="2057400"/>
+            <a:ext cx="2949178" cy="3811588"/>
           </a:xfrm>
         </p:spPr>
         <p:txBody>
@@ -2393,39 +2688,39 @@
           <a:lstStyle>
             <a:lvl1pPr marL="0" indent="0">
               <a:buNone/>
-              <a:defRPr sz="1400"/>
+              <a:defRPr sz="1600"/>
             </a:lvl1pPr>
             <a:lvl2pPr marL="457200" indent="0">
               <a:buNone/>
-              <a:defRPr sz="1200"/>
+              <a:defRPr sz="1400"/>
             </a:lvl2pPr>
             <a:lvl3pPr marL="914400" indent="0">
               <a:buNone/>
-              <a:defRPr sz="1000"/>
+              <a:defRPr sz="1200"/>
             </a:lvl3pPr>
             <a:lvl4pPr marL="1371600" indent="0">
               <a:buNone/>
-              <a:defRPr sz="900"/>
+              <a:defRPr sz="1000"/>
             </a:lvl4pPr>
             <a:lvl5pPr marL="1828800" indent="0">
               <a:buNone/>
-              <a:defRPr sz="900"/>
+              <a:defRPr sz="1000"/>
             </a:lvl5pPr>
             <a:lvl6pPr marL="2286000" indent="0">
               <a:buNone/>
-              <a:defRPr sz="900"/>
+              <a:defRPr sz="1000"/>
             </a:lvl6pPr>
             <a:lvl7pPr marL="2743200" indent="0">
               <a:buNone/>
-              <a:defRPr sz="900"/>
+              <a:defRPr sz="1000"/>
             </a:lvl7pPr>
             <a:lvl8pPr marL="3200400" indent="0">
               <a:buNone/>
-              <a:defRPr sz="900"/>
+              <a:defRPr sz="1000"/>
             </a:lvl8pPr>
             <a:lvl9pPr marL="3657600" indent="0">
               <a:buNone/>
-              <a:defRPr sz="900"/>
+              <a:defRPr sz="1000"/>
             </a:lvl9pPr>
           </a:lstStyle>
           <a:p>
@@ -2439,7 +2734,13 @@
       </p:sp>
       <p:sp>
         <p:nvSpPr>
-          <p:cNvPr id="5" name="Дата 4"/>
+          <p:cNvPr id="5" name="Дата 4">
+            <a:extLst>
+              <a:ext uri="{FF2B5EF4-FFF2-40B4-BE49-F238E27FC236}">
+                <a16:creationId xmlns:a16="http://schemas.microsoft.com/office/drawing/2014/main" xmlns="" id="{FBFF5613-E157-40CA-A1C4-FDC993704F0F}"/>
+              </a:ext>
+            </a:extLst>
+          </p:cNvPr>
           <p:cNvSpPr>
             <a:spLocks noGrp="1"/>
           </p:cNvSpPr>
@@ -2454,7 +2755,8 @@
           <a:p>
             <a:fld id="{5B106E36-FD25-4E2D-B0AA-010F637433A0}" type="datetimeFigureOut">
               <a:rPr lang="ru-RU" smtClean="0"/>
-              <a:t>03.11.2006</a:t>
+              <a:pPr/>
+              <a:t>16.02.2023</a:t>
             </a:fld>
             <a:endParaRPr lang="ru-RU"/>
           </a:p>
@@ -2462,7 +2764,13 @@
       </p:sp>
       <p:sp>
         <p:nvSpPr>
-          <p:cNvPr id="6" name="Нижний колонтитул 5"/>
+          <p:cNvPr id="6" name="Нижний колонтитул 5">
+            <a:extLst>
+              <a:ext uri="{FF2B5EF4-FFF2-40B4-BE49-F238E27FC236}">
+                <a16:creationId xmlns:a16="http://schemas.microsoft.com/office/drawing/2014/main" xmlns="" id="{E22190DF-8124-47C8-BF4A-90763E31B171}"/>
+              </a:ext>
+            </a:extLst>
+          </p:cNvPr>
           <p:cNvSpPr>
             <a:spLocks noGrp="1"/>
           </p:cNvSpPr>
@@ -2481,7 +2789,13 @@
       </p:sp>
       <p:sp>
         <p:nvSpPr>
-          <p:cNvPr id="7" name="Номер слайда 6"/>
+          <p:cNvPr id="7" name="Номер слайда 6">
+            <a:extLst>
+              <a:ext uri="{FF2B5EF4-FFF2-40B4-BE49-F238E27FC236}">
+                <a16:creationId xmlns:a16="http://schemas.microsoft.com/office/drawing/2014/main" xmlns="" id="{FBCCAFD9-5AEA-4395-A244-0EAE26C70F39}"/>
+              </a:ext>
+            </a:extLst>
+          </p:cNvPr>
           <p:cNvSpPr>
             <a:spLocks noGrp="1"/>
           </p:cNvSpPr>
@@ -2496,6 +2810,7 @@
           <a:p>
             <a:fld id="{725C68B6-61C2-468F-89AB-4B9F7531AA68}" type="slidenum">
               <a:rPr lang="ru-RU" smtClean="0"/>
+              <a:pPr/>
               <a:t>‹#›</a:t>
             </a:fld>
             <a:endParaRPr lang="ru-RU"/>
@@ -2503,6 +2818,11 @@
         </p:txBody>
       </p:sp>
     </p:spTree>
+    <p:extLst>
+      <p:ext uri="{BB962C8B-B14F-4D97-AF65-F5344CB8AC3E}">
+        <p14:creationId xmlns:p14="http://schemas.microsoft.com/office/powerpoint/2010/main" xmlns="" val="1236464100"/>
+      </p:ext>
+    </p:extLst>
   </p:cSld>
   <p:clrMapOvr>
     <a:masterClrMapping/>
@@ -2534,7 +2854,13 @@
       </p:grpSpPr>
       <p:sp>
         <p:nvSpPr>
-          <p:cNvPr id="2" name="Заголовок 1"/>
+          <p:cNvPr id="2" name="Заголовок 1">
+            <a:extLst>
+              <a:ext uri="{FF2B5EF4-FFF2-40B4-BE49-F238E27FC236}">
+                <a16:creationId xmlns:a16="http://schemas.microsoft.com/office/drawing/2014/main" xmlns="" id="{0ED230B2-4E76-49E3-A005-7653FC2038CF}"/>
+              </a:ext>
+            </a:extLst>
+          </p:cNvPr>
           <p:cNvSpPr>
             <a:spLocks noGrp="1"/>
           </p:cNvSpPr>
@@ -2544,8 +2870,8 @@
         </p:nvSpPr>
         <p:spPr>
           <a:xfrm>
-            <a:off x="457200" y="274638"/>
-            <a:ext cx="8229600" cy="1143000"/>
+            <a:off x="628650" y="365126"/>
+            <a:ext cx="7886700" cy="1325563"/>
           </a:xfrm>
           <a:prstGeom prst="rect">
             <a:avLst/>
@@ -2558,16 +2884,21 @@
           <a:lstStyle/>
           <a:p>
             <a:r>
-              <a:rPr lang="ru-RU" smtClean="0"/>
+              <a:rPr lang="ru-RU"/>
               <a:t>Образец заголовка</a:t>
             </a:r>
-            <a:endParaRPr lang="ru-RU"/>
-          </a:p>
-        </p:txBody>
-      </p:sp>
-      <p:sp>
-        <p:nvSpPr>
-          <p:cNvPr id="3" name="Текст 2"/>
+          </a:p>
+        </p:txBody>
+      </p:sp>
+      <p:sp>
+        <p:nvSpPr>
+          <p:cNvPr id="3" name="Текст 2">
+            <a:extLst>
+              <a:ext uri="{FF2B5EF4-FFF2-40B4-BE49-F238E27FC236}">
+                <a16:creationId xmlns:a16="http://schemas.microsoft.com/office/drawing/2014/main" xmlns="" id="{6498A829-946B-4D81-8B76-2036FA262559}"/>
+              </a:ext>
+            </a:extLst>
+          </p:cNvPr>
           <p:cNvSpPr>
             <a:spLocks noGrp="1"/>
           </p:cNvSpPr>
@@ -2577,8 +2908,8 @@
         </p:nvSpPr>
         <p:spPr>
           <a:xfrm>
-            <a:off x="457200" y="1600200"/>
-            <a:ext cx="8229600" cy="4525963"/>
+            <a:off x="628650" y="1825625"/>
+            <a:ext cx="7886700" cy="4351338"/>
           </a:xfrm>
           <a:prstGeom prst="rect">
             <a:avLst/>
@@ -2592,44 +2923,49 @@
           <a:p>
             <a:pPr lvl="0"/>
             <a:r>
-              <a:rPr lang="ru-RU" smtClean="0"/>
+              <a:rPr lang="ru-RU"/>
               <a:t>Образец текста</a:t>
             </a:r>
           </a:p>
           <a:p>
             <a:pPr lvl="1"/>
             <a:r>
-              <a:rPr lang="ru-RU" smtClean="0"/>
+              <a:rPr lang="ru-RU"/>
               <a:t>Второй уровень</a:t>
             </a:r>
           </a:p>
           <a:p>
             <a:pPr lvl="2"/>
             <a:r>
-              <a:rPr lang="ru-RU" smtClean="0"/>
+              <a:rPr lang="ru-RU"/>
               <a:t>Третий уровень</a:t>
             </a:r>
           </a:p>
           <a:p>
             <a:pPr lvl="3"/>
             <a:r>
-              <a:rPr lang="ru-RU" smtClean="0"/>
+              <a:rPr lang="ru-RU"/>
               <a:t>Четвертый уровень</a:t>
             </a:r>
           </a:p>
           <a:p>
             <a:pPr lvl="4"/>
             <a:r>
-              <a:rPr lang="ru-RU" smtClean="0"/>
+              <a:rPr lang="ru-RU"/>
               <a:t>Пятый уровень</a:t>
             </a:r>
-            <a:endParaRPr lang="ru-RU"/>
-          </a:p>
-        </p:txBody>
-      </p:sp>
-      <p:sp>
-        <p:nvSpPr>
-          <p:cNvPr id="4" name="Дата 3"/>
+          </a:p>
+        </p:txBody>
+      </p:sp>
+      <p:sp>
+        <p:nvSpPr>
+          <p:cNvPr id="4" name="Дата 3">
+            <a:extLst>
+              <a:ext uri="{FF2B5EF4-FFF2-40B4-BE49-F238E27FC236}">
+                <a16:creationId xmlns:a16="http://schemas.microsoft.com/office/drawing/2014/main" xmlns="" id="{AB444F91-FDF0-4BAA-B0EC-50C49D57E1BF}"/>
+              </a:ext>
+            </a:extLst>
+          </p:cNvPr>
           <p:cNvSpPr>
             <a:spLocks noGrp="1"/>
           </p:cNvSpPr>
@@ -2639,8 +2975,8 @@
         </p:nvSpPr>
         <p:spPr>
           <a:xfrm>
-            <a:off x="457200" y="6356350"/>
-            <a:ext cx="2133600" cy="365125"/>
+            <a:off x="628650" y="6356351"/>
+            <a:ext cx="2057400" cy="365125"/>
           </a:xfrm>
           <a:prstGeom prst="rect">
             <a:avLst/>
@@ -2662,7 +2998,8 @@
           <a:p>
             <a:fld id="{5B106E36-FD25-4E2D-B0AA-010F637433A0}" type="datetimeFigureOut">
               <a:rPr lang="ru-RU" smtClean="0"/>
-              <a:t>03.11.2006</a:t>
+              <a:pPr/>
+              <a:t>16.02.2023</a:t>
             </a:fld>
             <a:endParaRPr lang="ru-RU"/>
           </a:p>
@@ -2670,7 +3007,13 @@
       </p:sp>
       <p:sp>
         <p:nvSpPr>
-          <p:cNvPr id="5" name="Нижний колонтитул 4"/>
+          <p:cNvPr id="5" name="Нижний колонтитул 4">
+            <a:extLst>
+              <a:ext uri="{FF2B5EF4-FFF2-40B4-BE49-F238E27FC236}">
+                <a16:creationId xmlns:a16="http://schemas.microsoft.com/office/drawing/2014/main" xmlns="" id="{FA7D0E61-3985-45EF-BE61-E3BC41ABE07B}"/>
+              </a:ext>
+            </a:extLst>
+          </p:cNvPr>
           <p:cNvSpPr>
             <a:spLocks noGrp="1"/>
           </p:cNvSpPr>
@@ -2680,8 +3023,8 @@
         </p:nvSpPr>
         <p:spPr>
           <a:xfrm>
-            <a:off x="3124200" y="6356350"/>
-            <a:ext cx="2895600" cy="365125"/>
+            <a:off x="3028950" y="6356351"/>
+            <a:ext cx="3086100" cy="365125"/>
           </a:xfrm>
           <a:prstGeom prst="rect">
             <a:avLst/>
@@ -2707,7 +3050,13 @@
       </p:sp>
       <p:sp>
         <p:nvSpPr>
-          <p:cNvPr id="6" name="Номер слайда 5"/>
+          <p:cNvPr id="6" name="Номер слайда 5">
+            <a:extLst>
+              <a:ext uri="{FF2B5EF4-FFF2-40B4-BE49-F238E27FC236}">
+                <a16:creationId xmlns:a16="http://schemas.microsoft.com/office/drawing/2014/main" xmlns="" id="{3E5054FA-597A-4162-9F1B-0913FF43A057}"/>
+              </a:ext>
+            </a:extLst>
+          </p:cNvPr>
           <p:cNvSpPr>
             <a:spLocks noGrp="1"/>
           </p:cNvSpPr>
@@ -2717,8 +3066,8 @@
         </p:nvSpPr>
         <p:spPr>
           <a:xfrm>
-            <a:off x="6553200" y="6356350"/>
-            <a:ext cx="2133600" cy="365125"/>
+            <a:off x="6457950" y="6356351"/>
+            <a:ext cx="2057400" cy="365125"/>
           </a:xfrm>
           <a:prstGeom prst="rect">
             <a:avLst/>
@@ -2740,31 +3089,76 @@
           <a:p>
             <a:fld id="{725C68B6-61C2-468F-89AB-4B9F7531AA68}" type="slidenum">
               <a:rPr lang="ru-RU" smtClean="0"/>
+              <a:pPr/>
               <a:t>‹#›</a:t>
             </a:fld>
             <a:endParaRPr lang="ru-RU"/>
           </a:p>
         </p:txBody>
       </p:sp>
+      <p:pic>
+        <p:nvPicPr>
+          <p:cNvPr id="8" name="Рисунок 7">
+            <a:extLst>
+              <a:ext uri="{FF2B5EF4-FFF2-40B4-BE49-F238E27FC236}">
+                <a16:creationId xmlns:a16="http://schemas.microsoft.com/office/drawing/2014/main" xmlns="" id="{E90E97D4-1F2E-48FB-9BA9-6A1D4C2136E3}"/>
+              </a:ext>
+            </a:extLst>
+          </p:cNvPr>
+          <p:cNvPicPr>
+            <a:picLocks noChangeAspect="1"/>
+          </p:cNvPicPr>
+          <p:nvPr/>
+        </p:nvPicPr>
+        <p:blipFill>
+          <a:blip r:embed="rId13" cstate="print">
+            <a:extLst>
+              <a:ext uri="{28A0092B-C50C-407E-A947-70E740481C1C}">
+                <a14:useLocalDpi xmlns:a14="http://schemas.microsoft.com/office/drawing/2010/main" xmlns="" val="0"/>
+              </a:ext>
+            </a:extLst>
+          </a:blip>
+          <a:stretch>
+            <a:fillRect/>
+          </a:stretch>
+        </p:blipFill>
+        <p:spPr>
+          <a:xfrm>
+            <a:off x="0" y="0"/>
+            <a:ext cx="9144000" cy="6858000"/>
+          </a:xfrm>
+          <a:prstGeom prst="rect">
+            <a:avLst/>
+          </a:prstGeom>
+        </p:spPr>
+      </p:pic>
     </p:spTree>
+    <p:extLst>
+      <p:ext uri="{BB962C8B-B14F-4D97-AF65-F5344CB8AC3E}">
+        <p14:creationId xmlns:p14="http://schemas.microsoft.com/office/powerpoint/2010/main" xmlns="" val="1149747620"/>
+      </p:ext>
+    </p:extLst>
   </p:cSld>
   <p:clrMap bg1="lt1" tx1="dk1" bg2="lt2" tx2="dk2" accent1="accent1" accent2="accent2" accent3="accent3" accent4="accent4" accent5="accent5" accent6="accent6" hlink="hlink" folHlink="folHlink"/>
   <p:sldLayoutIdLst>
-    <p:sldLayoutId id="2147483649" r:id="rId1"/>
-    <p:sldLayoutId id="2147483650" r:id="rId2"/>
-    <p:sldLayoutId id="2147483651" r:id="rId3"/>
-    <p:sldLayoutId id="2147483652" r:id="rId4"/>
-    <p:sldLayoutId id="2147483653" r:id="rId5"/>
-    <p:sldLayoutId id="2147483654" r:id="rId6"/>
-    <p:sldLayoutId id="2147483655" r:id="rId7"/>
-    <p:sldLayoutId id="2147483656" r:id="rId8"/>
-    <p:sldLayoutId id="2147483657" r:id="rId9"/>
-    <p:sldLayoutId id="2147483658" r:id="rId10"/>
-    <p:sldLayoutId id="2147483659" r:id="rId11"/>
+    <p:sldLayoutId id="2147483685" r:id="rId1"/>
+    <p:sldLayoutId id="2147483686" r:id="rId2"/>
+    <p:sldLayoutId id="2147483687" r:id="rId3"/>
+    <p:sldLayoutId id="2147483688" r:id="rId4"/>
+    <p:sldLayoutId id="2147483689" r:id="rId5"/>
+    <p:sldLayoutId id="2147483690" r:id="rId6"/>
+    <p:sldLayoutId id="2147483691" r:id="rId7"/>
+    <p:sldLayoutId id="2147483692" r:id="rId8"/>
+    <p:sldLayoutId id="2147483693" r:id="rId9"/>
+    <p:sldLayoutId id="2147483694" r:id="rId10"/>
+    <p:sldLayoutId id="2147483695" r:id="rId11"/>
   </p:sldLayoutIdLst>
   <p:txStyles>
     <p:titleStyle>
-      <a:lvl1pPr algn="ctr" defTabSz="914400" rtl="0" eaLnBrk="1" latinLnBrk="0" hangingPunct="1">
+      <a:lvl1pPr algn="l" defTabSz="914400" rtl="0" eaLnBrk="1" latinLnBrk="0" hangingPunct="1">
+        <a:lnSpc>
+          <a:spcPct val="90000"/>
+        </a:lnSpc>
         <a:spcBef>
           <a:spcPct val="0"/>
         </a:spcBef>
@@ -2780,13 +3174,16 @@
       </a:lvl1pPr>
     </p:titleStyle>
     <p:bodyStyle>
-      <a:lvl1pPr marL="342900" indent="-342900" algn="l" defTabSz="914400" rtl="0" eaLnBrk="1" latinLnBrk="0" hangingPunct="1">
+      <a:lvl1pPr marL="228600" indent="-228600" algn="l" defTabSz="914400" rtl="0" eaLnBrk="1" latinLnBrk="0" hangingPunct="1">
+        <a:lnSpc>
+          <a:spcPct val="90000"/>
+        </a:lnSpc>
         <a:spcBef>
-          <a:spcPct val="20000"/>
+          <a:spcPts val="1000"/>
         </a:spcBef>
-        <a:buFont typeface="Arial" pitchFamily="34" charset="0"/>
+        <a:buFont typeface="Arial" panose="020B0604020202020204" pitchFamily="34" charset="0"/>
         <a:buChar char="•"/>
-        <a:defRPr sz="3200" kern="1200">
+        <a:defRPr sz="2800" kern="1200">
           <a:solidFill>
             <a:schemeClr val="tx1"/>
           </a:solidFill>
@@ -2795,13 +3192,16 @@
           <a:cs typeface="+mn-cs"/>
         </a:defRPr>
       </a:lvl1pPr>
-      <a:lvl2pPr marL="742950" indent="-285750" algn="l" defTabSz="914400" rtl="0" eaLnBrk="1" latinLnBrk="0" hangingPunct="1">
+      <a:lvl2pPr marL="685800" indent="-228600" algn="l" defTabSz="914400" rtl="0" eaLnBrk="1" latinLnBrk="0" hangingPunct="1">
+        <a:lnSpc>
+          <a:spcPct val="90000"/>
+        </a:lnSpc>
         <a:spcBef>
-          <a:spcPct val="20000"/>
+          <a:spcPts val="500"/>
         </a:spcBef>
-        <a:buFont typeface="Arial" pitchFamily="34" charset="0"/>
-        <a:buChar char="–"/>
-        <a:defRPr sz="2800" kern="1200">
+        <a:buFont typeface="Arial" panose="020B0604020202020204" pitchFamily="34" charset="0"/>
+        <a:buChar char="•"/>
+        <a:defRPr sz="2400" kern="1200">
           <a:solidFill>
             <a:schemeClr val="tx1"/>
           </a:solidFill>
@@ -2811,12 +3211,15 @@
         </a:defRPr>
       </a:lvl2pPr>
       <a:lvl3pPr marL="1143000" indent="-228600" algn="l" defTabSz="914400" rtl="0" eaLnBrk="1" latinLnBrk="0" hangingPunct="1">
+        <a:lnSpc>
+          <a:spcPct val="90000"/>
+        </a:lnSpc>
         <a:spcBef>
-          <a:spcPct val="20000"/>
+          <a:spcPts val="500"/>
         </a:spcBef>
-        <a:buFont typeface="Arial" pitchFamily="34" charset="0"/>
+        <a:buFont typeface="Arial" panose="020B0604020202020204" pitchFamily="34" charset="0"/>
         <a:buChar char="•"/>
-        <a:defRPr sz="2400" kern="1200">
+        <a:defRPr sz="2000" kern="1200">
           <a:solidFill>
             <a:schemeClr val="tx1"/>
           </a:solidFill>
@@ -2826,12 +3229,15 @@
         </a:defRPr>
       </a:lvl3pPr>
       <a:lvl4pPr marL="1600200" indent="-228600" algn="l" defTabSz="914400" rtl="0" eaLnBrk="1" latinLnBrk="0" hangingPunct="1">
+        <a:lnSpc>
+          <a:spcPct val="90000"/>
+        </a:lnSpc>
         <a:spcBef>
-          <a:spcPct val="20000"/>
+          <a:spcPts val="500"/>
         </a:spcBef>
-        <a:buFont typeface="Arial" pitchFamily="34" charset="0"/>
-        <a:buChar char="–"/>
-        <a:defRPr sz="2000" kern="1200">
+        <a:buFont typeface="Arial" panose="020B0604020202020204" pitchFamily="34" charset="0"/>
+        <a:buChar char="•"/>
+        <a:defRPr sz="1800" kern="1200">
           <a:solidFill>
             <a:schemeClr val="tx1"/>
           </a:solidFill>
@@ -2841,12 +3247,15 @@
         </a:defRPr>
       </a:lvl4pPr>
       <a:lvl5pPr marL="2057400" indent="-228600" algn="l" defTabSz="914400" rtl="0" eaLnBrk="1" latinLnBrk="0" hangingPunct="1">
+        <a:lnSpc>
+          <a:spcPct val="90000"/>
+        </a:lnSpc>
         <a:spcBef>
-          <a:spcPct val="20000"/>
+          <a:spcPts val="500"/>
         </a:spcBef>
-        <a:buFont typeface="Arial" pitchFamily="34" charset="0"/>
-        <a:buChar char="»"/>
-        <a:defRPr sz="2000" kern="1200">
+        <a:buFont typeface="Arial" panose="020B0604020202020204" pitchFamily="34" charset="0"/>
+        <a:buChar char="•"/>
+        <a:defRPr sz="1800" kern="1200">
           <a:solidFill>
             <a:schemeClr val="tx1"/>
           </a:solidFill>
@@ -2856,12 +3265,15 @@
         </a:defRPr>
       </a:lvl5pPr>
       <a:lvl6pPr marL="2514600" indent="-228600" algn="l" defTabSz="914400" rtl="0" eaLnBrk="1" latinLnBrk="0" hangingPunct="1">
+        <a:lnSpc>
+          <a:spcPct val="90000"/>
+        </a:lnSpc>
         <a:spcBef>
-          <a:spcPct val="20000"/>
+          <a:spcPts val="500"/>
         </a:spcBef>
-        <a:buFont typeface="Arial" pitchFamily="34" charset="0"/>
+        <a:buFont typeface="Arial" panose="020B0604020202020204" pitchFamily="34" charset="0"/>
         <a:buChar char="•"/>
-        <a:defRPr sz="2000" kern="1200">
+        <a:defRPr sz="1800" kern="1200">
           <a:solidFill>
             <a:schemeClr val="tx1"/>
           </a:solidFill>
@@ -2871,12 +3283,15 @@
         </a:defRPr>
       </a:lvl6pPr>
       <a:lvl7pPr marL="2971800" indent="-228600" algn="l" defTabSz="914400" rtl="0" eaLnBrk="1" latinLnBrk="0" hangingPunct="1">
+        <a:lnSpc>
+          <a:spcPct val="90000"/>
+        </a:lnSpc>
         <a:spcBef>
-          <a:spcPct val="20000"/>
+          <a:spcPts val="500"/>
         </a:spcBef>
-        <a:buFont typeface="Arial" pitchFamily="34" charset="0"/>
+        <a:buFont typeface="Arial" panose="020B0604020202020204" pitchFamily="34" charset="0"/>
         <a:buChar char="•"/>
-        <a:defRPr sz="2000" kern="1200">
+        <a:defRPr sz="1800" kern="1200">
           <a:solidFill>
             <a:schemeClr val="tx1"/>
           </a:solidFill>
@@ -2886,12 +3301,15 @@
         </a:defRPr>
       </a:lvl7pPr>
       <a:lvl8pPr marL="3429000" indent="-228600" algn="l" defTabSz="914400" rtl="0" eaLnBrk="1" latinLnBrk="0" hangingPunct="1">
+        <a:lnSpc>
+          <a:spcPct val="90000"/>
+        </a:lnSpc>
         <a:spcBef>
-          <a:spcPct val="20000"/>
+          <a:spcPts val="500"/>
         </a:spcBef>
-        <a:buFont typeface="Arial" pitchFamily="34" charset="0"/>
+        <a:buFont typeface="Arial" panose="020B0604020202020204" pitchFamily="34" charset="0"/>
         <a:buChar char="•"/>
-        <a:defRPr sz="2000" kern="1200">
+        <a:defRPr sz="1800" kern="1200">
           <a:solidFill>
             <a:schemeClr val="tx1"/>
           </a:solidFill>
@@ -2901,12 +3319,15 @@
         </a:defRPr>
       </a:lvl8pPr>
       <a:lvl9pPr marL="3886200" indent="-228600" algn="l" defTabSz="914400" rtl="0" eaLnBrk="1" latinLnBrk="0" hangingPunct="1">
+        <a:lnSpc>
+          <a:spcPct val="90000"/>
+        </a:lnSpc>
         <a:spcBef>
-          <a:spcPct val="20000"/>
+          <a:spcPts val="500"/>
         </a:spcBef>
-        <a:buFont typeface="Arial" pitchFamily="34" charset="0"/>
+        <a:buFont typeface="Arial" panose="020B0604020202020204" pitchFamily="34" charset="0"/>
         <a:buChar char="•"/>
-        <a:defRPr sz="2000" kern="1200">
+        <a:defRPr sz="1800" kern="1200">
           <a:solidFill>
             <a:schemeClr val="tx1"/>
           </a:solidFill>
@@ -3015,8 +3436,2431 @@
 </p:sldMaster>
 </file>
 
+<file path=ppt/slides/slide1.xml><?xml version="1.0" encoding="utf-8"?>
+<p:sld xmlns:a="http://schemas.openxmlformats.org/drawingml/2006/main" xmlns:r="http://schemas.openxmlformats.org/officeDocument/2006/relationships" xmlns:p="http://schemas.openxmlformats.org/presentationml/2006/main">
+  <p:cSld>
+    <p:spTree>
+      <p:nvGrpSpPr>
+        <p:cNvPr id="1" name=""/>
+        <p:cNvGrpSpPr/>
+        <p:nvPr/>
+      </p:nvGrpSpPr>
+      <p:grpSpPr>
+        <a:xfrm>
+          <a:off x="0" y="0"/>
+          <a:ext cx="0" cy="0"/>
+          <a:chOff x="0" y="0"/>
+          <a:chExt cx="0" cy="0"/>
+        </a:xfrm>
+      </p:grpSpPr>
+      <p:pic>
+        <p:nvPicPr>
+          <p:cNvPr id="14338" name="Picture 2" descr="Абстрактные плоские красочные геометрические фигуры фон | Фон EPS  Бесплатная загрузка - Pikbest"/>
+          <p:cNvPicPr>
+            <a:picLocks noChangeAspect="1" noChangeArrowheads="1"/>
+          </p:cNvPicPr>
+          <p:nvPr/>
+        </p:nvPicPr>
+        <p:blipFill>
+          <a:blip r:embed="rId2" cstate="print"/>
+          <a:srcRect/>
+          <a:stretch>
+            <a:fillRect/>
+          </a:stretch>
+        </p:blipFill>
+        <p:spPr bwMode="auto">
+          <a:xfrm>
+            <a:off x="0" y="0"/>
+            <a:ext cx="9144000" cy="6858000"/>
+          </a:xfrm>
+          <a:prstGeom prst="rect">
+            <a:avLst/>
+          </a:prstGeom>
+          <a:noFill/>
+        </p:spPr>
+      </p:pic>
+      <p:sp>
+        <p:nvSpPr>
+          <p:cNvPr id="2" name="Заголовок 1"/>
+          <p:cNvSpPr>
+            <a:spLocks noGrp="1"/>
+          </p:cNvSpPr>
+          <p:nvPr>
+            <p:ph type="ctrTitle"/>
+          </p:nvPr>
+        </p:nvSpPr>
+        <p:spPr>
+          <a:xfrm>
+            <a:off x="1115616" y="1196752"/>
+            <a:ext cx="6858000" cy="3539728"/>
+          </a:xfrm>
+        </p:spPr>
+        <p:txBody>
+          <a:bodyPr>
+            <a:noAutofit/>
+          </a:bodyPr>
+          <a:lstStyle/>
+          <a:p>
+            <a:r>
+              <a:rPr lang="ru-RU" sz="4000" b="1" dirty="0" smtClean="0">
+                <a:solidFill>
+                  <a:srgbClr val="002060"/>
+                </a:solidFill>
+                <a:latin typeface="Cambria" pitchFamily="18" charset="0"/>
+              </a:rPr>
+              <a:t>ПРИМЕНЕНИЕ МАТЕМАТИЧЕСКИХ МЕТОДОВ И МОДЕЛЕЙ ДЛЯ ОЦЕНКИ </a:t>
+            </a:r>
+            <a:r>
+              <a:rPr lang="ru-RU" sz="4000" b="1" dirty="0" smtClean="0">
+                <a:solidFill>
+                  <a:srgbClr val="002060"/>
+                </a:solidFill>
+                <a:latin typeface="Cambria" pitchFamily="18" charset="0"/>
+              </a:rPr>
+              <a:t>ЭФФЕКТИВНОСТИ</a:t>
+            </a:r>
+            <a:br>
+              <a:rPr lang="ru-RU" sz="4000" b="1" dirty="0" smtClean="0">
+                <a:solidFill>
+                  <a:srgbClr val="002060"/>
+                </a:solidFill>
+                <a:latin typeface="Cambria" pitchFamily="18" charset="0"/>
+              </a:rPr>
+            </a:br>
+            <a:r>
+              <a:rPr lang="en-US" sz="4000" b="1" dirty="0" smtClean="0">
+                <a:solidFill>
+                  <a:srgbClr val="002060"/>
+                </a:solidFill>
+                <a:latin typeface="Cambria" pitchFamily="18" charset="0"/>
+              </a:rPr>
+              <a:t>WEB</a:t>
+            </a:r>
+            <a:r>
+              <a:rPr lang="ru-RU" sz="4000" b="1" dirty="0" smtClean="0">
+                <a:solidFill>
+                  <a:srgbClr val="002060"/>
+                </a:solidFill>
+                <a:latin typeface="Cambria" pitchFamily="18" charset="0"/>
+              </a:rPr>
+              <a:t>-РЕСУРСОВ</a:t>
+            </a:r>
+            <a:endParaRPr lang="ru-RU" sz="4000" dirty="0">
+              <a:solidFill>
+                <a:srgbClr val="002060"/>
+              </a:solidFill>
+              <a:latin typeface="Cambria" pitchFamily="18" charset="0"/>
+            </a:endParaRPr>
+          </a:p>
+        </p:txBody>
+      </p:sp>
+      <p:sp>
+        <p:nvSpPr>
+          <p:cNvPr id="3" name="Подзаголовок 2"/>
+          <p:cNvSpPr>
+            <a:spLocks noGrp="1"/>
+          </p:cNvSpPr>
+          <p:nvPr>
+            <p:ph type="subTitle" idx="1"/>
+          </p:nvPr>
+        </p:nvSpPr>
+        <p:spPr>
+          <a:xfrm>
+            <a:off x="1567420" y="4646766"/>
+            <a:ext cx="6858000" cy="1655762"/>
+          </a:xfrm>
+        </p:spPr>
+        <p:txBody>
+          <a:bodyPr anchor="b"/>
+          <a:lstStyle/>
+          <a:p>
+            <a:pPr algn="r"/>
+            <a:r>
+              <a:rPr lang="ru-RU" i="1" dirty="0" smtClean="0">
+                <a:solidFill>
+                  <a:srgbClr val="002060"/>
+                </a:solidFill>
+                <a:latin typeface="Cambria" pitchFamily="18" charset="0"/>
+              </a:rPr>
+              <a:t>Выполнил студент группы</a:t>
+            </a:r>
+            <a:r>
+              <a:rPr lang="en-US" i="1" dirty="0" smtClean="0">
+                <a:solidFill>
+                  <a:srgbClr val="002060"/>
+                </a:solidFill>
+                <a:latin typeface="Cambria" pitchFamily="18" charset="0"/>
+              </a:rPr>
+              <a:t> </a:t>
+            </a:r>
+            <a:r>
+              <a:rPr lang="ru-RU" i="1" dirty="0" smtClean="0">
+                <a:solidFill>
+                  <a:srgbClr val="002060"/>
+                </a:solidFill>
+                <a:latin typeface="Cambria" pitchFamily="18" charset="0"/>
+              </a:rPr>
+              <a:t>ПМИ</a:t>
+            </a:r>
+            <a:r>
+              <a:rPr lang="en-US" i="1" dirty="0" smtClean="0">
+                <a:solidFill>
+                  <a:srgbClr val="002060"/>
+                </a:solidFill>
+                <a:latin typeface="Cambria" pitchFamily="18" charset="0"/>
+              </a:rPr>
+              <a:t>OZ</a:t>
+            </a:r>
+            <a:r>
+              <a:rPr lang="ru-RU" i="1" dirty="0" smtClean="0">
+                <a:solidFill>
+                  <a:srgbClr val="002060"/>
+                </a:solidFill>
+                <a:latin typeface="Cambria" pitchFamily="18" charset="0"/>
+              </a:rPr>
+              <a:t>-351</a:t>
+            </a:r>
+          </a:p>
+          <a:p>
+            <a:pPr algn="r"/>
+            <a:r>
+              <a:rPr lang="ru-RU" i="1" dirty="0" smtClean="0">
+                <a:solidFill>
+                  <a:srgbClr val="002060"/>
+                </a:solidFill>
+                <a:latin typeface="Cambria" pitchFamily="18" charset="0"/>
+              </a:rPr>
+              <a:t>Цупко Роман Игоревич</a:t>
+            </a:r>
+            <a:endParaRPr lang="ru-RU" i="1" dirty="0">
+              <a:solidFill>
+                <a:srgbClr val="002060"/>
+              </a:solidFill>
+              <a:latin typeface="Cambria" pitchFamily="18" charset="0"/>
+            </a:endParaRPr>
+          </a:p>
+        </p:txBody>
+      </p:sp>
+    </p:spTree>
+  </p:cSld>
+  <p:clrMapOvr>
+    <a:masterClrMapping/>
+  </p:clrMapOvr>
+  <p:timing>
+    <p:tnLst>
+      <p:par>
+        <p:cTn id="1" dur="indefinite" restart="never" nodeType="tmRoot"/>
+      </p:par>
+    </p:tnLst>
+  </p:timing>
+</p:sld>
+</file>
+
+<file path=ppt/slides/slide10.xml><?xml version="1.0" encoding="utf-8"?>
+<p:sld xmlns:a="http://schemas.openxmlformats.org/drawingml/2006/main" xmlns:r="http://schemas.openxmlformats.org/officeDocument/2006/relationships" xmlns:p="http://schemas.openxmlformats.org/presentationml/2006/main">
+  <p:cSld>
+    <p:spTree>
+      <p:nvGrpSpPr>
+        <p:cNvPr id="1" name=""/>
+        <p:cNvGrpSpPr/>
+        <p:nvPr/>
+      </p:nvGrpSpPr>
+      <p:grpSpPr>
+        <a:xfrm>
+          <a:off x="0" y="0"/>
+          <a:ext cx="0" cy="0"/>
+          <a:chOff x="0" y="0"/>
+          <a:chExt cx="0" cy="0"/>
+        </a:xfrm>
+      </p:grpSpPr>
+      <p:sp>
+        <p:nvSpPr>
+          <p:cNvPr id="2" name="Заголовок 1"/>
+          <p:cNvSpPr>
+            <a:spLocks noGrp="1"/>
+          </p:cNvSpPr>
+          <p:nvPr>
+            <p:ph type="title"/>
+          </p:nvPr>
+        </p:nvSpPr>
+        <p:spPr>
+          <a:xfrm>
+            <a:off x="628650" y="848457"/>
+            <a:ext cx="7886700" cy="1325563"/>
+          </a:xfrm>
+        </p:spPr>
+        <p:txBody>
+          <a:bodyPr/>
+          <a:lstStyle/>
+          <a:p>
+            <a:pPr algn="ctr"/>
+            <a:r>
+              <a:rPr lang="ru-RU" dirty="0" smtClean="0">
+                <a:latin typeface="Comic Sans MS" pitchFamily="66" charset="0"/>
+              </a:rPr>
+              <a:t>Построение матрицы важности критериев</a:t>
+            </a:r>
+            <a:endParaRPr lang="ru-RU" dirty="0">
+              <a:latin typeface="Comic Sans MS" pitchFamily="66" charset="0"/>
+            </a:endParaRPr>
+          </a:p>
+        </p:txBody>
+      </p:sp>
+      <p:pic>
+        <p:nvPicPr>
+          <p:cNvPr id="20482" name="Picture 2"/>
+          <p:cNvPicPr>
+            <a:picLocks noGrp="1" noChangeAspect="1" noChangeArrowheads="1"/>
+          </p:cNvPicPr>
+          <p:nvPr>
+            <p:ph idx="1"/>
+          </p:nvPr>
+        </p:nvPicPr>
+        <p:blipFill>
+          <a:blip r:embed="rId2" cstate="print"/>
+          <a:srcRect/>
+          <a:stretch>
+            <a:fillRect/>
+          </a:stretch>
+        </p:blipFill>
+        <p:spPr bwMode="auto">
+          <a:xfrm>
+            <a:off x="323527" y="2204864"/>
+            <a:ext cx="8574335" cy="4292922"/>
+          </a:xfrm>
+          <a:prstGeom prst="rect">
+            <a:avLst/>
+          </a:prstGeom>
+          <a:noFill/>
+          <a:ln w="9525">
+            <a:noFill/>
+            <a:miter lim="800000"/>
+            <a:headEnd/>
+            <a:tailEnd/>
+          </a:ln>
+        </p:spPr>
+      </p:pic>
+    </p:spTree>
+  </p:cSld>
+  <p:clrMapOvr>
+    <a:masterClrMapping/>
+  </p:clrMapOvr>
+  <p:timing>
+    <p:tnLst>
+      <p:par>
+        <p:cTn id="1" dur="indefinite" restart="never" nodeType="tmRoot"/>
+      </p:par>
+    </p:tnLst>
+  </p:timing>
+</p:sld>
+</file>
+
+<file path=ppt/slides/slide11.xml><?xml version="1.0" encoding="utf-8"?>
+<p:sld xmlns:a="http://schemas.openxmlformats.org/drawingml/2006/main" xmlns:r="http://schemas.openxmlformats.org/officeDocument/2006/relationships" xmlns:p="http://schemas.openxmlformats.org/presentationml/2006/main">
+  <p:cSld>
+    <p:spTree>
+      <p:nvGrpSpPr>
+        <p:cNvPr id="1" name=""/>
+        <p:cNvGrpSpPr/>
+        <p:nvPr/>
+      </p:nvGrpSpPr>
+      <p:grpSpPr>
+        <a:xfrm>
+          <a:off x="0" y="0"/>
+          <a:ext cx="0" cy="0"/>
+          <a:chOff x="0" y="0"/>
+          <a:chExt cx="0" cy="0"/>
+        </a:xfrm>
+      </p:grpSpPr>
+      <p:sp>
+        <p:nvSpPr>
+          <p:cNvPr id="2" name="Заголовок 1"/>
+          <p:cNvSpPr>
+            <a:spLocks noGrp="1"/>
+          </p:cNvSpPr>
+          <p:nvPr>
+            <p:ph type="title"/>
+          </p:nvPr>
+        </p:nvSpPr>
+        <p:spPr>
+          <a:xfrm>
+            <a:off x="628650" y="1253410"/>
+            <a:ext cx="7886700" cy="1325563"/>
+          </a:xfrm>
+        </p:spPr>
+        <p:txBody>
+          <a:bodyPr>
+            <a:normAutofit fontScale="90000"/>
+          </a:bodyPr>
+          <a:lstStyle/>
+          <a:p>
+            <a:pPr algn="ctr"/>
+            <a:r>
+              <a:rPr lang="ru-RU" dirty="0" smtClean="0">
+                <a:latin typeface="Comic Sans MS" pitchFamily="66" charset="0"/>
+              </a:rPr>
+              <a:t>Выявление приоритетов между отдельными критериями</a:t>
+            </a:r>
+            <a:endParaRPr lang="ru-RU" dirty="0">
+              <a:latin typeface="Comic Sans MS" pitchFamily="66" charset="0"/>
+            </a:endParaRPr>
+          </a:p>
+        </p:txBody>
+      </p:sp>
+      <p:pic>
+        <p:nvPicPr>
+          <p:cNvPr id="21506" name="Picture 2"/>
+          <p:cNvPicPr>
+            <a:picLocks noGrp="1" noChangeAspect="1" noChangeArrowheads="1"/>
+          </p:cNvPicPr>
+          <p:nvPr>
+            <p:ph idx="1"/>
+          </p:nvPr>
+        </p:nvPicPr>
+        <p:blipFill>
+          <a:blip r:embed="rId2" cstate="print"/>
+          <a:srcRect/>
+          <a:stretch>
+            <a:fillRect/>
+          </a:stretch>
+        </p:blipFill>
+        <p:spPr bwMode="auto">
+          <a:xfrm>
+            <a:off x="353624" y="3173464"/>
+            <a:ext cx="8402910" cy="1872208"/>
+          </a:xfrm>
+          <a:prstGeom prst="rect">
+            <a:avLst/>
+          </a:prstGeom>
+          <a:noFill/>
+          <a:ln w="9525">
+            <a:noFill/>
+            <a:miter lim="800000"/>
+            <a:headEnd/>
+            <a:tailEnd/>
+          </a:ln>
+        </p:spPr>
+      </p:pic>
+    </p:spTree>
+  </p:cSld>
+  <p:clrMapOvr>
+    <a:masterClrMapping/>
+  </p:clrMapOvr>
+  <p:timing>
+    <p:tnLst>
+      <p:par>
+        <p:cTn id="1" dur="indefinite" restart="never" nodeType="tmRoot"/>
+      </p:par>
+    </p:tnLst>
+  </p:timing>
+</p:sld>
+</file>
+
+<file path=ppt/slides/slide12.xml><?xml version="1.0" encoding="utf-8"?>
+<p:sld xmlns:a="http://schemas.openxmlformats.org/drawingml/2006/main" xmlns:r="http://schemas.openxmlformats.org/officeDocument/2006/relationships" xmlns:p="http://schemas.openxmlformats.org/presentationml/2006/main">
+  <p:cSld>
+    <p:spTree>
+      <p:nvGrpSpPr>
+        <p:cNvPr id="1" name=""/>
+        <p:cNvGrpSpPr/>
+        <p:nvPr/>
+      </p:nvGrpSpPr>
+      <p:grpSpPr>
+        <a:xfrm>
+          <a:off x="0" y="0"/>
+          <a:ext cx="0" cy="0"/>
+          <a:chOff x="0" y="0"/>
+          <a:chExt cx="0" cy="0"/>
+        </a:xfrm>
+      </p:grpSpPr>
+      <p:sp>
+        <p:nvSpPr>
+          <p:cNvPr id="2" name="Заголовок 1"/>
+          <p:cNvSpPr>
+            <a:spLocks noGrp="1"/>
+          </p:cNvSpPr>
+          <p:nvPr>
+            <p:ph type="title"/>
+          </p:nvPr>
+        </p:nvSpPr>
+        <p:spPr>
+          <a:xfrm>
+            <a:off x="628650" y="1083591"/>
+            <a:ext cx="7886700" cy="1325563"/>
+          </a:xfrm>
+        </p:spPr>
+        <p:txBody>
+          <a:bodyPr/>
+          <a:lstStyle/>
+          <a:p>
+            <a:pPr algn="ctr"/>
+            <a:r>
+              <a:rPr lang="ru-RU" dirty="0" smtClean="0">
+                <a:latin typeface="Comic Sans MS" pitchFamily="66" charset="0"/>
+              </a:rPr>
+              <a:t>Матрица глобальных приоритетов</a:t>
+            </a:r>
+            <a:endParaRPr lang="ru-RU" dirty="0">
+              <a:latin typeface="Comic Sans MS" pitchFamily="66" charset="0"/>
+            </a:endParaRPr>
+          </a:p>
+        </p:txBody>
+      </p:sp>
+      <p:pic>
+        <p:nvPicPr>
+          <p:cNvPr id="22530" name="Picture 2"/>
+          <p:cNvPicPr>
+            <a:picLocks noGrp="1" noChangeAspect="1" noChangeArrowheads="1"/>
+          </p:cNvPicPr>
+          <p:nvPr>
+            <p:ph idx="1"/>
+          </p:nvPr>
+        </p:nvPicPr>
+        <p:blipFill>
+          <a:blip r:embed="rId2" cstate="print"/>
+          <a:srcRect/>
+          <a:stretch>
+            <a:fillRect/>
+          </a:stretch>
+        </p:blipFill>
+        <p:spPr bwMode="auto">
+          <a:xfrm>
+            <a:off x="323528" y="3429000"/>
+            <a:ext cx="8492806" cy="2448271"/>
+          </a:xfrm>
+          <a:prstGeom prst="rect">
+            <a:avLst/>
+          </a:prstGeom>
+          <a:noFill/>
+          <a:ln w="9525">
+            <a:noFill/>
+            <a:miter lim="800000"/>
+            <a:headEnd/>
+            <a:tailEnd/>
+          </a:ln>
+        </p:spPr>
+      </p:pic>
+      <p:sp>
+        <p:nvSpPr>
+          <p:cNvPr id="22532" name="Rectangle 4"/>
+          <p:cNvSpPr>
+            <a:spLocks noChangeArrowheads="1"/>
+          </p:cNvSpPr>
+          <p:nvPr/>
+        </p:nvSpPr>
+        <p:spPr bwMode="auto">
+          <a:xfrm>
+            <a:off x="0" y="0"/>
+            <a:ext cx="9144000" cy="457200"/>
+          </a:xfrm>
+          <a:prstGeom prst="rect">
+            <a:avLst/>
+          </a:prstGeom>
+          <a:noFill/>
+          <a:ln w="9525">
+            <a:noFill/>
+            <a:miter lim="800000"/>
+            <a:headEnd/>
+            <a:tailEnd/>
+          </a:ln>
+          <a:effectLst/>
+        </p:spPr>
+        <p:txBody>
+          <a:bodyPr vert="horz" wrap="none" lIns="91440" tIns="45720" rIns="91440" bIns="45720" numCol="1" anchor="ctr" anchorCtr="0" compatLnSpc="1">
+            <a:prstTxWarp prst="textNoShape">
+              <a:avLst/>
+            </a:prstTxWarp>
+            <a:spAutoFit/>
+          </a:bodyPr>
+          <a:lstStyle/>
+          <a:p>
+            <a:endParaRPr lang="ru-RU"/>
+          </a:p>
+        </p:txBody>
+      </p:sp>
+      <p:sp>
+        <p:nvSpPr>
+          <p:cNvPr id="22533" name="Rectangle 5"/>
+          <p:cNvSpPr>
+            <a:spLocks noChangeArrowheads="1"/>
+          </p:cNvSpPr>
+          <p:nvPr/>
+        </p:nvSpPr>
+        <p:spPr bwMode="auto">
+          <a:xfrm>
+            <a:off x="0" y="838200"/>
+            <a:ext cx="9144000" cy="0"/>
+          </a:xfrm>
+          <a:prstGeom prst="rect">
+            <a:avLst/>
+          </a:prstGeom>
+          <a:noFill/>
+          <a:ln w="9525">
+            <a:noFill/>
+            <a:miter lim="800000"/>
+            <a:headEnd/>
+            <a:tailEnd/>
+          </a:ln>
+          <a:effectLst/>
+        </p:spPr>
+        <p:txBody>
+          <a:bodyPr vert="horz" wrap="none" lIns="91440" tIns="45720" rIns="91440" bIns="45720" numCol="1" anchor="ctr" anchorCtr="0" compatLnSpc="1">
+            <a:prstTxWarp prst="textNoShape">
+              <a:avLst/>
+            </a:prstTxWarp>
+            <a:spAutoFit/>
+          </a:bodyPr>
+          <a:lstStyle/>
+          <a:p>
+            <a:pPr marL="0" marR="0" lvl="0" indent="0" algn="l" defTabSz="914400" rtl="0" eaLnBrk="1" fontAlgn="base" latinLnBrk="0" hangingPunct="1">
+              <a:lnSpc>
+                <a:spcPct val="100000"/>
+              </a:lnSpc>
+              <a:spcBef>
+                <a:spcPct val="0"/>
+              </a:spcBef>
+              <a:spcAft>
+                <a:spcPct val="0"/>
+              </a:spcAft>
+              <a:buClrTx/>
+              <a:buSzTx/>
+              <a:buFontTx/>
+              <a:buNone/>
+              <a:tabLst/>
+            </a:pPr>
+            <a:endParaRPr kumimoji="0" lang="ru-RU" sz="1800" b="0" i="0" u="none" strike="noStrike" cap="none" normalizeH="0" baseline="0" smtClean="0">
+              <a:ln>
+                <a:noFill/>
+              </a:ln>
+              <a:solidFill>
+                <a:schemeClr val="tx1"/>
+              </a:solidFill>
+              <a:effectLst/>
+              <a:latin typeface="Arial" pitchFamily="34" charset="0"/>
+              <a:cs typeface="Arial" pitchFamily="34" charset="0"/>
+            </a:endParaRPr>
+          </a:p>
+        </p:txBody>
+      </p:sp>
+      <p:sp>
+        <p:nvSpPr>
+          <p:cNvPr id="8" name="TextBox 7"/>
+          <p:cNvSpPr txBox="1"/>
+          <p:nvPr/>
+        </p:nvSpPr>
+        <p:spPr>
+          <a:xfrm>
+            <a:off x="3131840" y="2780928"/>
+            <a:ext cx="5472608" cy="369332"/>
+          </a:xfrm>
+          <a:prstGeom prst="rect">
+            <a:avLst/>
+          </a:prstGeom>
+          <a:noFill/>
+        </p:spPr>
+        <p:txBody>
+          <a:bodyPr wrap="square" rtlCol="0">
+            <a:spAutoFit/>
+          </a:bodyPr>
+          <a:lstStyle/>
+          <a:p>
+            <a:r>
+              <a:rPr lang="ru-RU" dirty="0" smtClean="0">
+                <a:latin typeface="Comic Sans MS" pitchFamily="66" charset="0"/>
+              </a:rPr>
+              <a:t>- формула расчета глобального приоритета</a:t>
+            </a:r>
+            <a:endParaRPr lang="ru-RU" dirty="0">
+              <a:latin typeface="Comic Sans MS" pitchFamily="66" charset="0"/>
+            </a:endParaRPr>
+          </a:p>
+        </p:txBody>
+      </p:sp>
+      <p:sp>
+        <p:nvSpPr>
+          <p:cNvPr id="22535" name="Rectangle 7"/>
+          <p:cNvSpPr>
+            <a:spLocks noChangeArrowheads="1"/>
+          </p:cNvSpPr>
+          <p:nvPr/>
+        </p:nvSpPr>
+        <p:spPr bwMode="auto">
+          <a:xfrm>
+            <a:off x="0" y="0"/>
+            <a:ext cx="9144000" cy="457200"/>
+          </a:xfrm>
+          <a:prstGeom prst="rect">
+            <a:avLst/>
+          </a:prstGeom>
+          <a:noFill/>
+          <a:ln w="9525">
+            <a:noFill/>
+            <a:miter lim="800000"/>
+            <a:headEnd/>
+            <a:tailEnd/>
+          </a:ln>
+          <a:effectLst/>
+        </p:spPr>
+        <p:txBody>
+          <a:bodyPr vert="horz" wrap="none" lIns="91440" tIns="45720" rIns="91440" bIns="45720" numCol="1" anchor="ctr" anchorCtr="0" compatLnSpc="1">
+            <a:prstTxWarp prst="textNoShape">
+              <a:avLst/>
+            </a:prstTxWarp>
+            <a:spAutoFit/>
+          </a:bodyPr>
+          <a:lstStyle/>
+          <a:p>
+            <a:endParaRPr lang="ru-RU"/>
+          </a:p>
+        </p:txBody>
+      </p:sp>
+      <p:pic>
+        <p:nvPicPr>
+          <p:cNvPr id="22534" name="Picture 6"/>
+          <p:cNvPicPr>
+            <a:picLocks noChangeAspect="1" noChangeArrowheads="1"/>
+          </p:cNvPicPr>
+          <p:nvPr/>
+        </p:nvPicPr>
+        <p:blipFill>
+          <a:blip r:embed="rId3" cstate="print">
+            <a:clrChange>
+              <a:clrFrom>
+                <a:srgbClr val="FFFFFF"/>
+              </a:clrFrom>
+              <a:clrTo>
+                <a:srgbClr val="FFFFFF">
+                  <a:alpha val="0"/>
+                </a:srgbClr>
+              </a:clrTo>
+            </a:clrChange>
+          </a:blip>
+          <a:srcRect/>
+          <a:stretch>
+            <a:fillRect/>
+          </a:stretch>
+        </p:blipFill>
+        <p:spPr bwMode="auto">
+          <a:xfrm>
+            <a:off x="827584" y="2636912"/>
+            <a:ext cx="2341612" cy="669032"/>
+          </a:xfrm>
+          <a:prstGeom prst="rect">
+            <a:avLst/>
+          </a:prstGeom>
+          <a:noFill/>
+        </p:spPr>
+      </p:pic>
+      <p:sp>
+        <p:nvSpPr>
+          <p:cNvPr id="22536" name="Rectangle 8"/>
+          <p:cNvSpPr>
+            <a:spLocks noChangeArrowheads="1"/>
+          </p:cNvSpPr>
+          <p:nvPr/>
+        </p:nvSpPr>
+        <p:spPr bwMode="auto">
+          <a:xfrm>
+            <a:off x="0" y="838200"/>
+            <a:ext cx="9144000" cy="0"/>
+          </a:xfrm>
+          <a:prstGeom prst="rect">
+            <a:avLst/>
+          </a:prstGeom>
+          <a:noFill/>
+          <a:ln w="9525">
+            <a:noFill/>
+            <a:miter lim="800000"/>
+            <a:headEnd/>
+            <a:tailEnd/>
+          </a:ln>
+          <a:effectLst/>
+        </p:spPr>
+        <p:txBody>
+          <a:bodyPr vert="horz" wrap="none" lIns="91440" tIns="45720" rIns="91440" bIns="45720" numCol="1" anchor="ctr" anchorCtr="0" compatLnSpc="1">
+            <a:prstTxWarp prst="textNoShape">
+              <a:avLst/>
+            </a:prstTxWarp>
+            <a:spAutoFit/>
+          </a:bodyPr>
+          <a:lstStyle/>
+          <a:p>
+            <a:pPr marL="0" marR="0" lvl="0" indent="0" algn="l" defTabSz="914400" rtl="0" eaLnBrk="1" fontAlgn="base" latinLnBrk="0" hangingPunct="1">
+              <a:lnSpc>
+                <a:spcPct val="100000"/>
+              </a:lnSpc>
+              <a:spcBef>
+                <a:spcPct val="0"/>
+              </a:spcBef>
+              <a:spcAft>
+                <a:spcPct val="0"/>
+              </a:spcAft>
+              <a:buClrTx/>
+              <a:buSzTx/>
+              <a:buFontTx/>
+              <a:buNone/>
+              <a:tabLst/>
+            </a:pPr>
+            <a:endParaRPr kumimoji="0" lang="ru-RU" sz="1800" b="0" i="0" u="none" strike="noStrike" cap="none" normalizeH="0" baseline="0" smtClean="0">
+              <a:ln>
+                <a:noFill/>
+              </a:ln>
+              <a:solidFill>
+                <a:schemeClr val="tx1"/>
+              </a:solidFill>
+              <a:effectLst/>
+              <a:latin typeface="Arial" pitchFamily="34" charset="0"/>
+              <a:cs typeface="Arial" pitchFamily="34" charset="0"/>
+            </a:endParaRPr>
+          </a:p>
+        </p:txBody>
+      </p:sp>
+    </p:spTree>
+  </p:cSld>
+  <p:clrMapOvr>
+    <a:masterClrMapping/>
+  </p:clrMapOvr>
+</p:sld>
+</file>
+
+<file path=ppt/slides/slide13.xml><?xml version="1.0" encoding="utf-8"?>
+<p:sld xmlns:a="http://schemas.openxmlformats.org/drawingml/2006/main" xmlns:r="http://schemas.openxmlformats.org/officeDocument/2006/relationships" xmlns:p="http://schemas.openxmlformats.org/presentationml/2006/main">
+  <p:cSld>
+    <p:spTree>
+      <p:nvGrpSpPr>
+        <p:cNvPr id="1" name=""/>
+        <p:cNvGrpSpPr/>
+        <p:nvPr/>
+      </p:nvGrpSpPr>
+      <p:grpSpPr>
+        <a:xfrm>
+          <a:off x="0" y="0"/>
+          <a:ext cx="0" cy="0"/>
+          <a:chOff x="0" y="0"/>
+          <a:chExt cx="0" cy="0"/>
+        </a:xfrm>
+      </p:grpSpPr>
+      <p:sp>
+        <p:nvSpPr>
+          <p:cNvPr id="2" name="Заголовок 1"/>
+          <p:cNvSpPr>
+            <a:spLocks noGrp="1"/>
+          </p:cNvSpPr>
+          <p:nvPr>
+            <p:ph type="title"/>
+          </p:nvPr>
+        </p:nvSpPr>
+        <p:spPr>
+          <a:xfrm>
+            <a:off x="375691" y="1082715"/>
+            <a:ext cx="7886700" cy="855165"/>
+          </a:xfrm>
+        </p:spPr>
+        <p:txBody>
+          <a:bodyPr>
+            <a:normAutofit fontScale="90000"/>
+          </a:bodyPr>
+          <a:lstStyle/>
+          <a:p>
+            <a:pPr algn="l"/>
+            <a:r>
+              <a:rPr lang="ru-RU" dirty="0" smtClean="0">
+                <a:latin typeface="Comic Sans MS" pitchFamily="66" charset="0"/>
+              </a:rPr>
+              <a:t>Выводы:</a:t>
+            </a:r>
+            <a:endParaRPr lang="ru-RU" dirty="0">
+              <a:latin typeface="Comic Sans MS" pitchFamily="66" charset="0"/>
+            </a:endParaRPr>
+          </a:p>
+        </p:txBody>
+      </p:sp>
+      <p:sp>
+        <p:nvSpPr>
+          <p:cNvPr id="3" name="Подзаголовок 2"/>
+          <p:cNvSpPr>
+            <a:spLocks noGrp="1"/>
+          </p:cNvSpPr>
+          <p:nvPr>
+            <p:ph type="body" idx="1"/>
+          </p:nvPr>
+        </p:nvSpPr>
+        <p:spPr>
+          <a:xfrm>
+            <a:off x="323528" y="2060848"/>
+            <a:ext cx="8424936" cy="2160240"/>
+          </a:xfrm>
+        </p:spPr>
+        <p:txBody>
+          <a:bodyPr>
+            <a:normAutofit/>
+          </a:bodyPr>
+          <a:lstStyle/>
+          <a:p>
+            <a:pPr algn="l"/>
+            <a:r>
+              <a:rPr lang="ru-RU" dirty="0" smtClean="0">
+                <a:latin typeface="Comic Sans MS" pitchFamily="66" charset="0"/>
+              </a:rPr>
+              <a:t>В результате выполнения выпускной квалификационной работы были реализованы математические методы и модели, а также алгоритм нахождения наиболее релевантного, с точки зрения поисковой оптимизации (</a:t>
+            </a:r>
+            <a:r>
+              <a:rPr lang="en-US" dirty="0" smtClean="0">
+                <a:latin typeface="Comic Sans MS" pitchFamily="66" charset="0"/>
+              </a:rPr>
+              <a:t>SEO</a:t>
+            </a:r>
+            <a:r>
+              <a:rPr lang="ru-RU" dirty="0" smtClean="0">
+                <a:latin typeface="Comic Sans MS" pitchFamily="66" charset="0"/>
+              </a:rPr>
+              <a:t>), </a:t>
+            </a:r>
+            <a:r>
+              <a:rPr lang="ru-RU" dirty="0" err="1" smtClean="0">
+                <a:latin typeface="Comic Sans MS" pitchFamily="66" charset="0"/>
+              </a:rPr>
+              <a:t>веб-ресурса</a:t>
+            </a:r>
+            <a:r>
+              <a:rPr lang="ru-RU" dirty="0" smtClean="0">
+                <a:latin typeface="Comic Sans MS" pitchFamily="66" charset="0"/>
+              </a:rPr>
+              <a:t>.</a:t>
+            </a:r>
+            <a:endParaRPr lang="ru-RU" dirty="0">
+              <a:latin typeface="Comic Sans MS" pitchFamily="66" charset="0"/>
+            </a:endParaRPr>
+          </a:p>
+        </p:txBody>
+      </p:sp>
+      <p:sp>
+        <p:nvSpPr>
+          <p:cNvPr id="4" name="TextBox 3"/>
+          <p:cNvSpPr txBox="1"/>
+          <p:nvPr/>
+        </p:nvSpPr>
+        <p:spPr>
+          <a:xfrm>
+            <a:off x="1763688" y="4149080"/>
+            <a:ext cx="5688632" cy="646331"/>
+          </a:xfrm>
+          <a:prstGeom prst="rect">
+            <a:avLst/>
+          </a:prstGeom>
+          <a:noFill/>
+        </p:spPr>
+        <p:txBody>
+          <a:bodyPr wrap="square" rtlCol="0">
+            <a:spAutoFit/>
+          </a:bodyPr>
+          <a:lstStyle/>
+          <a:p>
+            <a:r>
+              <a:rPr lang="ru-RU" i="1" dirty="0" smtClean="0">
+                <a:latin typeface="Comic Sans MS" pitchFamily="66" charset="0"/>
+              </a:rPr>
+              <a:t>В алгоритме были использованы следующие математические модели:</a:t>
+            </a:r>
+            <a:endParaRPr lang="ru-RU" i="1" dirty="0">
+              <a:latin typeface="Comic Sans MS" pitchFamily="66" charset="0"/>
+            </a:endParaRPr>
+          </a:p>
+        </p:txBody>
+      </p:sp>
+      <p:sp>
+        <p:nvSpPr>
+          <p:cNvPr id="5" name="TextBox 4"/>
+          <p:cNvSpPr txBox="1"/>
+          <p:nvPr/>
+        </p:nvSpPr>
+        <p:spPr>
+          <a:xfrm>
+            <a:off x="1763688" y="4869160"/>
+            <a:ext cx="5184576" cy="923330"/>
+          </a:xfrm>
+          <a:prstGeom prst="rect">
+            <a:avLst/>
+          </a:prstGeom>
+          <a:noFill/>
+        </p:spPr>
+        <p:txBody>
+          <a:bodyPr wrap="square" rtlCol="0">
+            <a:spAutoFit/>
+          </a:bodyPr>
+          <a:lstStyle/>
+          <a:p>
+            <a:pPr>
+              <a:buFont typeface="Wingdings" pitchFamily="2" charset="2"/>
+              <a:buChar char="ü"/>
+            </a:pPr>
+            <a:r>
+              <a:rPr lang="ru-RU" dirty="0" smtClean="0">
+                <a:latin typeface="Comic Sans MS" pitchFamily="66" charset="0"/>
+              </a:rPr>
+              <a:t>Расстояние Левенштейна</a:t>
+            </a:r>
+          </a:p>
+          <a:p>
+            <a:pPr>
+              <a:buFont typeface="Wingdings" pitchFamily="2" charset="2"/>
+              <a:buChar char="ü"/>
+            </a:pPr>
+            <a:endParaRPr lang="ru-RU" dirty="0" smtClean="0">
+              <a:latin typeface="Comic Sans MS" pitchFamily="66" charset="0"/>
+            </a:endParaRPr>
+          </a:p>
+          <a:p>
+            <a:pPr>
+              <a:buFont typeface="Wingdings" pitchFamily="2" charset="2"/>
+              <a:buChar char="ü"/>
+            </a:pPr>
+            <a:r>
+              <a:rPr lang="ru-RU" dirty="0" smtClean="0">
+                <a:latin typeface="Comic Sans MS" pitchFamily="66" charset="0"/>
+              </a:rPr>
+              <a:t>Метод анализа иерархий</a:t>
+            </a:r>
+            <a:endParaRPr lang="ru-RU" dirty="0">
+              <a:latin typeface="Comic Sans MS" pitchFamily="66" charset="0"/>
+            </a:endParaRPr>
+          </a:p>
+        </p:txBody>
+      </p:sp>
+    </p:spTree>
+  </p:cSld>
+  <p:clrMapOvr>
+    <a:masterClrMapping/>
+  </p:clrMapOvr>
+</p:sld>
+</file>
+
+<file path=ppt/slides/slide14.xml><?xml version="1.0" encoding="utf-8"?>
+<p:sld xmlns:a="http://schemas.openxmlformats.org/drawingml/2006/main" xmlns:r="http://schemas.openxmlformats.org/officeDocument/2006/relationships" xmlns:p="http://schemas.openxmlformats.org/presentationml/2006/main">
+  <p:cSld>
+    <p:spTree>
+      <p:nvGrpSpPr>
+        <p:cNvPr id="1" name=""/>
+        <p:cNvGrpSpPr/>
+        <p:nvPr/>
+      </p:nvGrpSpPr>
+      <p:grpSpPr>
+        <a:xfrm>
+          <a:off x="0" y="0"/>
+          <a:ext cx="0" cy="0"/>
+          <a:chOff x="0" y="0"/>
+          <a:chExt cx="0" cy="0"/>
+        </a:xfrm>
+      </p:grpSpPr>
+      <p:sp>
+        <p:nvSpPr>
+          <p:cNvPr id="2" name="Заголовок 1"/>
+          <p:cNvSpPr>
+            <a:spLocks noGrp="1"/>
+          </p:cNvSpPr>
+          <p:nvPr>
+            <p:ph type="ctrTitle"/>
+          </p:nvPr>
+        </p:nvSpPr>
+        <p:spPr>
+          <a:xfrm>
+            <a:off x="1143000" y="2075962"/>
+            <a:ext cx="6858000" cy="2387600"/>
+          </a:xfrm>
+        </p:spPr>
+        <p:txBody>
+          <a:bodyPr/>
+          <a:lstStyle/>
+          <a:p>
+            <a:r>
+              <a:rPr lang="ru-RU" dirty="0" smtClean="0">
+                <a:latin typeface="Comic Sans MS" pitchFamily="66" charset="0"/>
+              </a:rPr>
+              <a:t>СПАСИБО ЗА ВНИМАНИЕ!</a:t>
+            </a:r>
+            <a:endParaRPr lang="ru-RU" dirty="0">
+              <a:latin typeface="Comic Sans MS" pitchFamily="66" charset="0"/>
+            </a:endParaRPr>
+          </a:p>
+        </p:txBody>
+      </p:sp>
+      <p:pic>
+        <p:nvPicPr>
+          <p:cNvPr id="5" name="Рисунок 4" descr="a605a221-aa4a-4077-8176-a58fe8d5b0fc.png"/>
+          <p:cNvPicPr>
+            <a:picLocks noChangeAspect="1"/>
+          </p:cNvPicPr>
+          <p:nvPr/>
+        </p:nvPicPr>
+        <p:blipFill>
+          <a:blip r:embed="rId2" cstate="print"/>
+          <a:stretch>
+            <a:fillRect/>
+          </a:stretch>
+        </p:blipFill>
+        <p:spPr>
+          <a:xfrm>
+            <a:off x="6489576" y="0"/>
+            <a:ext cx="2654424" cy="2654424"/>
+          </a:xfrm>
+          <a:prstGeom prst="rect">
+            <a:avLst/>
+          </a:prstGeom>
+        </p:spPr>
+      </p:pic>
+    </p:spTree>
+  </p:cSld>
+  <p:clrMapOvr>
+    <a:masterClrMapping/>
+  </p:clrMapOvr>
+</p:sld>
+</file>
+
+<file path=ppt/slides/slide2.xml><?xml version="1.0" encoding="utf-8"?>
+<p:sld xmlns:a="http://schemas.openxmlformats.org/drawingml/2006/main" xmlns:r="http://schemas.openxmlformats.org/officeDocument/2006/relationships" xmlns:p="http://schemas.openxmlformats.org/presentationml/2006/main">
+  <p:cSld>
+    <p:spTree>
+      <p:nvGrpSpPr>
+        <p:cNvPr id="1" name=""/>
+        <p:cNvGrpSpPr/>
+        <p:nvPr/>
+      </p:nvGrpSpPr>
+      <p:grpSpPr>
+        <a:xfrm>
+          <a:off x="0" y="0"/>
+          <a:ext cx="0" cy="0"/>
+          <a:chOff x="0" y="0"/>
+          <a:chExt cx="0" cy="0"/>
+        </a:xfrm>
+      </p:grpSpPr>
+      <p:sp>
+        <p:nvSpPr>
+          <p:cNvPr id="2" name="Заголовок 1"/>
+          <p:cNvSpPr>
+            <a:spLocks noGrp="1"/>
+          </p:cNvSpPr>
+          <p:nvPr>
+            <p:ph type="ctrTitle"/>
+          </p:nvPr>
+        </p:nvSpPr>
+        <p:spPr>
+          <a:xfrm>
+            <a:off x="701953" y="1628800"/>
+            <a:ext cx="7685326" cy="2675632"/>
+          </a:xfrm>
+        </p:spPr>
+        <p:txBody>
+          <a:bodyPr>
+            <a:normAutofit fontScale="90000"/>
+          </a:bodyPr>
+          <a:lstStyle/>
+          <a:p>
+            <a:pPr algn="ctr"/>
+            <a:r>
+              <a:rPr lang="ru-RU" dirty="0" smtClean="0">
+                <a:latin typeface="Comic Sans MS" pitchFamily="66" charset="0"/>
+              </a:rPr>
+              <a:t>Цель и задачи оценки эффективности</a:t>
+            </a:r>
+            <a:br>
+              <a:rPr lang="ru-RU" dirty="0" smtClean="0">
+                <a:latin typeface="Comic Sans MS" pitchFamily="66" charset="0"/>
+              </a:rPr>
+            </a:br>
+            <a:r>
+              <a:rPr lang="ru-RU" dirty="0" err="1" smtClean="0">
+                <a:latin typeface="Comic Sans MS" pitchFamily="66" charset="0"/>
+              </a:rPr>
+              <a:t>веб-ресурсов</a:t>
+            </a:r>
+            <a:endParaRPr lang="ru-RU" dirty="0">
+              <a:latin typeface="Comic Sans MS" pitchFamily="66" charset="0"/>
+            </a:endParaRPr>
+          </a:p>
+        </p:txBody>
+      </p:sp>
+    </p:spTree>
+  </p:cSld>
+  <p:clrMapOvr>
+    <a:masterClrMapping/>
+  </p:clrMapOvr>
+  <p:timing>
+    <p:tnLst>
+      <p:par>
+        <p:cTn id="1" dur="indefinite" restart="never" nodeType="tmRoot"/>
+      </p:par>
+    </p:tnLst>
+  </p:timing>
+</p:sld>
+</file>
+
+<file path=ppt/slides/slide3.xml><?xml version="1.0" encoding="utf-8"?>
+<p:sld xmlns:a="http://schemas.openxmlformats.org/drawingml/2006/main" xmlns:r="http://schemas.openxmlformats.org/officeDocument/2006/relationships" xmlns:p="http://schemas.openxmlformats.org/presentationml/2006/main">
+  <p:cSld>
+    <p:spTree>
+      <p:nvGrpSpPr>
+        <p:cNvPr id="1" name=""/>
+        <p:cNvGrpSpPr/>
+        <p:nvPr/>
+      </p:nvGrpSpPr>
+      <p:grpSpPr>
+        <a:xfrm>
+          <a:off x="0" y="0"/>
+          <a:ext cx="0" cy="0"/>
+          <a:chOff x="0" y="0"/>
+          <a:chExt cx="0" cy="0"/>
+        </a:xfrm>
+      </p:grpSpPr>
+      <p:sp>
+        <p:nvSpPr>
+          <p:cNvPr id="2" name="TextBox 1"/>
+          <p:cNvSpPr txBox="1"/>
+          <p:nvPr/>
+        </p:nvSpPr>
+        <p:spPr>
+          <a:xfrm rot="347929">
+            <a:off x="4882492" y="3824746"/>
+            <a:ext cx="2160240" cy="553998"/>
+          </a:xfrm>
+          <a:prstGeom prst="rect">
+            <a:avLst/>
+          </a:prstGeom>
+          <a:noFill/>
+        </p:spPr>
+        <p:txBody>
+          <a:bodyPr wrap="square" rtlCol="0">
+            <a:spAutoFit/>
+          </a:bodyPr>
+          <a:lstStyle/>
+          <a:p>
+            <a:pPr algn="ctr"/>
+            <a:r>
+              <a:rPr lang="ru-RU" sz="3000" dirty="0" smtClean="0">
+                <a:solidFill>
+                  <a:srgbClr val="002060"/>
+                </a:solidFill>
+                <a:latin typeface="Comic Sans MS" pitchFamily="66" charset="0"/>
+              </a:rPr>
+              <a:t>Задачи:</a:t>
+            </a:r>
+            <a:endParaRPr lang="ru-RU" sz="3000" dirty="0">
+              <a:solidFill>
+                <a:srgbClr val="002060"/>
+              </a:solidFill>
+              <a:latin typeface="Comic Sans MS" pitchFamily="66" charset="0"/>
+            </a:endParaRPr>
+          </a:p>
+        </p:txBody>
+      </p:sp>
+      <p:sp>
+        <p:nvSpPr>
+          <p:cNvPr id="3" name="TextBox 2"/>
+          <p:cNvSpPr txBox="1"/>
+          <p:nvPr/>
+        </p:nvSpPr>
+        <p:spPr>
+          <a:xfrm rot="21426375">
+            <a:off x="3536083" y="173748"/>
+            <a:ext cx="2160240" cy="553998"/>
+          </a:xfrm>
+          <a:prstGeom prst="rect">
+            <a:avLst/>
+          </a:prstGeom>
+          <a:noFill/>
+        </p:spPr>
+        <p:txBody>
+          <a:bodyPr wrap="square" rtlCol="0">
+            <a:spAutoFit/>
+          </a:bodyPr>
+          <a:lstStyle/>
+          <a:p>
+            <a:pPr algn="ctr"/>
+            <a:r>
+              <a:rPr lang="ru-RU" sz="3000" dirty="0" smtClean="0">
+                <a:solidFill>
+                  <a:srgbClr val="E8ED2F"/>
+                </a:solidFill>
+                <a:latin typeface="Comic Sans MS" pitchFamily="66" charset="0"/>
+              </a:rPr>
+              <a:t>Цель:</a:t>
+            </a:r>
+            <a:endParaRPr lang="ru-RU" sz="3000" dirty="0">
+              <a:solidFill>
+                <a:srgbClr val="E8ED2F"/>
+              </a:solidFill>
+              <a:latin typeface="Comic Sans MS" pitchFamily="66" charset="0"/>
+            </a:endParaRPr>
+          </a:p>
+        </p:txBody>
+      </p:sp>
+      <p:pic>
+        <p:nvPicPr>
+          <p:cNvPr id="15365" name="Picture 5" descr="C:\Users\Usbam\Desktop\Без имени-1.png"/>
+          <p:cNvPicPr>
+            <a:picLocks noChangeAspect="1" noChangeArrowheads="1"/>
+          </p:cNvPicPr>
+          <p:nvPr/>
+        </p:nvPicPr>
+        <p:blipFill>
+          <a:blip r:embed="rId2" cstate="print"/>
+          <a:srcRect/>
+          <a:stretch>
+            <a:fillRect/>
+          </a:stretch>
+        </p:blipFill>
+        <p:spPr bwMode="auto">
+          <a:xfrm rot="13640986" flipH="1">
+            <a:off x="5538510" y="131584"/>
+            <a:ext cx="3688356" cy="3853691"/>
+          </a:xfrm>
+          <a:prstGeom prst="rect">
+            <a:avLst/>
+          </a:prstGeom>
+          <a:noFill/>
+        </p:spPr>
+      </p:pic>
+      <p:sp>
+        <p:nvSpPr>
+          <p:cNvPr id="9" name="TextBox 8"/>
+          <p:cNvSpPr txBox="1"/>
+          <p:nvPr/>
+        </p:nvSpPr>
+        <p:spPr>
+          <a:xfrm>
+            <a:off x="943859" y="785752"/>
+            <a:ext cx="7272808" cy="2400657"/>
+          </a:xfrm>
+          <a:prstGeom prst="rect">
+            <a:avLst/>
+          </a:prstGeom>
+          <a:noFill/>
+        </p:spPr>
+        <p:txBody>
+          <a:bodyPr wrap="square" rtlCol="0">
+            <a:spAutoFit/>
+          </a:bodyPr>
+          <a:lstStyle/>
+          <a:p>
+            <a:pPr algn="ctr"/>
+            <a:r>
+              <a:rPr lang="ru-RU" sz="3000" b="1" dirty="0" smtClean="0">
+                <a:latin typeface="Comic Sans MS" pitchFamily="66" charset="0"/>
+              </a:rPr>
+              <a:t>Целью выпускной квалификационной работы является оценка эффективности</a:t>
+            </a:r>
+            <a:br>
+              <a:rPr lang="ru-RU" sz="3000" b="1" dirty="0" smtClean="0">
+                <a:latin typeface="Comic Sans MS" pitchFamily="66" charset="0"/>
+              </a:rPr>
+            </a:br>
+            <a:r>
+              <a:rPr lang="ru-RU" sz="3000" b="1" dirty="0" err="1" smtClean="0">
+                <a:latin typeface="Comic Sans MS" pitchFamily="66" charset="0"/>
+              </a:rPr>
+              <a:t>веб-страницы</a:t>
+            </a:r>
+            <a:r>
+              <a:rPr lang="ru-RU" sz="3000" b="1" dirty="0" smtClean="0">
+                <a:latin typeface="Comic Sans MS" pitchFamily="66" charset="0"/>
+              </a:rPr>
+              <a:t> с использованием математических методов и моделей</a:t>
+            </a:r>
+            <a:endParaRPr lang="ru-RU" sz="3000" b="1" dirty="0">
+              <a:latin typeface="Comic Sans MS" pitchFamily="66" charset="0"/>
+            </a:endParaRPr>
+          </a:p>
+        </p:txBody>
+      </p:sp>
+      <p:sp>
+        <p:nvSpPr>
+          <p:cNvPr id="10" name="TextBox 9"/>
+          <p:cNvSpPr txBox="1"/>
+          <p:nvPr/>
+        </p:nvSpPr>
+        <p:spPr>
+          <a:xfrm>
+            <a:off x="166064" y="4341081"/>
+            <a:ext cx="8977935" cy="2185214"/>
+          </a:xfrm>
+          <a:prstGeom prst="rect">
+            <a:avLst/>
+          </a:prstGeom>
+          <a:noFill/>
+        </p:spPr>
+        <p:txBody>
+          <a:bodyPr wrap="square" rtlCol="0">
+            <a:spAutoFit/>
+          </a:bodyPr>
+          <a:lstStyle/>
+          <a:p>
+            <a:pPr>
+              <a:buFont typeface="Wingdings" pitchFamily="2" charset="2"/>
+              <a:buChar char="ü"/>
+            </a:pPr>
+            <a:r>
+              <a:rPr lang="ru-RU" sz="3400" dirty="0" smtClean="0">
+                <a:latin typeface="Comic Sans MS" pitchFamily="66" charset="0"/>
+              </a:rPr>
+              <a:t>Собрать данные по критериям</a:t>
+            </a:r>
+          </a:p>
+          <a:p>
+            <a:pPr>
+              <a:buFont typeface="Wingdings" pitchFamily="2" charset="2"/>
+              <a:buChar char="ü"/>
+            </a:pPr>
+            <a:r>
+              <a:rPr lang="ru-RU" sz="3400" dirty="0" smtClean="0">
+                <a:latin typeface="Comic Sans MS" pitchFamily="66" charset="0"/>
+              </a:rPr>
+              <a:t>Реализовать математические</a:t>
+            </a:r>
+            <a:br>
+              <a:rPr lang="ru-RU" sz="3400" dirty="0" smtClean="0">
+                <a:latin typeface="Comic Sans MS" pitchFamily="66" charset="0"/>
+              </a:rPr>
+            </a:br>
+            <a:r>
+              <a:rPr lang="ru-RU" sz="3400" dirty="0" smtClean="0">
+                <a:latin typeface="Comic Sans MS" pitchFamily="66" charset="0"/>
+              </a:rPr>
+              <a:t>   модели</a:t>
+            </a:r>
+          </a:p>
+          <a:p>
+            <a:pPr>
+              <a:buFont typeface="Wingdings" pitchFamily="2" charset="2"/>
+              <a:buChar char="ü"/>
+            </a:pPr>
+            <a:r>
+              <a:rPr lang="ru-RU" sz="3400" dirty="0" smtClean="0">
+                <a:latin typeface="Comic Sans MS" pitchFamily="66" charset="0"/>
+              </a:rPr>
+              <a:t>Проанализировать полученные данные</a:t>
+            </a:r>
+          </a:p>
+        </p:txBody>
+      </p:sp>
+    </p:spTree>
+  </p:cSld>
+  <p:clrMapOvr>
+    <a:masterClrMapping/>
+  </p:clrMapOvr>
+  <p:timing>
+    <p:tnLst>
+      <p:par>
+        <p:cTn id="1" dur="indefinite" restart="never" nodeType="tmRoot"/>
+      </p:par>
+    </p:tnLst>
+  </p:timing>
+</p:sld>
+</file>
+
+<file path=ppt/slides/slide4.xml><?xml version="1.0" encoding="utf-8"?>
+<p:sld xmlns:a="http://schemas.openxmlformats.org/drawingml/2006/main" xmlns:r="http://schemas.openxmlformats.org/officeDocument/2006/relationships" xmlns:p="http://schemas.openxmlformats.org/presentationml/2006/main">
+  <p:cSld>
+    <p:spTree>
+      <p:nvGrpSpPr>
+        <p:cNvPr id="1" name=""/>
+        <p:cNvGrpSpPr/>
+        <p:nvPr/>
+      </p:nvGrpSpPr>
+      <p:grpSpPr>
+        <a:xfrm>
+          <a:off x="0" y="0"/>
+          <a:ext cx="0" cy="0"/>
+          <a:chOff x="0" y="0"/>
+          <a:chExt cx="0" cy="0"/>
+        </a:xfrm>
+      </p:grpSpPr>
+      <p:sp>
+        <p:nvSpPr>
+          <p:cNvPr id="2" name="Заголовок 1"/>
+          <p:cNvSpPr>
+            <a:spLocks noGrp="1"/>
+          </p:cNvSpPr>
+          <p:nvPr>
+            <p:ph type="title"/>
+          </p:nvPr>
+        </p:nvSpPr>
+        <p:spPr/>
+        <p:txBody>
+          <a:bodyPr/>
+          <a:lstStyle/>
+          <a:p>
+            <a:pPr algn="ctr"/>
+            <a:r>
+              <a:rPr lang="ru-RU" dirty="0" smtClean="0">
+                <a:latin typeface="Comic Sans MS" pitchFamily="66" charset="0"/>
+              </a:rPr>
+              <a:t>Использованные инструменты:</a:t>
+            </a:r>
+            <a:endParaRPr lang="ru-RU" dirty="0">
+              <a:latin typeface="Comic Sans MS" pitchFamily="66" charset="0"/>
+            </a:endParaRPr>
+          </a:p>
+        </p:txBody>
+      </p:sp>
+      <p:pic>
+        <p:nvPicPr>
+          <p:cNvPr id="16387" name="Picture 3"/>
+          <p:cNvPicPr>
+            <a:picLocks noGrp="1" noChangeAspect="1" noChangeArrowheads="1"/>
+          </p:cNvPicPr>
+          <p:nvPr>
+            <p:ph idx="1"/>
+          </p:nvPr>
+        </p:nvPicPr>
+        <p:blipFill>
+          <a:blip r:embed="rId2" cstate="print"/>
+          <a:srcRect/>
+          <a:stretch>
+            <a:fillRect/>
+          </a:stretch>
+        </p:blipFill>
+        <p:spPr bwMode="auto">
+          <a:xfrm>
+            <a:off x="1907704" y="1717809"/>
+            <a:ext cx="5451005" cy="4807535"/>
+          </a:xfrm>
+          <a:prstGeom prst="rect">
+            <a:avLst/>
+          </a:prstGeom>
+          <a:noFill/>
+          <a:ln w="9525">
+            <a:noFill/>
+            <a:miter lim="800000"/>
+            <a:headEnd/>
+            <a:tailEnd/>
+          </a:ln>
+        </p:spPr>
+      </p:pic>
+    </p:spTree>
+  </p:cSld>
+  <p:clrMapOvr>
+    <a:masterClrMapping/>
+  </p:clrMapOvr>
+  <p:timing>
+    <p:tnLst>
+      <p:par>
+        <p:cTn id="1" dur="indefinite" restart="never" nodeType="tmRoot"/>
+      </p:par>
+    </p:tnLst>
+  </p:timing>
+</p:sld>
+</file>
+
+<file path=ppt/slides/slide5.xml><?xml version="1.0" encoding="utf-8"?>
+<p:sld xmlns:a="http://schemas.openxmlformats.org/drawingml/2006/main" xmlns:r="http://schemas.openxmlformats.org/officeDocument/2006/relationships" xmlns:p="http://schemas.openxmlformats.org/presentationml/2006/main">
+  <p:cSld>
+    <p:spTree>
+      <p:nvGrpSpPr>
+        <p:cNvPr id="1" name=""/>
+        <p:cNvGrpSpPr/>
+        <p:nvPr/>
+      </p:nvGrpSpPr>
+      <p:grpSpPr>
+        <a:xfrm>
+          <a:off x="0" y="0"/>
+          <a:ext cx="0" cy="0"/>
+          <a:chOff x="0" y="0"/>
+          <a:chExt cx="0" cy="0"/>
+        </a:xfrm>
+      </p:grpSpPr>
+      <p:sp>
+        <p:nvSpPr>
+          <p:cNvPr id="2" name="Заголовок 1"/>
+          <p:cNvSpPr>
+            <a:spLocks noGrp="1"/>
+          </p:cNvSpPr>
+          <p:nvPr>
+            <p:ph type="title"/>
+          </p:nvPr>
+        </p:nvSpPr>
+        <p:spPr>
+          <a:xfrm>
+            <a:off x="324173" y="52253"/>
+            <a:ext cx="8575245" cy="2309368"/>
+          </a:xfrm>
+        </p:spPr>
+        <p:txBody>
+          <a:bodyPr>
+            <a:normAutofit fontScale="90000"/>
+          </a:bodyPr>
+          <a:lstStyle/>
+          <a:p>
+            <a:pPr algn="ctr"/>
+            <a:r>
+              <a:rPr lang="ru-RU" dirty="0" smtClean="0">
+                <a:latin typeface="Comic Sans MS" pitchFamily="66" charset="0"/>
+              </a:rPr>
+              <a:t>Критерии оценки эффективности </a:t>
+            </a:r>
+            <a:br>
+              <a:rPr lang="ru-RU" dirty="0" smtClean="0">
+                <a:latin typeface="Comic Sans MS" pitchFamily="66" charset="0"/>
+              </a:rPr>
+            </a:br>
+            <a:r>
+              <a:rPr lang="ru-RU" dirty="0" err="1" smtClean="0">
+                <a:latin typeface="Comic Sans MS" pitchFamily="66" charset="0"/>
+              </a:rPr>
+              <a:t>веб-страниц</a:t>
+            </a:r>
+            <a:endParaRPr lang="ru-RU" dirty="0">
+              <a:latin typeface="Comic Sans MS" pitchFamily="66" charset="0"/>
+            </a:endParaRPr>
+          </a:p>
+        </p:txBody>
+      </p:sp>
+      <p:sp>
+        <p:nvSpPr>
+          <p:cNvPr id="3" name="Текст 2"/>
+          <p:cNvSpPr>
+            <a:spLocks noGrp="1"/>
+          </p:cNvSpPr>
+          <p:nvPr>
+            <p:ph type="body" idx="1"/>
+          </p:nvPr>
+        </p:nvSpPr>
+        <p:spPr>
+          <a:xfrm>
+            <a:off x="251520" y="2120557"/>
+            <a:ext cx="8640960" cy="4404787"/>
+          </a:xfrm>
+        </p:spPr>
+        <p:txBody>
+          <a:bodyPr anchor="t">
+            <a:noAutofit/>
+          </a:bodyPr>
+          <a:lstStyle/>
+          <a:p>
+            <a:pPr lvl="0"/>
+            <a:endParaRPr lang="ru-RU" sz="1800" dirty="0" smtClean="0">
+              <a:solidFill>
+                <a:srgbClr val="002060"/>
+              </a:solidFill>
+              <a:latin typeface="Comic Sans MS" pitchFamily="66" charset="0"/>
+            </a:endParaRPr>
+          </a:p>
+          <a:p>
+            <a:pPr lvl="0"/>
+            <a:r>
+              <a:rPr lang="ru-RU" sz="1800" dirty="0" smtClean="0">
+                <a:solidFill>
+                  <a:srgbClr val="002060"/>
+                </a:solidFill>
+                <a:latin typeface="Comic Sans MS" pitchFamily="66" charset="0"/>
+              </a:rPr>
+              <a:t>1. Соотношение </a:t>
+            </a:r>
+            <a:r>
+              <a:rPr lang="ru-RU" sz="1800" dirty="0" smtClean="0">
+                <a:solidFill>
+                  <a:srgbClr val="002060"/>
+                </a:solidFill>
+                <a:latin typeface="Comic Sans MS" pitchFamily="66" charset="0"/>
+              </a:rPr>
+              <a:t>текста из </a:t>
+            </a:r>
+            <a:r>
+              <a:rPr lang="ru-RU" sz="1800" dirty="0" smtClean="0">
+                <a:solidFill>
+                  <a:srgbClr val="002060"/>
+                </a:solidFill>
+                <a:latin typeface="Comic Sans MS" pitchFamily="66" charset="0"/>
+              </a:rPr>
+              <a:t>тегов </a:t>
+            </a:r>
+            <a:r>
+              <a:rPr lang="en-US" sz="1800" dirty="0" smtClean="0">
+                <a:solidFill>
+                  <a:srgbClr val="002060"/>
+                </a:solidFill>
+                <a:latin typeface="Comic Sans MS" pitchFamily="66" charset="0"/>
+              </a:rPr>
+              <a:t>TITLE </a:t>
+            </a:r>
+            <a:r>
+              <a:rPr lang="ru-RU" sz="1800" dirty="0" smtClean="0">
+                <a:solidFill>
+                  <a:srgbClr val="002060"/>
+                </a:solidFill>
+                <a:latin typeface="Comic Sans MS" pitchFamily="66" charset="0"/>
+              </a:rPr>
+              <a:t>и </a:t>
+            </a:r>
+            <a:r>
+              <a:rPr lang="en-US" sz="1800" dirty="0" smtClean="0">
+                <a:solidFill>
+                  <a:srgbClr val="002060"/>
+                </a:solidFill>
+                <a:latin typeface="Comic Sans MS" pitchFamily="66" charset="0"/>
+              </a:rPr>
+              <a:t>H</a:t>
+            </a:r>
+            <a:r>
+              <a:rPr lang="ru-RU" sz="1800" dirty="0" smtClean="0">
+                <a:solidFill>
+                  <a:srgbClr val="002060"/>
+                </a:solidFill>
+                <a:latin typeface="Comic Sans MS" pitchFamily="66" charset="0"/>
+              </a:rPr>
+              <a:t>1;</a:t>
+            </a:r>
+          </a:p>
+          <a:p>
+            <a:pPr lvl="0"/>
+            <a:r>
+              <a:rPr lang="ru-RU" sz="1800" dirty="0" smtClean="0">
+                <a:solidFill>
+                  <a:srgbClr val="002060"/>
+                </a:solidFill>
+                <a:latin typeface="Comic Sans MS" pitchFamily="66" charset="0"/>
+              </a:rPr>
+              <a:t>2. Соотношение </a:t>
+            </a:r>
+            <a:r>
+              <a:rPr lang="ru-RU" sz="1800" dirty="0" smtClean="0">
+                <a:solidFill>
+                  <a:srgbClr val="002060"/>
+                </a:solidFill>
+                <a:latin typeface="Comic Sans MS" pitchFamily="66" charset="0"/>
+              </a:rPr>
+              <a:t>текста из тега </a:t>
+            </a:r>
+            <a:r>
+              <a:rPr lang="en-US" sz="1800" dirty="0" smtClean="0">
+                <a:solidFill>
+                  <a:srgbClr val="002060"/>
+                </a:solidFill>
+                <a:latin typeface="Comic Sans MS" pitchFamily="66" charset="0"/>
+              </a:rPr>
+              <a:t>TITLE</a:t>
+            </a:r>
+            <a:r>
+              <a:rPr lang="ru-RU" sz="1800" dirty="0" smtClean="0">
+                <a:solidFill>
+                  <a:srgbClr val="002060"/>
+                </a:solidFill>
+                <a:latin typeface="Comic Sans MS" pitchFamily="66" charset="0"/>
+              </a:rPr>
+              <a:t> с </a:t>
+            </a:r>
+            <a:r>
+              <a:rPr lang="ru-RU" sz="1800" dirty="0" smtClean="0">
+                <a:solidFill>
+                  <a:srgbClr val="002060"/>
+                </a:solidFill>
+                <a:latin typeface="Comic Sans MS" pitchFamily="66" charset="0"/>
+              </a:rPr>
+              <a:t>запросом пользователя;</a:t>
+            </a:r>
+            <a:endParaRPr lang="ru-RU" sz="1800" dirty="0" smtClean="0">
+              <a:solidFill>
+                <a:srgbClr val="002060"/>
+              </a:solidFill>
+              <a:latin typeface="Comic Sans MS" pitchFamily="66" charset="0"/>
+            </a:endParaRPr>
+          </a:p>
+          <a:p>
+            <a:pPr lvl="0"/>
+            <a:r>
+              <a:rPr lang="ru-RU" sz="1800" dirty="0" smtClean="0">
+                <a:solidFill>
+                  <a:srgbClr val="002060"/>
+                </a:solidFill>
+                <a:latin typeface="Comic Sans MS" pitchFamily="66" charset="0"/>
+              </a:rPr>
+              <a:t>3. Процент </a:t>
+            </a:r>
+            <a:r>
+              <a:rPr lang="ru-RU" sz="1800" dirty="0" smtClean="0">
+                <a:solidFill>
+                  <a:srgbClr val="002060"/>
+                </a:solidFill>
+                <a:latin typeface="Comic Sans MS" pitchFamily="66" charset="0"/>
+              </a:rPr>
+              <a:t>вхождения ключевых </a:t>
+            </a:r>
+            <a:r>
+              <a:rPr lang="ru-RU" sz="1800" dirty="0" smtClean="0">
+                <a:solidFill>
+                  <a:srgbClr val="002060"/>
+                </a:solidFill>
+                <a:latin typeface="Comic Sans MS" pitchFamily="66" charset="0"/>
+              </a:rPr>
+              <a:t>слов, </a:t>
+            </a:r>
+            <a:r>
+              <a:rPr lang="ru-RU" sz="1800" dirty="0" smtClean="0">
+                <a:solidFill>
+                  <a:srgbClr val="002060"/>
+                </a:solidFill>
+                <a:latin typeface="Comic Sans MS" pitchFamily="66" charset="0"/>
+              </a:rPr>
+              <a:t>из вводимого пользователем запроса, по отношению к основному тексту страницы;</a:t>
+            </a:r>
+          </a:p>
+          <a:p>
+            <a:pPr lvl="0"/>
+            <a:r>
+              <a:rPr lang="ru-RU" sz="1800" dirty="0" smtClean="0">
+                <a:solidFill>
+                  <a:srgbClr val="002060"/>
+                </a:solidFill>
+                <a:latin typeface="Comic Sans MS" pitchFamily="66" charset="0"/>
+              </a:rPr>
+              <a:t>4. Количество </a:t>
+            </a:r>
+            <a:r>
+              <a:rPr lang="ru-RU" sz="1800" dirty="0" smtClean="0">
+                <a:solidFill>
+                  <a:srgbClr val="002060"/>
+                </a:solidFill>
+                <a:latin typeface="Comic Sans MS" pitchFamily="66" charset="0"/>
+              </a:rPr>
+              <a:t>ключевых слов в тексте страницы;</a:t>
+            </a:r>
+          </a:p>
+          <a:p>
+            <a:pPr lvl="0"/>
+            <a:r>
+              <a:rPr lang="ru-RU" sz="1800" dirty="0" smtClean="0">
+                <a:solidFill>
+                  <a:srgbClr val="002060"/>
+                </a:solidFill>
+                <a:latin typeface="Comic Sans MS" pitchFamily="66" charset="0"/>
+              </a:rPr>
+              <a:t>5. Наличие </a:t>
+            </a:r>
+            <a:r>
+              <a:rPr lang="ru-RU" sz="1800" dirty="0" smtClean="0">
+                <a:solidFill>
+                  <a:srgbClr val="002060"/>
+                </a:solidFill>
+                <a:latin typeface="Comic Sans MS" pitchFamily="66" charset="0"/>
+              </a:rPr>
+              <a:t>вхождения запроса в первые 20% текста страницы;</a:t>
+            </a:r>
+          </a:p>
+          <a:p>
+            <a:pPr lvl="0"/>
+            <a:r>
+              <a:rPr lang="ru-RU" sz="1800" dirty="0" smtClean="0">
+                <a:solidFill>
+                  <a:srgbClr val="002060"/>
+                </a:solidFill>
+                <a:latin typeface="Comic Sans MS" pitchFamily="66" charset="0"/>
+              </a:rPr>
+              <a:t>6. Наличие </a:t>
+            </a:r>
+            <a:r>
+              <a:rPr lang="ru-RU" sz="1800" dirty="0" smtClean="0">
+                <a:solidFill>
+                  <a:srgbClr val="002060"/>
+                </a:solidFill>
+                <a:latin typeface="Comic Sans MS" pitchFamily="66" charset="0"/>
+              </a:rPr>
+              <a:t>ключевых слов, </a:t>
+            </a:r>
+            <a:r>
+              <a:rPr lang="ru-RU" sz="1800" dirty="0" smtClean="0">
+                <a:solidFill>
+                  <a:srgbClr val="002060"/>
+                </a:solidFill>
+                <a:latin typeface="Comic Sans MS" pitchFamily="66" charset="0"/>
+              </a:rPr>
+              <a:t>в </a:t>
+            </a:r>
+            <a:r>
+              <a:rPr lang="en-US" sz="1800" dirty="0" smtClean="0">
+                <a:solidFill>
+                  <a:srgbClr val="002060"/>
+                </a:solidFill>
+                <a:latin typeface="Comic Sans MS" pitchFamily="66" charset="0"/>
+              </a:rPr>
+              <a:t>META</a:t>
+            </a:r>
+            <a:r>
+              <a:rPr lang="ru-RU" sz="1800" dirty="0" smtClean="0">
+                <a:solidFill>
+                  <a:srgbClr val="002060"/>
+                </a:solidFill>
+                <a:latin typeface="Comic Sans MS" pitchFamily="66" charset="0"/>
+              </a:rPr>
+              <a:t>-теге описания </a:t>
+            </a:r>
+            <a:r>
+              <a:rPr lang="ru-RU" sz="1800" dirty="0" smtClean="0">
+                <a:solidFill>
+                  <a:srgbClr val="002060"/>
+                </a:solidFill>
+                <a:latin typeface="Comic Sans MS" pitchFamily="66" charset="0"/>
+              </a:rPr>
+              <a:t>страницы;</a:t>
+            </a:r>
+            <a:endParaRPr lang="ru-RU" sz="1800" dirty="0" smtClean="0">
+              <a:solidFill>
+                <a:srgbClr val="002060"/>
+              </a:solidFill>
+              <a:latin typeface="Comic Sans MS" pitchFamily="66" charset="0"/>
+            </a:endParaRPr>
+          </a:p>
+          <a:p>
+            <a:pPr lvl="0"/>
+            <a:r>
+              <a:rPr lang="ru-RU" sz="1800" dirty="0" smtClean="0">
+                <a:solidFill>
+                  <a:srgbClr val="002060"/>
+                </a:solidFill>
+                <a:latin typeface="Comic Sans MS" pitchFamily="66" charset="0"/>
+              </a:rPr>
+              <a:t>7. Наличие </a:t>
+            </a:r>
+            <a:r>
+              <a:rPr lang="ru-RU" sz="1800" dirty="0" smtClean="0">
+                <a:solidFill>
+                  <a:srgbClr val="002060"/>
+                </a:solidFill>
+                <a:latin typeface="Comic Sans MS" pitchFamily="66" charset="0"/>
+              </a:rPr>
+              <a:t>на странице хотя бы одной таблицы или </a:t>
+            </a:r>
+            <a:r>
+              <a:rPr lang="ru-RU" sz="1800" dirty="0" smtClean="0">
+                <a:solidFill>
+                  <a:srgbClr val="002060"/>
+                </a:solidFill>
+                <a:latin typeface="Comic Sans MS" pitchFamily="66" charset="0"/>
+              </a:rPr>
+              <a:t>перечисления;</a:t>
+            </a:r>
+            <a:endParaRPr lang="ru-RU" sz="1800" dirty="0" smtClean="0">
+              <a:solidFill>
+                <a:srgbClr val="002060"/>
+              </a:solidFill>
+              <a:latin typeface="Comic Sans MS" pitchFamily="66" charset="0"/>
+            </a:endParaRPr>
+          </a:p>
+          <a:p>
+            <a:pPr lvl="0"/>
+            <a:r>
+              <a:rPr lang="ru-RU" sz="1800" dirty="0" smtClean="0">
+                <a:solidFill>
+                  <a:srgbClr val="002060"/>
+                </a:solidFill>
+                <a:latin typeface="Comic Sans MS" pitchFamily="66" charset="0"/>
+              </a:rPr>
+              <a:t>8. Вхождение </a:t>
+            </a:r>
+            <a:r>
+              <a:rPr lang="ru-RU" sz="1800" dirty="0" smtClean="0">
+                <a:solidFill>
+                  <a:srgbClr val="002060"/>
+                </a:solidFill>
+                <a:latin typeface="Comic Sans MS" pitchFamily="66" charset="0"/>
+              </a:rPr>
+              <a:t>ключевых слов в тегах </a:t>
+            </a:r>
+            <a:r>
+              <a:rPr lang="en-US" sz="1800" dirty="0" smtClean="0">
+                <a:solidFill>
+                  <a:srgbClr val="002060"/>
+                </a:solidFill>
+                <a:latin typeface="Comic Sans MS" pitchFamily="66" charset="0"/>
+              </a:rPr>
+              <a:t>H</a:t>
+            </a:r>
+            <a:r>
+              <a:rPr lang="ru-RU" sz="1800" dirty="0" smtClean="0">
+                <a:solidFill>
+                  <a:srgbClr val="002060"/>
+                </a:solidFill>
+                <a:latin typeface="Comic Sans MS" pitchFamily="66" charset="0"/>
+              </a:rPr>
+              <a:t>1, </a:t>
+            </a:r>
+            <a:r>
+              <a:rPr lang="en-US" sz="1800" dirty="0" smtClean="0">
+                <a:solidFill>
+                  <a:srgbClr val="002060"/>
+                </a:solidFill>
+                <a:latin typeface="Comic Sans MS" pitchFamily="66" charset="0"/>
+              </a:rPr>
+              <a:t>H</a:t>
+            </a:r>
+            <a:r>
+              <a:rPr lang="ru-RU" sz="1800" dirty="0" smtClean="0">
+                <a:solidFill>
+                  <a:srgbClr val="002060"/>
+                </a:solidFill>
+                <a:latin typeface="Comic Sans MS" pitchFamily="66" charset="0"/>
+              </a:rPr>
+              <a:t>2, </a:t>
+            </a:r>
+            <a:r>
+              <a:rPr lang="en-US" sz="1800" dirty="0" smtClean="0">
+                <a:solidFill>
+                  <a:srgbClr val="002060"/>
+                </a:solidFill>
+                <a:latin typeface="Comic Sans MS" pitchFamily="66" charset="0"/>
+              </a:rPr>
+              <a:t>H</a:t>
+            </a:r>
+            <a:r>
+              <a:rPr lang="ru-RU" sz="1800" dirty="0" smtClean="0">
+                <a:solidFill>
+                  <a:srgbClr val="002060"/>
+                </a:solidFill>
+                <a:latin typeface="Comic Sans MS" pitchFamily="66" charset="0"/>
+              </a:rPr>
+              <a:t>3;</a:t>
+            </a:r>
+          </a:p>
+          <a:p>
+            <a:r>
+              <a:rPr lang="ru-RU" sz="1800" dirty="0" smtClean="0">
+                <a:solidFill>
+                  <a:srgbClr val="002060"/>
+                </a:solidFill>
+                <a:latin typeface="Comic Sans MS" pitchFamily="66" charset="0"/>
+              </a:rPr>
+              <a:t>9. Наличие </a:t>
+            </a:r>
+            <a:r>
+              <a:rPr lang="ru-RU" sz="1800" dirty="0" smtClean="0">
+                <a:solidFill>
+                  <a:srgbClr val="002060"/>
+                </a:solidFill>
+                <a:latin typeface="Comic Sans MS" pitchFamily="66" charset="0"/>
+              </a:rPr>
+              <a:t>изображений на каждые 1 500 символов сплошного текста.</a:t>
+            </a:r>
+            <a:endParaRPr lang="ru-RU" sz="1800" dirty="0">
+              <a:solidFill>
+                <a:srgbClr val="002060"/>
+              </a:solidFill>
+              <a:latin typeface="Comic Sans MS" pitchFamily="66" charset="0"/>
+            </a:endParaRPr>
+          </a:p>
+        </p:txBody>
+      </p:sp>
+    </p:spTree>
+  </p:cSld>
+  <p:clrMapOvr>
+    <a:masterClrMapping/>
+  </p:clrMapOvr>
+  <p:timing>
+    <p:tnLst>
+      <p:par>
+        <p:cTn id="1" dur="indefinite" restart="never" nodeType="tmRoot"/>
+      </p:par>
+    </p:tnLst>
+  </p:timing>
+</p:sld>
+</file>
+
+<file path=ppt/slides/slide6.xml><?xml version="1.0" encoding="utf-8"?>
+<p:sld xmlns:a="http://schemas.openxmlformats.org/drawingml/2006/main" xmlns:r="http://schemas.openxmlformats.org/officeDocument/2006/relationships" xmlns:p="http://schemas.openxmlformats.org/presentationml/2006/main">
+  <p:cSld>
+    <p:spTree>
+      <p:nvGrpSpPr>
+        <p:cNvPr id="1" name=""/>
+        <p:cNvGrpSpPr/>
+        <p:nvPr/>
+      </p:nvGrpSpPr>
+      <p:grpSpPr>
+        <a:xfrm>
+          <a:off x="0" y="0"/>
+          <a:ext cx="0" cy="0"/>
+          <a:chOff x="0" y="0"/>
+          <a:chExt cx="0" cy="0"/>
+        </a:xfrm>
+      </p:grpSpPr>
+      <p:sp>
+        <p:nvSpPr>
+          <p:cNvPr id="2" name="Заголовок 1"/>
+          <p:cNvSpPr>
+            <a:spLocks noGrp="1"/>
+          </p:cNvSpPr>
+          <p:nvPr>
+            <p:ph type="ctrTitle"/>
+          </p:nvPr>
+        </p:nvSpPr>
+        <p:spPr>
+          <a:xfrm>
+            <a:off x="1115616" y="2204864"/>
+            <a:ext cx="6858000" cy="2387600"/>
+          </a:xfrm>
+        </p:spPr>
+        <p:txBody>
+          <a:bodyPr>
+            <a:normAutofit fontScale="90000"/>
+          </a:bodyPr>
+          <a:lstStyle/>
+          <a:p>
+            <a:r>
+              <a:rPr lang="ru-RU" dirty="0" smtClean="0">
+                <a:latin typeface="Comic Sans MS" pitchFamily="66" charset="0"/>
+              </a:rPr>
+              <a:t>Использованные математические методы</a:t>
+            </a:r>
+            <a:endParaRPr lang="ru-RU" dirty="0">
+              <a:latin typeface="Comic Sans MS" pitchFamily="66" charset="0"/>
+            </a:endParaRPr>
+          </a:p>
+        </p:txBody>
+      </p:sp>
+    </p:spTree>
+  </p:cSld>
+  <p:clrMapOvr>
+    <a:masterClrMapping/>
+  </p:clrMapOvr>
+  <p:timing>
+    <p:tnLst>
+      <p:par>
+        <p:cTn id="1" dur="indefinite" restart="never" nodeType="tmRoot"/>
+      </p:par>
+    </p:tnLst>
+  </p:timing>
+</p:sld>
+</file>
+
+<file path=ppt/slides/slide7.xml><?xml version="1.0" encoding="utf-8"?>
+<p:sld xmlns:a="http://schemas.openxmlformats.org/drawingml/2006/main" xmlns:r="http://schemas.openxmlformats.org/officeDocument/2006/relationships" xmlns:p="http://schemas.openxmlformats.org/presentationml/2006/main">
+  <p:cSld>
+    <p:spTree>
+      <p:nvGrpSpPr>
+        <p:cNvPr id="1" name=""/>
+        <p:cNvGrpSpPr/>
+        <p:nvPr/>
+      </p:nvGrpSpPr>
+      <p:grpSpPr>
+        <a:xfrm>
+          <a:off x="0" y="0"/>
+          <a:ext cx="0" cy="0"/>
+          <a:chOff x="0" y="0"/>
+          <a:chExt cx="0" cy="0"/>
+        </a:xfrm>
+      </p:grpSpPr>
+      <p:sp>
+        <p:nvSpPr>
+          <p:cNvPr id="2" name="Заголовок 1"/>
+          <p:cNvSpPr>
+            <a:spLocks noGrp="1"/>
+          </p:cNvSpPr>
+          <p:nvPr>
+            <p:ph type="title"/>
+          </p:nvPr>
+        </p:nvSpPr>
+        <p:spPr>
+          <a:xfrm>
+            <a:off x="628650" y="1005213"/>
+            <a:ext cx="7886700" cy="1325563"/>
+          </a:xfrm>
+        </p:spPr>
+        <p:txBody>
+          <a:bodyPr/>
+          <a:lstStyle/>
+          <a:p>
+            <a:pPr algn="ctr"/>
+            <a:r>
+              <a:rPr lang="ru-RU" dirty="0" smtClean="0"/>
+              <a:t>Расстояние Левенштейна</a:t>
+            </a:r>
+            <a:endParaRPr lang="ru-RU" dirty="0"/>
+          </a:p>
+        </p:txBody>
+      </p:sp>
+      <p:sp>
+        <p:nvSpPr>
+          <p:cNvPr id="17410" name="Rectangle 2"/>
+          <p:cNvSpPr>
+            <a:spLocks noChangeArrowheads="1"/>
+          </p:cNvSpPr>
+          <p:nvPr/>
+        </p:nvSpPr>
+        <p:spPr bwMode="auto">
+          <a:xfrm>
+            <a:off x="0" y="0"/>
+            <a:ext cx="9144000" cy="0"/>
+          </a:xfrm>
+          <a:prstGeom prst="rect">
+            <a:avLst/>
+          </a:prstGeom>
+          <a:noFill/>
+          <a:ln w="9525">
+            <a:noFill/>
+            <a:miter lim="800000"/>
+            <a:headEnd/>
+            <a:tailEnd/>
+          </a:ln>
+          <a:effectLst/>
+        </p:spPr>
+        <p:txBody>
+          <a:bodyPr vert="horz" wrap="none" lIns="91440" tIns="45720" rIns="91440" bIns="45720" numCol="1" anchor="ctr" anchorCtr="0" compatLnSpc="1">
+            <a:prstTxWarp prst="textNoShape">
+              <a:avLst/>
+            </a:prstTxWarp>
+            <a:spAutoFit/>
+          </a:bodyPr>
+          <a:lstStyle/>
+          <a:p>
+            <a:endParaRPr lang="ru-RU"/>
+          </a:p>
+        </p:txBody>
+      </p:sp>
+      <p:sp>
+        <p:nvSpPr>
+          <p:cNvPr id="17412" name="Rectangle 4"/>
+          <p:cNvSpPr>
+            <a:spLocks noChangeArrowheads="1"/>
+          </p:cNvSpPr>
+          <p:nvPr/>
+        </p:nvSpPr>
+        <p:spPr bwMode="auto">
+          <a:xfrm>
+            <a:off x="0" y="0"/>
+            <a:ext cx="9144000" cy="0"/>
+          </a:xfrm>
+          <a:prstGeom prst="rect">
+            <a:avLst/>
+          </a:prstGeom>
+          <a:noFill/>
+          <a:ln w="9525">
+            <a:noFill/>
+            <a:miter lim="800000"/>
+            <a:headEnd/>
+            <a:tailEnd/>
+          </a:ln>
+          <a:effectLst/>
+        </p:spPr>
+        <p:txBody>
+          <a:bodyPr vert="horz" wrap="none" lIns="91440" tIns="45720" rIns="91440" bIns="45720" numCol="1" anchor="ctr" anchorCtr="0" compatLnSpc="1">
+            <a:prstTxWarp prst="textNoShape">
+              <a:avLst/>
+            </a:prstTxWarp>
+            <a:spAutoFit/>
+          </a:bodyPr>
+          <a:lstStyle/>
+          <a:p>
+            <a:endParaRPr lang="ru-RU"/>
+          </a:p>
+        </p:txBody>
+      </p:sp>
+      <p:pic>
+        <p:nvPicPr>
+          <p:cNvPr id="17411" name="Picture 3"/>
+          <p:cNvPicPr>
+            <a:picLocks noChangeAspect="1" noChangeArrowheads="1"/>
+          </p:cNvPicPr>
+          <p:nvPr/>
+        </p:nvPicPr>
+        <p:blipFill>
+          <a:blip r:embed="rId2" cstate="print">
+            <a:clrChange>
+              <a:clrFrom>
+                <a:srgbClr val="FFFFFF"/>
+              </a:clrFrom>
+              <a:clrTo>
+                <a:srgbClr val="FFFFFF">
+                  <a:alpha val="0"/>
+                </a:srgbClr>
+              </a:clrTo>
+            </a:clrChange>
+          </a:blip>
+          <a:srcRect/>
+          <a:stretch>
+            <a:fillRect/>
+          </a:stretch>
+        </p:blipFill>
+        <p:spPr bwMode="auto">
+          <a:xfrm>
+            <a:off x="1835696" y="2717228"/>
+            <a:ext cx="5287301" cy="2160240"/>
+          </a:xfrm>
+          <a:prstGeom prst="rect">
+            <a:avLst/>
+          </a:prstGeom>
+          <a:noFill/>
+        </p:spPr>
+      </p:pic>
+    </p:spTree>
+  </p:cSld>
+  <p:clrMapOvr>
+    <a:masterClrMapping/>
+  </p:clrMapOvr>
+  <p:timing>
+    <p:tnLst>
+      <p:par>
+        <p:cTn id="1" dur="indefinite" restart="never" nodeType="tmRoot"/>
+      </p:par>
+    </p:tnLst>
+  </p:timing>
+</p:sld>
+</file>
+
+<file path=ppt/slides/slide8.xml><?xml version="1.0" encoding="utf-8"?>
+<p:sld xmlns:a="http://schemas.openxmlformats.org/drawingml/2006/main" xmlns:r="http://schemas.openxmlformats.org/officeDocument/2006/relationships" xmlns:p="http://schemas.openxmlformats.org/presentationml/2006/main">
+  <p:cSld>
+    <p:spTree>
+      <p:nvGrpSpPr>
+        <p:cNvPr id="1" name=""/>
+        <p:cNvGrpSpPr/>
+        <p:nvPr/>
+      </p:nvGrpSpPr>
+      <p:grpSpPr>
+        <a:xfrm>
+          <a:off x="0" y="0"/>
+          <a:ext cx="0" cy="0"/>
+          <a:chOff x="0" y="0"/>
+          <a:chExt cx="0" cy="0"/>
+        </a:xfrm>
+      </p:grpSpPr>
+      <p:sp>
+        <p:nvSpPr>
+          <p:cNvPr id="2" name="Заголовок 1"/>
+          <p:cNvSpPr>
+            <a:spLocks noGrp="1"/>
+          </p:cNvSpPr>
+          <p:nvPr>
+            <p:ph type="ctrTitle"/>
+          </p:nvPr>
+        </p:nvSpPr>
+        <p:spPr>
+          <a:xfrm>
+            <a:off x="1143000" y="2141277"/>
+            <a:ext cx="6858000" cy="2387600"/>
+          </a:xfrm>
+        </p:spPr>
+        <p:txBody>
+          <a:bodyPr/>
+          <a:lstStyle/>
+          <a:p>
+            <a:r>
+              <a:rPr lang="ru-RU" dirty="0" smtClean="0">
+                <a:latin typeface="Comic Sans MS" pitchFamily="66" charset="0"/>
+              </a:rPr>
+              <a:t>Метод анализа иерархий</a:t>
+            </a:r>
+            <a:endParaRPr lang="ru-RU" dirty="0">
+              <a:latin typeface="Comic Sans MS" pitchFamily="66" charset="0"/>
+            </a:endParaRPr>
+          </a:p>
+        </p:txBody>
+      </p:sp>
+    </p:spTree>
+  </p:cSld>
+  <p:clrMapOvr>
+    <a:masterClrMapping/>
+  </p:clrMapOvr>
+  <p:timing>
+    <p:tnLst>
+      <p:par>
+        <p:cTn id="1" dur="indefinite" restart="never" nodeType="tmRoot"/>
+      </p:par>
+    </p:tnLst>
+  </p:timing>
+</p:sld>
+</file>
+
+<file path=ppt/slides/slide9.xml><?xml version="1.0" encoding="utf-8"?>
+<p:sld xmlns:a="http://schemas.openxmlformats.org/drawingml/2006/main" xmlns:r="http://schemas.openxmlformats.org/officeDocument/2006/relationships" xmlns:p="http://schemas.openxmlformats.org/presentationml/2006/main">
+  <p:cSld>
+    <p:spTree>
+      <p:nvGrpSpPr>
+        <p:cNvPr id="1" name=""/>
+        <p:cNvGrpSpPr/>
+        <p:nvPr/>
+      </p:nvGrpSpPr>
+      <p:grpSpPr>
+        <a:xfrm>
+          <a:off x="0" y="0"/>
+          <a:ext cx="0" cy="0"/>
+          <a:chOff x="0" y="0"/>
+          <a:chExt cx="0" cy="0"/>
+        </a:xfrm>
+      </p:grpSpPr>
+      <p:sp>
+        <p:nvSpPr>
+          <p:cNvPr id="2" name="Заголовок 1"/>
+          <p:cNvSpPr>
+            <a:spLocks noGrp="1"/>
+          </p:cNvSpPr>
+          <p:nvPr>
+            <p:ph type="title"/>
+          </p:nvPr>
+        </p:nvSpPr>
+        <p:spPr/>
+        <p:txBody>
+          <a:bodyPr/>
+          <a:lstStyle/>
+          <a:p>
+            <a:pPr algn="ctr"/>
+            <a:r>
+              <a:rPr lang="ru-RU" dirty="0" smtClean="0">
+                <a:latin typeface="Comic Sans MS" pitchFamily="66" charset="0"/>
+              </a:rPr>
+              <a:t>Декомпозиция задачи</a:t>
+            </a:r>
+            <a:endParaRPr lang="ru-RU" dirty="0">
+              <a:latin typeface="Comic Sans MS" pitchFamily="66" charset="0"/>
+            </a:endParaRPr>
+          </a:p>
+        </p:txBody>
+      </p:sp>
+      <p:pic>
+        <p:nvPicPr>
+          <p:cNvPr id="4" name="Содержимое 3" descr="C:\Users\Usbam\Downloads\4.png"/>
+          <p:cNvPicPr>
+            <a:picLocks noGrp="1"/>
+          </p:cNvPicPr>
+          <p:nvPr>
+            <p:ph idx="1"/>
+          </p:nvPr>
+        </p:nvPicPr>
+        <p:blipFill>
+          <a:blip r:embed="rId2" cstate="print"/>
+          <a:srcRect/>
+          <a:stretch>
+            <a:fillRect/>
+          </a:stretch>
+        </p:blipFill>
+        <p:spPr bwMode="auto">
+          <a:xfrm>
+            <a:off x="971600" y="1628800"/>
+            <a:ext cx="7297518" cy="4140522"/>
+          </a:xfrm>
+          <a:prstGeom prst="rect">
+            <a:avLst/>
+          </a:prstGeom>
+          <a:noFill/>
+          <a:ln w="9525">
+            <a:noFill/>
+            <a:miter lim="800000"/>
+            <a:headEnd/>
+            <a:tailEnd/>
+          </a:ln>
+        </p:spPr>
+      </p:pic>
+    </p:spTree>
+  </p:cSld>
+  <p:clrMapOvr>
+    <a:masterClrMapping/>
+  </p:clrMapOvr>
+  <p:timing>
+    <p:tnLst>
+      <p:par>
+        <p:cTn id="1" dur="indefinite" restart="never" nodeType="tmRoot"/>
+      </p:par>
+    </p:tnLst>
+  </p:timing>
+</p:sld>
+</file>
+
 <file path=ppt/theme/theme1.xml><?xml version="1.0" encoding="utf-8"?>
-<a:theme xmlns:a="http://schemas.openxmlformats.org/drawingml/2006/main" name="Тема Office">
+<a:theme xmlns:a="http://schemas.openxmlformats.org/drawingml/2006/main" name="powerpointbase.com-955">
   <a:themeElements>
     <a:clrScheme name="Стандартная">
       <a:dk1>
@@ -3026,44 +5870,44 @@
         <a:sysClr val="window" lastClr="FFFFFF"/>
       </a:lt1>
       <a:dk2>
-        <a:srgbClr val="1F497D"/>
+        <a:srgbClr val="44546A"/>
       </a:dk2>
       <a:lt2>
-        <a:srgbClr val="EEECE1"/>
+        <a:srgbClr val="E7E6E6"/>
       </a:lt2>
       <a:accent1>
-        <a:srgbClr val="4F81BD"/>
+        <a:srgbClr val="4472C4"/>
       </a:accent1>
       <a:accent2>
-        <a:srgbClr val="C0504D"/>
+        <a:srgbClr val="ED7D31"/>
       </a:accent2>
       <a:accent3>
-        <a:srgbClr val="9BBB59"/>
+        <a:srgbClr val="A5A5A5"/>
       </a:accent3>
       <a:accent4>
-        <a:srgbClr val="8064A2"/>
+        <a:srgbClr val="FFC000"/>
       </a:accent4>
       <a:accent5>
-        <a:srgbClr val="4BACC6"/>
+        <a:srgbClr val="5B9BD5"/>
       </a:accent5>
       <a:accent6>
-        <a:srgbClr val="F79646"/>
+        <a:srgbClr val="70AD47"/>
       </a:accent6>
       <a:hlink>
-        <a:srgbClr val="0000FF"/>
+        <a:srgbClr val="0563C1"/>
       </a:hlink>
       <a:folHlink>
-        <a:srgbClr val="800080"/>
+        <a:srgbClr val="954F72"/>
       </a:folHlink>
     </a:clrScheme>
     <a:fontScheme name="Стандартная">
       <a:majorFont>
-        <a:latin typeface="Calibri"/>
+        <a:latin typeface="Calibri Light"/>
         <a:ea typeface=""/>
         <a:cs typeface=""/>
-        <a:font script="Jpan" typeface="ＭＳ Ｐゴシック"/>
+        <a:font script="Jpan" typeface="游ゴシック Light"/>
         <a:font script="Hang" typeface="맑은 고딕"/>
-        <a:font script="Hans" typeface="宋体"/>
+        <a:font script="Hans" typeface="等线 Light"/>
         <a:font script="Hant" typeface="新細明體"/>
         <a:font script="Arab" typeface="Times New Roman"/>
         <a:font script="Hebr" typeface="Times New Roman"/>
@@ -3090,14 +5934,32 @@
         <a:font script="Mong" typeface="Mongolian Baiti"/>
         <a:font script="Viet" typeface="Times New Roman"/>
         <a:font script="Uigh" typeface="Microsoft Uighur"/>
+        <a:font script="Geor" typeface="Sylfaen"/>
+        <a:font script="Armn" typeface="Arial"/>
+        <a:font script="Bugi" typeface="Leelawadee UI"/>
+        <a:font script="Bopo" typeface="Microsoft JhengHei"/>
+        <a:font script="Java" typeface="Javanese Text"/>
+        <a:font script="Lisu" typeface="Segoe UI"/>
+        <a:font script="Mymr" typeface="Myanmar Text"/>
+        <a:font script="Nkoo" typeface="Ebrima"/>
+        <a:font script="Olck" typeface="Nirmala UI"/>
+        <a:font script="Osma" typeface="Ebrima"/>
+        <a:font script="Phag" typeface="Phagspa"/>
+        <a:font script="Syrn" typeface="Estrangelo Edessa"/>
+        <a:font script="Syrj" typeface="Estrangelo Edessa"/>
+        <a:font script="Syre" typeface="Estrangelo Edessa"/>
+        <a:font script="Sora" typeface="Nirmala UI"/>
+        <a:font script="Tale" typeface="Microsoft Tai Le"/>
+        <a:font script="Talu" typeface="Microsoft New Tai Lue"/>
+        <a:font script="Tfng" typeface="Ebrima"/>
       </a:majorFont>
       <a:minorFont>
         <a:latin typeface="Calibri"/>
         <a:ea typeface=""/>
         <a:cs typeface=""/>
-        <a:font script="Jpan" typeface="ＭＳ Ｐゴシック"/>
+        <a:font script="Jpan" typeface="游ゴシック"/>
         <a:font script="Hang" typeface="맑은 고딕"/>
-        <a:font script="Hans" typeface="宋体"/>
+        <a:font script="Hans" typeface="等线"/>
         <a:font script="Hant" typeface="新細明體"/>
         <a:font script="Arab" typeface="Arial"/>
         <a:font script="Hebr" typeface="Arial"/>
@@ -3124,6 +5986,24 @@
         <a:font script="Mong" typeface="Mongolian Baiti"/>
         <a:font script="Viet" typeface="Arial"/>
         <a:font script="Uigh" typeface="Microsoft Uighur"/>
+        <a:font script="Geor" typeface="Sylfaen"/>
+        <a:font script="Armn" typeface="Arial"/>
+        <a:font script="Bugi" typeface="Leelawadee UI"/>
+        <a:font script="Bopo" typeface="Microsoft JhengHei"/>
+        <a:font script="Java" typeface="Javanese Text"/>
+        <a:font script="Lisu" typeface="Segoe UI"/>
+        <a:font script="Mymr" typeface="Myanmar Text"/>
+        <a:font script="Nkoo" typeface="Ebrima"/>
+        <a:font script="Olck" typeface="Nirmala UI"/>
+        <a:font script="Osma" typeface="Ebrima"/>
+        <a:font script="Phag" typeface="Phagspa"/>
+        <a:font script="Syrn" typeface="Estrangelo Edessa"/>
+        <a:font script="Syrj" typeface="Estrangelo Edessa"/>
+        <a:font script="Syre" typeface="Estrangelo Edessa"/>
+        <a:font script="Sora" typeface="Nirmala UI"/>
+        <a:font script="Tale" typeface="Microsoft Tai Le"/>
+        <a:font script="Talu" typeface="Microsoft New Tai Lue"/>
+        <a:font script="Tfng" typeface="Ebrima"/>
       </a:minorFont>
     </a:fontScheme>
     <a:fmtScheme name="Стандартная">
@@ -3135,165 +6015,141 @@
           <a:gsLst>
             <a:gs pos="0">
               <a:schemeClr val="phClr">
-                <a:tint val="50000"/>
-                <a:satMod val="300000"/>
+                <a:lumMod val="110000"/>
+                <a:satMod val="105000"/>
+                <a:tint val="67000"/>
               </a:schemeClr>
             </a:gs>
-            <a:gs pos="35000">
+            <a:gs pos="50000">
               <a:schemeClr val="phClr">
-                <a:tint val="37000"/>
-                <a:satMod val="300000"/>
+                <a:lumMod val="105000"/>
+                <a:satMod val="103000"/>
+                <a:tint val="73000"/>
               </a:schemeClr>
             </a:gs>
             <a:gs pos="100000">
               <a:schemeClr val="phClr">
-                <a:tint val="15000"/>
-                <a:satMod val="350000"/>
+                <a:lumMod val="105000"/>
+                <a:satMod val="109000"/>
+                <a:tint val="81000"/>
               </a:schemeClr>
             </a:gs>
           </a:gsLst>
-          <a:lin ang="16200000" scaled="1"/>
+          <a:lin ang="5400000" scaled="0"/>
         </a:gradFill>
         <a:gradFill rotWithShape="1">
           <a:gsLst>
             <a:gs pos="0">
               <a:schemeClr val="phClr">
-                <a:shade val="51000"/>
-                <a:satMod val="130000"/>
+                <a:satMod val="103000"/>
+                <a:lumMod val="102000"/>
+                <a:tint val="94000"/>
               </a:schemeClr>
             </a:gs>
-            <a:gs pos="80000">
+            <a:gs pos="50000">
               <a:schemeClr val="phClr">
-                <a:shade val="93000"/>
-                <a:satMod val="130000"/>
+                <a:satMod val="110000"/>
+                <a:lumMod val="100000"/>
+                <a:shade val="100000"/>
               </a:schemeClr>
             </a:gs>
             <a:gs pos="100000">
               <a:schemeClr val="phClr">
-                <a:shade val="94000"/>
-                <a:satMod val="135000"/>
+                <a:lumMod val="99000"/>
+                <a:satMod val="120000"/>
+                <a:shade val="78000"/>
               </a:schemeClr>
             </a:gs>
           </a:gsLst>
-          <a:lin ang="16200000" scaled="0"/>
+          <a:lin ang="5400000" scaled="0"/>
         </a:gradFill>
       </a:fillStyleLst>
       <a:lnStyleLst>
-        <a:ln w="9525" cap="flat" cmpd="sng" algn="ctr">
-          <a:solidFill>
-            <a:schemeClr val="phClr">
-              <a:shade val="95000"/>
-              <a:satMod val="105000"/>
-            </a:schemeClr>
-          </a:solidFill>
-          <a:prstDash val="solid"/>
-        </a:ln>
-        <a:ln w="25400" cap="flat" cmpd="sng" algn="ctr">
+        <a:ln w="6350" cap="flat" cmpd="sng" algn="ctr">
           <a:solidFill>
             <a:schemeClr val="phClr"/>
           </a:solidFill>
           <a:prstDash val="solid"/>
+          <a:miter lim="800000"/>
         </a:ln>
-        <a:ln w="38100" cap="flat" cmpd="sng" algn="ctr">
+        <a:ln w="12700" cap="flat" cmpd="sng" algn="ctr">
           <a:solidFill>
             <a:schemeClr val="phClr"/>
           </a:solidFill>
           <a:prstDash val="solid"/>
+          <a:miter lim="800000"/>
+        </a:ln>
+        <a:ln w="19050" cap="flat" cmpd="sng" algn="ctr">
+          <a:solidFill>
+            <a:schemeClr val="phClr"/>
+          </a:solidFill>
+          <a:prstDash val="solid"/>
+          <a:miter lim="800000"/>
         </a:ln>
       </a:lnStyleLst>
       <a:effectStyleLst>
         <a:effectStyle>
+          <a:effectLst/>
+        </a:effectStyle>
+        <a:effectStyle>
+          <a:effectLst/>
+        </a:effectStyle>
+        <a:effectStyle>
           <a:effectLst>
-            <a:outerShdw blurRad="40000" dist="20000" dir="5400000" rotWithShape="0">
+            <a:outerShdw blurRad="57150" dist="19050" dir="5400000" algn="ctr" rotWithShape="0">
               <a:srgbClr val="000000">
-                <a:alpha val="38000"/>
+                <a:alpha val="63000"/>
               </a:srgbClr>
             </a:outerShdw>
           </a:effectLst>
-        </a:effectStyle>
-        <a:effectStyle>
-          <a:effectLst>
-            <a:outerShdw blurRad="40000" dist="23000" dir="5400000" rotWithShape="0">
-              <a:srgbClr val="000000">
-                <a:alpha val="35000"/>
-              </a:srgbClr>
-            </a:outerShdw>
-          </a:effectLst>
-        </a:effectStyle>
-        <a:effectStyle>
-          <a:effectLst>
-            <a:outerShdw blurRad="40000" dist="23000" dir="5400000" rotWithShape="0">
-              <a:srgbClr val="000000">
-                <a:alpha val="35000"/>
-              </a:srgbClr>
-            </a:outerShdw>
-          </a:effectLst>
-          <a:scene3d>
-            <a:camera prst="orthographicFront">
-              <a:rot lat="0" lon="0" rev="0"/>
-            </a:camera>
-            <a:lightRig rig="threePt" dir="t">
-              <a:rot lat="0" lon="0" rev="1200000"/>
-            </a:lightRig>
-          </a:scene3d>
-          <a:sp3d>
-            <a:bevelT w="63500" h="25400"/>
-          </a:sp3d>
         </a:effectStyle>
       </a:effectStyleLst>
       <a:bgFillStyleLst>
         <a:solidFill>
           <a:schemeClr val="phClr"/>
         </a:solidFill>
+        <a:solidFill>
+          <a:schemeClr val="phClr">
+            <a:tint val="95000"/>
+            <a:satMod val="170000"/>
+          </a:schemeClr>
+        </a:solidFill>
         <a:gradFill rotWithShape="1">
           <a:gsLst>
             <a:gs pos="0">
               <a:schemeClr val="phClr">
-                <a:tint val="40000"/>
-                <a:satMod val="350000"/>
+                <a:tint val="93000"/>
+                <a:satMod val="150000"/>
+                <a:shade val="98000"/>
+                <a:lumMod val="102000"/>
               </a:schemeClr>
             </a:gs>
-            <a:gs pos="40000">
+            <a:gs pos="50000">
               <a:schemeClr val="phClr">
-                <a:tint val="45000"/>
-                <a:shade val="99000"/>
-                <a:satMod val="350000"/>
+                <a:tint val="98000"/>
+                <a:satMod val="130000"/>
+                <a:shade val="90000"/>
+                <a:lumMod val="103000"/>
               </a:schemeClr>
             </a:gs>
             <a:gs pos="100000">
               <a:schemeClr val="phClr">
-                <a:shade val="20000"/>
-                <a:satMod val="255000"/>
+                <a:shade val="63000"/>
+                <a:satMod val="120000"/>
               </a:schemeClr>
             </a:gs>
           </a:gsLst>
-          <a:path path="circle">
-            <a:fillToRect l="50000" t="-80000" r="50000" b="180000"/>
-          </a:path>
-        </a:gradFill>
-        <a:gradFill rotWithShape="1">
-          <a:gsLst>
-            <a:gs pos="0">
-              <a:schemeClr val="phClr">
-                <a:tint val="80000"/>
-                <a:satMod val="300000"/>
-              </a:schemeClr>
-            </a:gs>
-            <a:gs pos="100000">
-              <a:schemeClr val="phClr">
-                <a:shade val="30000"/>
-                <a:satMod val="200000"/>
-              </a:schemeClr>
-            </a:gs>
-          </a:gsLst>
-          <a:path path="circle">
-            <a:fillToRect l="50000" t="50000" r="50000" b="50000"/>
-          </a:path>
+          <a:lin ang="5400000" scaled="0"/>
         </a:gradFill>
       </a:bgFillStyleLst>
     </a:fmtScheme>
   </a:themeElements>
   <a:objectDefaults/>
   <a:extraClrSchemeLst/>
+  <a:extLst>
+    <a:ext uri="{05A4C25C-085E-4340-85A3-A5531E510DB2}">
+      <thm15:themeFamily xmlns:thm15="http://schemas.microsoft.com/office/thememl/2012/main" xmlns="" name="Office Theme" id="{62F939B6-93AF-4DB8-9C6B-D6C7DFDC589F}" vid="{4A3C46E8-61CC-4603-A589-7422A47A8E4A}"/>
+    </a:ext>
+  </a:extLst>
 </a:theme>
 </file>